--- a/Executive-summaries.pptx
+++ b/Executive-summaries.pptx
@@ -9,53 +9,35 @@
   </p:notesMasterIdLst>
   <p:sldIdLst>
     <p:sldId id="256" r:id="rId6"/>
-    <p:sldId id="257" r:id="rId7"/>
-    <p:sldId id="258" r:id="rId8"/>
-    <p:sldId id="259" r:id="rId9"/>
-    <p:sldId id="260" r:id="rId10"/>
   </p:sldIdLst>
   <p:sldSz cy="10058400" cx="7772400"/>
   <p:notesSz cx="6858000" cy="9144000"/>
   <p:embeddedFontLst>
     <p:embeddedFont>
-      <p:font typeface="Google Sans SemiBold"/>
-      <p:regular r:id="rId11"/>
-      <p:bold r:id="rId12"/>
-      <p:italic r:id="rId13"/>
-      <p:boldItalic r:id="rId14"/>
-    </p:embeddedFont>
-    <p:embeddedFont>
       <p:font typeface="Roboto"/>
-      <p:regular r:id="rId15"/>
-      <p:bold r:id="rId16"/>
-      <p:italic r:id="rId17"/>
-      <p:boldItalic r:id="rId18"/>
+      <p:regular r:id="rId7"/>
+      <p:bold r:id="rId8"/>
+      <p:italic r:id="rId9"/>
+      <p:boldItalic r:id="rId10"/>
     </p:embeddedFont>
     <p:embeddedFont>
       <p:font typeface="PT Sans Narrow"/>
-      <p:regular r:id="rId19"/>
-      <p:bold r:id="rId20"/>
+      <p:regular r:id="rId11"/>
+      <p:bold r:id="rId12"/>
     </p:embeddedFont>
     <p:embeddedFont>
       <p:font typeface="Lato"/>
-      <p:regular r:id="rId21"/>
-      <p:bold r:id="rId22"/>
-      <p:italic r:id="rId23"/>
-      <p:boldItalic r:id="rId24"/>
-    </p:embeddedFont>
-    <p:embeddedFont>
-      <p:font typeface="Google Sans"/>
-      <p:regular r:id="rId25"/>
-      <p:bold r:id="rId26"/>
-      <p:italic r:id="rId27"/>
-      <p:boldItalic r:id="rId28"/>
+      <p:regular r:id="rId13"/>
+      <p:bold r:id="rId14"/>
+      <p:italic r:id="rId15"/>
+      <p:boldItalic r:id="rId16"/>
     </p:embeddedFont>
     <p:embeddedFont>
       <p:font typeface="Work Sans"/>
-      <p:regular r:id="rId29"/>
-      <p:bold r:id="rId30"/>
-      <p:italic r:id="rId31"/>
-      <p:boldItalic r:id="rId32"/>
+      <p:regular r:id="rId17"/>
+      <p:bold r:id="rId18"/>
+      <p:italic r:id="rId19"/>
+      <p:boldItalic r:id="rId20"/>
     </p:embeddedFont>
   </p:embeddedFontLst>
   <p:defaultTextStyle>
@@ -394,104 +376,239 @@
             <a:noAutofit/>
           </a:bodyPr>
           <a:lstStyle>
-            <a:lvl1pPr indent="-298450" lvl="0" marL="457200">
+            <a:lvl1pPr indent="-298450" lvl="0" marL="457200" marR="0" rtl="0" algn="l">
+              <a:lnSpc>
+                <a:spcPct val="100000"/>
+              </a:lnSpc>
               <a:spcBef>
                 <a:spcPts val="0"/>
               </a:spcBef>
               <a:spcAft>
                 <a:spcPts val="0"/>
               </a:spcAft>
+              <a:buClr>
+                <a:srgbClr val="000000"/>
+              </a:buClr>
               <a:buSzPts val="1100"/>
+              <a:buFont typeface="Arial"/>
               <a:buChar char="●"/>
-              <a:defRPr sz="1100"/>
+              <a:defRPr b="0" i="0" sz="1100" u="none" cap="none" strike="noStrike">
+                <a:solidFill>
+                  <a:srgbClr val="000000"/>
+                </a:solidFill>
+                <a:latin typeface="Arial"/>
+                <a:ea typeface="Arial"/>
+                <a:cs typeface="Arial"/>
+                <a:sym typeface="Arial"/>
+              </a:defRPr>
             </a:lvl1pPr>
-            <a:lvl2pPr indent="-298450" lvl="1" marL="914400">
+            <a:lvl2pPr indent="-298450" lvl="1" marL="914400" marR="0" rtl="0" algn="l">
+              <a:lnSpc>
+                <a:spcPct val="100000"/>
+              </a:lnSpc>
               <a:spcBef>
                 <a:spcPts val="0"/>
               </a:spcBef>
               <a:spcAft>
                 <a:spcPts val="0"/>
               </a:spcAft>
+              <a:buClr>
+                <a:srgbClr val="000000"/>
+              </a:buClr>
               <a:buSzPts val="1100"/>
+              <a:buFont typeface="Arial"/>
               <a:buChar char="○"/>
-              <a:defRPr sz="1100"/>
+              <a:defRPr b="0" i="0" sz="1100" u="none" cap="none" strike="noStrike">
+                <a:solidFill>
+                  <a:srgbClr val="000000"/>
+                </a:solidFill>
+                <a:latin typeface="Arial"/>
+                <a:ea typeface="Arial"/>
+                <a:cs typeface="Arial"/>
+                <a:sym typeface="Arial"/>
+              </a:defRPr>
             </a:lvl2pPr>
-            <a:lvl3pPr indent="-298450" lvl="2" marL="1371600">
+            <a:lvl3pPr indent="-298450" lvl="2" marL="1371600" marR="0" rtl="0" algn="l">
+              <a:lnSpc>
+                <a:spcPct val="100000"/>
+              </a:lnSpc>
               <a:spcBef>
                 <a:spcPts val="0"/>
               </a:spcBef>
               <a:spcAft>
                 <a:spcPts val="0"/>
               </a:spcAft>
+              <a:buClr>
+                <a:srgbClr val="000000"/>
+              </a:buClr>
               <a:buSzPts val="1100"/>
+              <a:buFont typeface="Arial"/>
               <a:buChar char="■"/>
-              <a:defRPr sz="1100"/>
+              <a:defRPr b="0" i="0" sz="1100" u="none" cap="none" strike="noStrike">
+                <a:solidFill>
+                  <a:srgbClr val="000000"/>
+                </a:solidFill>
+                <a:latin typeface="Arial"/>
+                <a:ea typeface="Arial"/>
+                <a:cs typeface="Arial"/>
+                <a:sym typeface="Arial"/>
+              </a:defRPr>
             </a:lvl3pPr>
-            <a:lvl4pPr indent="-298450" lvl="3" marL="1828800">
+            <a:lvl4pPr indent="-298450" lvl="3" marL="1828800" marR="0" rtl="0" algn="l">
+              <a:lnSpc>
+                <a:spcPct val="100000"/>
+              </a:lnSpc>
               <a:spcBef>
                 <a:spcPts val="0"/>
               </a:spcBef>
               <a:spcAft>
                 <a:spcPts val="0"/>
               </a:spcAft>
+              <a:buClr>
+                <a:srgbClr val="000000"/>
+              </a:buClr>
               <a:buSzPts val="1100"/>
+              <a:buFont typeface="Arial"/>
               <a:buChar char="●"/>
-              <a:defRPr sz="1100"/>
+              <a:defRPr b="0" i="0" sz="1100" u="none" cap="none" strike="noStrike">
+                <a:solidFill>
+                  <a:srgbClr val="000000"/>
+                </a:solidFill>
+                <a:latin typeface="Arial"/>
+                <a:ea typeface="Arial"/>
+                <a:cs typeface="Arial"/>
+                <a:sym typeface="Arial"/>
+              </a:defRPr>
             </a:lvl4pPr>
-            <a:lvl5pPr indent="-298450" lvl="4" marL="2286000">
+            <a:lvl5pPr indent="-298450" lvl="4" marL="2286000" marR="0" rtl="0" algn="l">
+              <a:lnSpc>
+                <a:spcPct val="100000"/>
+              </a:lnSpc>
               <a:spcBef>
                 <a:spcPts val="0"/>
               </a:spcBef>
               <a:spcAft>
                 <a:spcPts val="0"/>
               </a:spcAft>
+              <a:buClr>
+                <a:srgbClr val="000000"/>
+              </a:buClr>
               <a:buSzPts val="1100"/>
+              <a:buFont typeface="Arial"/>
               <a:buChar char="○"/>
-              <a:defRPr sz="1100"/>
+              <a:defRPr b="0" i="0" sz="1100" u="none" cap="none" strike="noStrike">
+                <a:solidFill>
+                  <a:srgbClr val="000000"/>
+                </a:solidFill>
+                <a:latin typeface="Arial"/>
+                <a:ea typeface="Arial"/>
+                <a:cs typeface="Arial"/>
+                <a:sym typeface="Arial"/>
+              </a:defRPr>
             </a:lvl5pPr>
-            <a:lvl6pPr indent="-298450" lvl="5" marL="2743200">
+            <a:lvl6pPr indent="-298450" lvl="5" marL="2743200" marR="0" rtl="0" algn="l">
+              <a:lnSpc>
+                <a:spcPct val="100000"/>
+              </a:lnSpc>
               <a:spcBef>
                 <a:spcPts val="0"/>
               </a:spcBef>
               <a:spcAft>
                 <a:spcPts val="0"/>
               </a:spcAft>
+              <a:buClr>
+                <a:srgbClr val="000000"/>
+              </a:buClr>
               <a:buSzPts val="1100"/>
+              <a:buFont typeface="Arial"/>
               <a:buChar char="■"/>
-              <a:defRPr sz="1100"/>
+              <a:defRPr b="0" i="0" sz="1100" u="none" cap="none" strike="noStrike">
+                <a:solidFill>
+                  <a:srgbClr val="000000"/>
+                </a:solidFill>
+                <a:latin typeface="Arial"/>
+                <a:ea typeface="Arial"/>
+                <a:cs typeface="Arial"/>
+                <a:sym typeface="Arial"/>
+              </a:defRPr>
             </a:lvl6pPr>
-            <a:lvl7pPr indent="-298450" lvl="6" marL="3200400">
+            <a:lvl7pPr indent="-298450" lvl="6" marL="3200400" marR="0" rtl="0" algn="l">
+              <a:lnSpc>
+                <a:spcPct val="100000"/>
+              </a:lnSpc>
               <a:spcBef>
                 <a:spcPts val="0"/>
               </a:spcBef>
               <a:spcAft>
                 <a:spcPts val="0"/>
               </a:spcAft>
+              <a:buClr>
+                <a:srgbClr val="000000"/>
+              </a:buClr>
               <a:buSzPts val="1100"/>
+              <a:buFont typeface="Arial"/>
               <a:buChar char="●"/>
-              <a:defRPr sz="1100"/>
+              <a:defRPr b="0" i="0" sz="1100" u="none" cap="none" strike="noStrike">
+                <a:solidFill>
+                  <a:srgbClr val="000000"/>
+                </a:solidFill>
+                <a:latin typeface="Arial"/>
+                <a:ea typeface="Arial"/>
+                <a:cs typeface="Arial"/>
+                <a:sym typeface="Arial"/>
+              </a:defRPr>
             </a:lvl7pPr>
-            <a:lvl8pPr indent="-298450" lvl="7" marL="3657600">
+            <a:lvl8pPr indent="-298450" lvl="7" marL="3657600" marR="0" rtl="0" algn="l">
+              <a:lnSpc>
+                <a:spcPct val="100000"/>
+              </a:lnSpc>
               <a:spcBef>
                 <a:spcPts val="0"/>
               </a:spcBef>
               <a:spcAft>
                 <a:spcPts val="0"/>
               </a:spcAft>
+              <a:buClr>
+                <a:srgbClr val="000000"/>
+              </a:buClr>
               <a:buSzPts val="1100"/>
+              <a:buFont typeface="Arial"/>
               <a:buChar char="○"/>
-              <a:defRPr sz="1100"/>
+              <a:defRPr b="0" i="0" sz="1100" u="none" cap="none" strike="noStrike">
+                <a:solidFill>
+                  <a:srgbClr val="000000"/>
+                </a:solidFill>
+                <a:latin typeface="Arial"/>
+                <a:ea typeface="Arial"/>
+                <a:cs typeface="Arial"/>
+                <a:sym typeface="Arial"/>
+              </a:defRPr>
             </a:lvl8pPr>
-            <a:lvl9pPr indent="-298450" lvl="8" marL="4114800">
+            <a:lvl9pPr indent="-298450" lvl="8" marL="4114800" marR="0" rtl="0" algn="l">
+              <a:lnSpc>
+                <a:spcPct val="100000"/>
+              </a:lnSpc>
               <a:spcBef>
                 <a:spcPts val="0"/>
               </a:spcBef>
               <a:spcAft>
                 <a:spcPts val="0"/>
               </a:spcAft>
+              <a:buClr>
+                <a:srgbClr val="000000"/>
+              </a:buClr>
               <a:buSzPts val="1100"/>
+              <a:buFont typeface="Arial"/>
               <a:buChar char="■"/>
-              <a:defRPr sz="1100"/>
+              <a:defRPr b="0" i="0" sz="1100" u="none" cap="none" strike="noStrike">
+                <a:solidFill>
+                  <a:srgbClr val="000000"/>
+                </a:solidFill>
+                <a:latin typeface="Arial"/>
+                <a:ea typeface="Arial"/>
+                <a:cs typeface="Arial"/>
+                <a:sym typeface="Arial"/>
+              </a:defRPr>
             </a:lvl9pPr>
           </a:lstStyle>
           <a:p/>
@@ -751,7 +868,7 @@
       </p:grpSpPr>
       <p:sp>
         <p:nvSpPr>
-          <p:cNvPr id="192" name="Google Shape;192;g1390e7c1ade_0_62:notes"/>
+          <p:cNvPr id="192" name="Google Shape;192;p4:notes"/>
           <p:cNvSpPr/>
           <p:nvPr>
             <p:ph idx="2" type="sldImg"/>
@@ -782,11 +899,21 @@
               </a:path>
             </a:pathLst>
           </a:custGeom>
+          <a:noFill/>
+          <a:ln cap="flat" cmpd="sng" w="9525">
+            <a:solidFill>
+              <a:srgbClr val="000000"/>
+            </a:solidFill>
+            <a:prstDash val="solid"/>
+            <a:round/>
+            <a:headEnd len="sm" w="sm" type="none"/>
+            <a:tailEnd len="sm" w="sm" type="none"/>
+          </a:ln>
         </p:spPr>
       </p:sp>
       <p:sp>
         <p:nvSpPr>
-          <p:cNvPr id="193" name="Google Shape;193;g1390e7c1ade_0_62:notes"/>
+          <p:cNvPr id="193" name="Google Shape;193;p4:notes"/>
           <p:cNvSpPr txBox="1"/>
           <p:nvPr>
             <p:ph idx="1" type="body"/>
@@ -800,6 +927,10 @@
           <a:prstGeom prst="rect">
             <a:avLst/>
           </a:prstGeom>
+          <a:noFill/>
+          <a:ln>
+            <a:noFill/>
+          </a:ln>
         </p:spPr>
         <p:txBody>
           <a:bodyPr anchorCtr="0" anchor="t" bIns="91425" lIns="91425" spcFirstLastPara="1" rIns="91425" wrap="square" tIns="91425">
@@ -808,408 +939,16 @@
           <a:lstStyle/>
           <a:p>
             <a:pPr indent="0" lvl="0" marL="0" rtl="0" algn="l">
+              <a:lnSpc>
+                <a:spcPct val="100000"/>
+              </a:lnSpc>
               <a:spcBef>
                 <a:spcPts val="0"/>
               </a:spcBef>
               <a:spcAft>
                 <a:spcPts val="0"/>
               </a:spcAft>
-              <a:buNone/>
-            </a:pPr>
-            <a:r>
-              <a:t/>
-            </a:r>
-            <a:endParaRPr/>
-          </a:p>
-        </p:txBody>
-      </p:sp>
-    </p:spTree>
-  </p:cSld>
-  <p:clrMapOvr>
-    <a:masterClrMapping/>
-  </p:clrMapOvr>
-</p:notes>
-</file>
-
-<file path=ppt/notesSlides/notesSlide2.xml><?xml version="1.0" encoding="utf-8"?>
-<p:notes xmlns:a="http://schemas.openxmlformats.org/drawingml/2006/main" xmlns:r="http://schemas.openxmlformats.org/officeDocument/2006/relationships" xmlns:mc="http://schemas.openxmlformats.org/markup-compatibility/2006" xmlns:mv="urn:schemas-microsoft-com:mac:vml" xmlns:p="http://schemas.openxmlformats.org/presentationml/2006/main" xmlns:c="http://schemas.openxmlformats.org/drawingml/2006/chart" xmlns:dgm="http://schemas.openxmlformats.org/drawingml/2006/diagram" xmlns:o="urn:schemas-microsoft-com:office:office" xmlns:v="urn:schemas-microsoft-com:vml" xmlns:pvml="urn:schemas-microsoft-com:office:powerpoint" xmlns:com="http://schemas.openxmlformats.org/drawingml/2006/compatibility" xmlns:p14="http://schemas.microsoft.com/office/powerpoint/2010/main" xmlns:p15="http://schemas.microsoft.com/office/powerpoint/2012/main" xmlns:ahyp="http://schemas.microsoft.com/office/drawing/2018/hyperlinkcolor" showMasterPhAnim="0" showMasterSp="0">
-  <p:cSld>
-    <p:spTree>
-      <p:nvGrpSpPr>
-        <p:cNvPr id="197" name="Shape 197"/>
-        <p:cNvGrpSpPr/>
-        <p:nvPr/>
-      </p:nvGrpSpPr>
-      <p:grpSpPr>
-        <a:xfrm>
-          <a:off x="0" y="0"/>
-          <a:ext cx="0" cy="0"/>
-          <a:chOff x="0" y="0"/>
-          <a:chExt cx="0" cy="0"/>
-        </a:xfrm>
-      </p:grpSpPr>
-      <p:sp>
-        <p:nvSpPr>
-          <p:cNvPr id="198" name="Google Shape;198;g1390e7c1ade_0_16:notes"/>
-          <p:cNvSpPr/>
-          <p:nvPr>
-            <p:ph idx="2" type="sldImg"/>
-          </p:nvPr>
-        </p:nvSpPr>
-        <p:spPr>
-          <a:xfrm>
-            <a:off x="2104480" y="685800"/>
-            <a:ext cx="2649600" cy="3429000"/>
-          </a:xfrm>
-          <a:custGeom>
-            <a:rect b="b" l="l" r="r" t="t"/>
-            <a:pathLst>
-              <a:path extrusionOk="0" h="120000" w="120000">
-                <a:moveTo>
-                  <a:pt x="0" y="0"/>
-                </a:moveTo>
-                <a:lnTo>
-                  <a:pt x="120000" y="0"/>
-                </a:lnTo>
-                <a:lnTo>
-                  <a:pt x="120000" y="120000"/>
-                </a:lnTo>
-                <a:lnTo>
-                  <a:pt x="0" y="120000"/>
-                </a:lnTo>
-                <a:close/>
-              </a:path>
-            </a:pathLst>
-          </a:custGeom>
-        </p:spPr>
-      </p:sp>
-      <p:sp>
-        <p:nvSpPr>
-          <p:cNvPr id="199" name="Google Shape;199;g1390e7c1ade_0_16:notes"/>
-          <p:cNvSpPr txBox="1"/>
-          <p:nvPr>
-            <p:ph idx="1" type="body"/>
-          </p:nvPr>
-        </p:nvSpPr>
-        <p:spPr>
-          <a:xfrm>
-            <a:off x="685800" y="4343400"/>
-            <a:ext cx="5486400" cy="4114800"/>
-          </a:xfrm>
-          <a:prstGeom prst="rect">
-            <a:avLst/>
-          </a:prstGeom>
-        </p:spPr>
-        <p:txBody>
-          <a:bodyPr anchorCtr="0" anchor="t" bIns="91425" lIns="91425" spcFirstLastPara="1" rIns="91425" wrap="square" tIns="91425">
-            <a:noAutofit/>
-          </a:bodyPr>
-          <a:lstStyle/>
-          <a:p>
-            <a:pPr indent="0" lvl="0" marL="0" rtl="0" algn="l">
-              <a:spcBef>
-                <a:spcPts val="0"/>
-              </a:spcBef>
-              <a:spcAft>
-                <a:spcPts val="0"/>
-              </a:spcAft>
-              <a:buNone/>
-            </a:pPr>
-            <a:r>
-              <a:t/>
-            </a:r>
-            <a:endParaRPr/>
-          </a:p>
-        </p:txBody>
-      </p:sp>
-    </p:spTree>
-  </p:cSld>
-  <p:clrMapOvr>
-    <a:masterClrMapping/>
-  </p:clrMapOvr>
-</p:notes>
-</file>
-
-<file path=ppt/notesSlides/notesSlide3.xml><?xml version="1.0" encoding="utf-8"?>
-<p:notes xmlns:a="http://schemas.openxmlformats.org/drawingml/2006/main" xmlns:r="http://schemas.openxmlformats.org/officeDocument/2006/relationships" xmlns:mc="http://schemas.openxmlformats.org/markup-compatibility/2006" xmlns:mv="urn:schemas-microsoft-com:mac:vml" xmlns:p="http://schemas.openxmlformats.org/presentationml/2006/main" xmlns:c="http://schemas.openxmlformats.org/drawingml/2006/chart" xmlns:dgm="http://schemas.openxmlformats.org/drawingml/2006/diagram" xmlns:o="urn:schemas-microsoft-com:office:office" xmlns:v="urn:schemas-microsoft-com:vml" xmlns:pvml="urn:schemas-microsoft-com:office:powerpoint" xmlns:com="http://schemas.openxmlformats.org/drawingml/2006/compatibility" xmlns:p14="http://schemas.microsoft.com/office/powerpoint/2010/main" xmlns:p15="http://schemas.microsoft.com/office/powerpoint/2012/main" xmlns:ahyp="http://schemas.microsoft.com/office/drawing/2018/hyperlinkcolor" showMasterPhAnim="0" showMasterSp="0">
-  <p:cSld>
-    <p:spTree>
-      <p:nvGrpSpPr>
-        <p:cNvPr id="204" name="Shape 204"/>
-        <p:cNvGrpSpPr/>
-        <p:nvPr/>
-      </p:nvGrpSpPr>
-      <p:grpSpPr>
-        <a:xfrm>
-          <a:off x="0" y="0"/>
-          <a:ext cx="0" cy="0"/>
-          <a:chOff x="0" y="0"/>
-          <a:chExt cx="0" cy="0"/>
-        </a:xfrm>
-      </p:grpSpPr>
-      <p:sp>
-        <p:nvSpPr>
-          <p:cNvPr id="205" name="Google Shape;205;g1512140ae02_0_134:notes"/>
-          <p:cNvSpPr/>
-          <p:nvPr>
-            <p:ph idx="2" type="sldImg"/>
-          </p:nvPr>
-        </p:nvSpPr>
-        <p:spPr>
-          <a:xfrm>
-            <a:off x="2104480" y="685800"/>
-            <a:ext cx="2649600" cy="3429000"/>
-          </a:xfrm>
-          <a:custGeom>
-            <a:rect b="b" l="l" r="r" t="t"/>
-            <a:pathLst>
-              <a:path extrusionOk="0" h="120000" w="120000">
-                <a:moveTo>
-                  <a:pt x="0" y="0"/>
-                </a:moveTo>
-                <a:lnTo>
-                  <a:pt x="120000" y="0"/>
-                </a:lnTo>
-                <a:lnTo>
-                  <a:pt x="120000" y="120000"/>
-                </a:lnTo>
-                <a:lnTo>
-                  <a:pt x="0" y="120000"/>
-                </a:lnTo>
-                <a:close/>
-              </a:path>
-            </a:pathLst>
-          </a:custGeom>
-        </p:spPr>
-      </p:sp>
-      <p:sp>
-        <p:nvSpPr>
-          <p:cNvPr id="206" name="Google Shape;206;g1512140ae02_0_134:notes"/>
-          <p:cNvSpPr txBox="1"/>
-          <p:nvPr>
-            <p:ph idx="1" type="body"/>
-          </p:nvPr>
-        </p:nvSpPr>
-        <p:spPr>
-          <a:xfrm>
-            <a:off x="685800" y="4343400"/>
-            <a:ext cx="5486400" cy="4114800"/>
-          </a:xfrm>
-          <a:prstGeom prst="rect">
-            <a:avLst/>
-          </a:prstGeom>
-        </p:spPr>
-        <p:txBody>
-          <a:bodyPr anchorCtr="0" anchor="t" bIns="91425" lIns="91425" spcFirstLastPara="1" rIns="91425" wrap="square" tIns="91425">
-            <a:noAutofit/>
-          </a:bodyPr>
-          <a:lstStyle/>
-          <a:p>
-            <a:pPr indent="0" lvl="0" marL="0" rtl="0" algn="l">
-              <a:spcBef>
-                <a:spcPts val="0"/>
-              </a:spcBef>
-              <a:spcAft>
-                <a:spcPts val="0"/>
-              </a:spcAft>
-              <a:buNone/>
-            </a:pPr>
-            <a:r>
-              <a:t/>
-            </a:r>
-            <a:endParaRPr/>
-          </a:p>
-        </p:txBody>
-      </p:sp>
-    </p:spTree>
-  </p:cSld>
-  <p:clrMapOvr>
-    <a:masterClrMapping/>
-  </p:clrMapOvr>
-</p:notes>
-</file>
-
-<file path=ppt/notesSlides/notesSlide4.xml><?xml version="1.0" encoding="utf-8"?>
-<p:notes xmlns:a="http://schemas.openxmlformats.org/drawingml/2006/main" xmlns:r="http://schemas.openxmlformats.org/officeDocument/2006/relationships" xmlns:mc="http://schemas.openxmlformats.org/markup-compatibility/2006" xmlns:mv="urn:schemas-microsoft-com:mac:vml" xmlns:p="http://schemas.openxmlformats.org/presentationml/2006/main" xmlns:c="http://schemas.openxmlformats.org/drawingml/2006/chart" xmlns:dgm="http://schemas.openxmlformats.org/drawingml/2006/diagram" xmlns:o="urn:schemas-microsoft-com:office:office" xmlns:v="urn:schemas-microsoft-com:vml" xmlns:pvml="urn:schemas-microsoft-com:office:powerpoint" xmlns:com="http://schemas.openxmlformats.org/drawingml/2006/compatibility" xmlns:p14="http://schemas.microsoft.com/office/powerpoint/2010/main" xmlns:p15="http://schemas.microsoft.com/office/powerpoint/2012/main" xmlns:ahyp="http://schemas.microsoft.com/office/drawing/2018/hyperlinkcolor" showMasterPhAnim="0" showMasterSp="0">
-  <p:cSld>
-    <p:spTree>
-      <p:nvGrpSpPr>
-        <p:cNvPr id="210" name="Shape 210"/>
-        <p:cNvGrpSpPr/>
-        <p:nvPr/>
-      </p:nvGrpSpPr>
-      <p:grpSpPr>
-        <a:xfrm>
-          <a:off x="0" y="0"/>
-          <a:ext cx="0" cy="0"/>
-          <a:chOff x="0" y="0"/>
-          <a:chExt cx="0" cy="0"/>
-        </a:xfrm>
-      </p:grpSpPr>
-      <p:sp>
-        <p:nvSpPr>
-          <p:cNvPr id="211" name="Google Shape;211;g1512140ae02_0_242:notes"/>
-          <p:cNvSpPr/>
-          <p:nvPr>
-            <p:ph idx="2" type="sldImg"/>
-          </p:nvPr>
-        </p:nvSpPr>
-        <p:spPr>
-          <a:xfrm>
-            <a:off x="2104480" y="685800"/>
-            <a:ext cx="2649600" cy="3429000"/>
-          </a:xfrm>
-          <a:custGeom>
-            <a:rect b="b" l="l" r="r" t="t"/>
-            <a:pathLst>
-              <a:path extrusionOk="0" h="120000" w="120000">
-                <a:moveTo>
-                  <a:pt x="0" y="0"/>
-                </a:moveTo>
-                <a:lnTo>
-                  <a:pt x="120000" y="0"/>
-                </a:lnTo>
-                <a:lnTo>
-                  <a:pt x="120000" y="120000"/>
-                </a:lnTo>
-                <a:lnTo>
-                  <a:pt x="0" y="120000"/>
-                </a:lnTo>
-                <a:close/>
-              </a:path>
-            </a:pathLst>
-          </a:custGeom>
-        </p:spPr>
-      </p:sp>
-      <p:sp>
-        <p:nvSpPr>
-          <p:cNvPr id="212" name="Google Shape;212;g1512140ae02_0_242:notes"/>
-          <p:cNvSpPr txBox="1"/>
-          <p:nvPr>
-            <p:ph idx="1" type="body"/>
-          </p:nvPr>
-        </p:nvSpPr>
-        <p:spPr>
-          <a:xfrm>
-            <a:off x="685800" y="4343400"/>
-            <a:ext cx="5486400" cy="4114800"/>
-          </a:xfrm>
-          <a:prstGeom prst="rect">
-            <a:avLst/>
-          </a:prstGeom>
-        </p:spPr>
-        <p:txBody>
-          <a:bodyPr anchorCtr="0" anchor="t" bIns="91425" lIns="91425" spcFirstLastPara="1" rIns="91425" wrap="square" tIns="91425">
-            <a:noAutofit/>
-          </a:bodyPr>
-          <a:lstStyle/>
-          <a:p>
-            <a:pPr indent="0" lvl="0" marL="0" rtl="0" algn="l">
-              <a:spcBef>
-                <a:spcPts val="0"/>
-              </a:spcBef>
-              <a:spcAft>
-                <a:spcPts val="0"/>
-              </a:spcAft>
-              <a:buNone/>
-            </a:pPr>
-            <a:r>
-              <a:t/>
-            </a:r>
-            <a:endParaRPr/>
-          </a:p>
-        </p:txBody>
-      </p:sp>
-    </p:spTree>
-  </p:cSld>
-  <p:clrMapOvr>
-    <a:masterClrMapping/>
-  </p:clrMapOvr>
-</p:notes>
-</file>
-
-<file path=ppt/notesSlides/notesSlide5.xml><?xml version="1.0" encoding="utf-8"?>
-<p:notes xmlns:a="http://schemas.openxmlformats.org/drawingml/2006/main" xmlns:r="http://schemas.openxmlformats.org/officeDocument/2006/relationships" xmlns:mc="http://schemas.openxmlformats.org/markup-compatibility/2006" xmlns:mv="urn:schemas-microsoft-com:mac:vml" xmlns:p="http://schemas.openxmlformats.org/presentationml/2006/main" xmlns:c="http://schemas.openxmlformats.org/drawingml/2006/chart" xmlns:dgm="http://schemas.openxmlformats.org/drawingml/2006/diagram" xmlns:o="urn:schemas-microsoft-com:office:office" xmlns:v="urn:schemas-microsoft-com:vml" xmlns:pvml="urn:schemas-microsoft-com:office:powerpoint" xmlns:com="http://schemas.openxmlformats.org/drawingml/2006/compatibility" xmlns:p14="http://schemas.microsoft.com/office/powerpoint/2010/main" xmlns:p15="http://schemas.microsoft.com/office/powerpoint/2012/main" xmlns:ahyp="http://schemas.microsoft.com/office/drawing/2018/hyperlinkcolor" showMasterPhAnim="0" showMasterSp="0">
-  <p:cSld>
-    <p:spTree>
-      <p:nvGrpSpPr>
-        <p:cNvPr id="215" name="Shape 215"/>
-        <p:cNvGrpSpPr/>
-        <p:nvPr/>
-      </p:nvGrpSpPr>
-      <p:grpSpPr>
-        <a:xfrm>
-          <a:off x="0" y="0"/>
-          <a:ext cx="0" cy="0"/>
-          <a:chOff x="0" y="0"/>
-          <a:chExt cx="0" cy="0"/>
-        </a:xfrm>
-      </p:grpSpPr>
-      <p:sp>
-        <p:nvSpPr>
-          <p:cNvPr id="216" name="Google Shape;216;g1512140ae02_0_793:notes"/>
-          <p:cNvSpPr/>
-          <p:nvPr>
-            <p:ph idx="2" type="sldImg"/>
-          </p:nvPr>
-        </p:nvSpPr>
-        <p:spPr>
-          <a:xfrm>
-            <a:off x="2104480" y="685800"/>
-            <a:ext cx="2649600" cy="3429000"/>
-          </a:xfrm>
-          <a:custGeom>
-            <a:rect b="b" l="l" r="r" t="t"/>
-            <a:pathLst>
-              <a:path extrusionOk="0" h="120000" w="120000">
-                <a:moveTo>
-                  <a:pt x="0" y="0"/>
-                </a:moveTo>
-                <a:lnTo>
-                  <a:pt x="120000" y="0"/>
-                </a:lnTo>
-                <a:lnTo>
-                  <a:pt x="120000" y="120000"/>
-                </a:lnTo>
-                <a:lnTo>
-                  <a:pt x="0" y="120000"/>
-                </a:lnTo>
-                <a:close/>
-              </a:path>
-            </a:pathLst>
-          </a:custGeom>
-        </p:spPr>
-      </p:sp>
-      <p:sp>
-        <p:nvSpPr>
-          <p:cNvPr id="217" name="Google Shape;217;g1512140ae02_0_793:notes"/>
-          <p:cNvSpPr txBox="1"/>
-          <p:nvPr>
-            <p:ph idx="1" type="body"/>
-          </p:nvPr>
-        </p:nvSpPr>
-        <p:spPr>
-          <a:xfrm>
-            <a:off x="685800" y="4343400"/>
-            <a:ext cx="5486400" cy="4114800"/>
-          </a:xfrm>
-          <a:prstGeom prst="rect">
-            <a:avLst/>
-          </a:prstGeom>
-        </p:spPr>
-        <p:txBody>
-          <a:bodyPr anchorCtr="0" anchor="t" bIns="91425" lIns="91425" spcFirstLastPara="1" rIns="91425" wrap="square" tIns="91425">
-            <a:noAutofit/>
-          </a:bodyPr>
-          <a:lstStyle/>
-          <a:p>
-            <a:pPr indent="0" lvl="0" marL="0" rtl="0" algn="l">
-              <a:spcBef>
-                <a:spcPts val="0"/>
-              </a:spcBef>
-              <a:spcAft>
-                <a:spcPts val="0"/>
-              </a:spcAft>
+              <a:buSzPts val="1100"/>
               <a:buNone/>
             </a:pPr>
             <a:r>
@@ -1228,8 +967,8 @@
 </file>
 
 <file path=ppt/slideLayouts/slideLayout1.xml><?xml version="1.0" encoding="utf-8"?>
-<p:sldLayout xmlns:a="http://schemas.openxmlformats.org/drawingml/2006/main" xmlns:r="http://schemas.openxmlformats.org/officeDocument/2006/relationships" xmlns:mc="http://schemas.openxmlformats.org/markup-compatibility/2006" xmlns:mv="urn:schemas-microsoft-com:mac:vml" xmlns:p="http://schemas.openxmlformats.org/presentationml/2006/main" xmlns:c="http://schemas.openxmlformats.org/drawingml/2006/chart" xmlns:dgm="http://schemas.openxmlformats.org/drawingml/2006/diagram" xmlns:o="urn:schemas-microsoft-com:office:office" xmlns:v="urn:schemas-microsoft-com:vml" xmlns:pvml="urn:schemas-microsoft-com:office:powerpoint" xmlns:com="http://schemas.openxmlformats.org/drawingml/2006/compatibility" xmlns:p14="http://schemas.microsoft.com/office/powerpoint/2010/main" xmlns:p15="http://schemas.microsoft.com/office/powerpoint/2012/main" xmlns:ahyp="http://schemas.microsoft.com/office/drawing/2018/hyperlinkcolor" matchingName="Layout 1" type="title">
-  <p:cSld name="TITLE">
+<p:sldLayout xmlns:a="http://schemas.openxmlformats.org/drawingml/2006/main" xmlns:r="http://schemas.openxmlformats.org/officeDocument/2006/relationships" xmlns:mc="http://schemas.openxmlformats.org/markup-compatibility/2006" xmlns:mv="urn:schemas-microsoft-com:mac:vml" xmlns:p="http://schemas.openxmlformats.org/presentationml/2006/main" xmlns:c="http://schemas.openxmlformats.org/drawingml/2006/chart" xmlns:dgm="http://schemas.openxmlformats.org/drawingml/2006/diagram" xmlns:o="urn:schemas-microsoft-com:office:office" xmlns:v="urn:schemas-microsoft-com:vml" xmlns:pvml="urn:schemas-microsoft-com:office:powerpoint" xmlns:com="http://schemas.openxmlformats.org/drawingml/2006/compatibility" xmlns:p14="http://schemas.microsoft.com/office/powerpoint/2010/main" xmlns:p15="http://schemas.microsoft.com/office/powerpoint/2012/main" xmlns:ahyp="http://schemas.microsoft.com/office/drawing/2018/hyperlinkcolor" matchingName="BLANK - DO NOT USE">
+  <p:cSld name="CUSTOM_1">
     <p:spTree>
       <p:nvGrpSpPr>
         <p:cNvPr id="10" name="Shape 10"/>
@@ -1244,9 +983,34 @@
           <a:chExt cx="0" cy="0"/>
         </a:xfrm>
       </p:grpSpPr>
+    </p:spTree>
+  </p:cSld>
+  <p:clrMapOvr>
+    <a:masterClrMapping/>
+  </p:clrMapOvr>
+</p:sldLayout>
+</file>
+
+<file path=ppt/slideLayouts/slideLayout2.xml><?xml version="1.0" encoding="utf-8"?>
+<p:sldLayout xmlns:a="http://schemas.openxmlformats.org/drawingml/2006/main" xmlns:r="http://schemas.openxmlformats.org/officeDocument/2006/relationships" xmlns:mc="http://schemas.openxmlformats.org/markup-compatibility/2006" xmlns:mv="urn:schemas-microsoft-com:mac:vml" xmlns:p="http://schemas.openxmlformats.org/presentationml/2006/main" xmlns:c="http://schemas.openxmlformats.org/drawingml/2006/chart" xmlns:dgm="http://schemas.openxmlformats.org/drawingml/2006/diagram" xmlns:o="urn:schemas-microsoft-com:office:office" xmlns:v="urn:schemas-microsoft-com:vml" xmlns:pvml="urn:schemas-microsoft-com:office:powerpoint" xmlns:com="http://schemas.openxmlformats.org/drawingml/2006/compatibility" xmlns:p14="http://schemas.microsoft.com/office/powerpoint/2010/main" xmlns:p15="http://schemas.microsoft.com/office/powerpoint/2012/main" xmlns:ahyp="http://schemas.microsoft.com/office/drawing/2018/hyperlinkcolor" matchingName="Layout 1" type="title">
+  <p:cSld name="TITLE">
+    <p:spTree>
+      <p:nvGrpSpPr>
+        <p:cNvPr id="11" name="Shape 11"/>
+        <p:cNvGrpSpPr/>
+        <p:nvPr/>
+      </p:nvGrpSpPr>
+      <p:grpSpPr>
+        <a:xfrm>
+          <a:off x="0" y="0"/>
+          <a:ext cx="0" cy="0"/>
+          <a:chOff x="0" y="0"/>
+          <a:chExt cx="0" cy="0"/>
+        </a:xfrm>
+      </p:grpSpPr>
       <p:grpSp>
         <p:nvGrpSpPr>
-          <p:cNvPr id="11" name="Google Shape;11;p2"/>
+          <p:cNvPr id="12" name="Google Shape;12;p3"/>
           <p:cNvGrpSpPr/>
           <p:nvPr/>
         </p:nvGrpSpPr>
@@ -1260,7 +1024,7 @@
         </p:grpSpPr>
         <p:sp>
           <p:nvSpPr>
-            <p:cNvPr id="12" name="Google Shape;12;p2"/>
+            <p:cNvPr id="13" name="Google Shape;13;p3"/>
             <p:cNvSpPr/>
             <p:nvPr/>
           </p:nvSpPr>
@@ -1291,29 +1055,41 @@
             </a:bodyPr>
             <a:lstStyle/>
             <a:p>
-              <a:pPr indent="0" lvl="0" marL="0" rtl="0" algn="l">
+              <a:pPr indent="0" lvl="0" marL="0" marR="0" rtl="0" algn="l">
+                <a:lnSpc>
+                  <a:spcPct val="100000"/>
+                </a:lnSpc>
                 <a:spcBef>
                   <a:spcPts val="0"/>
                 </a:spcBef>
                 <a:spcAft>
                   <a:spcPts val="0"/>
                 </a:spcAft>
+                <a:buClr>
+                  <a:srgbClr val="000000"/>
+                </a:buClr>
+                <a:buSzPts val="1400"/>
+                <a:buFont typeface="Arial"/>
                 <a:buNone/>
               </a:pPr>
               <a:r>
                 <a:t/>
               </a:r>
-              <a:endParaRPr>
+              <a:endParaRPr b="0" i="0" sz="1400" u="none" cap="none" strike="noStrike">
                 <a:solidFill>
                   <a:schemeClr val="dk2"/>
                 </a:solidFill>
+                <a:latin typeface="Arial"/>
+                <a:ea typeface="Arial"/>
+                <a:cs typeface="Arial"/>
+                <a:sym typeface="Arial"/>
               </a:endParaRPr>
             </a:p>
           </p:txBody>
         </p:sp>
         <p:sp>
           <p:nvSpPr>
-            <p:cNvPr id="13" name="Google Shape;13;p2"/>
+            <p:cNvPr id="14" name="Google Shape;14;p3"/>
             <p:cNvSpPr/>
             <p:nvPr/>
           </p:nvSpPr>
@@ -1344,29 +1120,41 @@
             </a:bodyPr>
             <a:lstStyle/>
             <a:p>
-              <a:pPr indent="0" lvl="0" marL="0" rtl="0" algn="l">
+              <a:pPr indent="0" lvl="0" marL="0" marR="0" rtl="0" algn="l">
+                <a:lnSpc>
+                  <a:spcPct val="100000"/>
+                </a:lnSpc>
                 <a:spcBef>
                   <a:spcPts val="0"/>
                 </a:spcBef>
                 <a:spcAft>
                   <a:spcPts val="0"/>
                 </a:spcAft>
+                <a:buClr>
+                  <a:srgbClr val="000000"/>
+                </a:buClr>
+                <a:buSzPts val="1400"/>
+                <a:buFont typeface="Arial"/>
                 <a:buNone/>
               </a:pPr>
               <a:r>
                 <a:t/>
               </a:r>
-              <a:endParaRPr>
+              <a:endParaRPr b="0" i="0" sz="1400" u="none" cap="none" strike="noStrike">
                 <a:solidFill>
                   <a:schemeClr val="dk2"/>
                 </a:solidFill>
+                <a:latin typeface="Arial"/>
+                <a:ea typeface="Arial"/>
+                <a:cs typeface="Arial"/>
+                <a:sym typeface="Arial"/>
               </a:endParaRPr>
             </a:p>
           </p:txBody>
         </p:sp>
         <p:sp>
           <p:nvSpPr>
-            <p:cNvPr id="14" name="Google Shape;14;p2"/>
+            <p:cNvPr id="15" name="Google Shape;15;p3"/>
             <p:cNvSpPr/>
             <p:nvPr/>
           </p:nvSpPr>
@@ -1397,29 +1185,41 @@
             </a:bodyPr>
             <a:lstStyle/>
             <a:p>
-              <a:pPr indent="0" lvl="0" marL="0" rtl="0" algn="l">
+              <a:pPr indent="0" lvl="0" marL="0" marR="0" rtl="0" algn="l">
+                <a:lnSpc>
+                  <a:spcPct val="100000"/>
+                </a:lnSpc>
                 <a:spcBef>
                   <a:spcPts val="0"/>
                 </a:spcBef>
                 <a:spcAft>
                   <a:spcPts val="0"/>
                 </a:spcAft>
+                <a:buClr>
+                  <a:srgbClr val="000000"/>
+                </a:buClr>
+                <a:buSzPts val="1400"/>
+                <a:buFont typeface="Arial"/>
                 <a:buNone/>
               </a:pPr>
               <a:r>
                 <a:t/>
               </a:r>
-              <a:endParaRPr>
+              <a:endParaRPr b="0" i="0" sz="1400" u="none" cap="none" strike="noStrike">
                 <a:solidFill>
                   <a:schemeClr val="dk2"/>
                 </a:solidFill>
+                <a:latin typeface="Arial"/>
+                <a:ea typeface="Arial"/>
+                <a:cs typeface="Arial"/>
+                <a:sym typeface="Arial"/>
               </a:endParaRPr>
             </a:p>
           </p:txBody>
         </p:sp>
         <p:sp>
           <p:nvSpPr>
-            <p:cNvPr id="15" name="Google Shape;15;p2"/>
+            <p:cNvPr id="16" name="Google Shape;16;p3"/>
             <p:cNvSpPr/>
             <p:nvPr/>
           </p:nvSpPr>
@@ -1450,22 +1250,34 @@
             </a:bodyPr>
             <a:lstStyle/>
             <a:p>
-              <a:pPr indent="0" lvl="0" marL="0" rtl="0" algn="l">
+              <a:pPr indent="0" lvl="0" marL="0" marR="0" rtl="0" algn="l">
+                <a:lnSpc>
+                  <a:spcPct val="100000"/>
+                </a:lnSpc>
                 <a:spcBef>
                   <a:spcPts val="0"/>
                 </a:spcBef>
                 <a:spcAft>
                   <a:spcPts val="0"/>
                 </a:spcAft>
+                <a:buClr>
+                  <a:srgbClr val="000000"/>
+                </a:buClr>
+                <a:buSzPts val="1400"/>
+                <a:buFont typeface="Arial"/>
                 <a:buNone/>
               </a:pPr>
               <a:r>
                 <a:t/>
               </a:r>
-              <a:endParaRPr>
+              <a:endParaRPr b="0" i="0" sz="1400" u="none" cap="none" strike="noStrike">
                 <a:solidFill>
                   <a:schemeClr val="dk2"/>
                 </a:solidFill>
+                <a:latin typeface="Arial"/>
+                <a:ea typeface="Arial"/>
+                <a:cs typeface="Arial"/>
+                <a:sym typeface="Arial"/>
               </a:endParaRPr>
             </a:p>
           </p:txBody>
@@ -1473,7 +1285,7 @@
       </p:grpSp>
       <p:sp>
         <p:nvSpPr>
-          <p:cNvPr id="16" name="Google Shape;16;p2"/>
+          <p:cNvPr id="17" name="Google Shape;17;p3"/>
           <p:cNvSpPr/>
           <p:nvPr/>
         </p:nvSpPr>
@@ -1500,29 +1312,41 @@
           </a:bodyPr>
           <a:lstStyle/>
           <a:p>
-            <a:pPr indent="0" lvl="0" marL="0" rtl="0" algn="l">
+            <a:pPr indent="0" lvl="0" marL="0" marR="0" rtl="0" algn="l">
+              <a:lnSpc>
+                <a:spcPct val="100000"/>
+              </a:lnSpc>
               <a:spcBef>
                 <a:spcPts val="0"/>
               </a:spcBef>
               <a:spcAft>
                 <a:spcPts val="0"/>
               </a:spcAft>
+              <a:buClr>
+                <a:srgbClr val="000000"/>
+              </a:buClr>
+              <a:buSzPts val="1400"/>
+              <a:buFont typeface="Arial"/>
               <a:buNone/>
             </a:pPr>
             <a:r>
               <a:t/>
             </a:r>
-            <a:endParaRPr>
+            <a:endParaRPr b="0" i="0" sz="1400" u="none" cap="none" strike="noStrike">
               <a:solidFill>
                 <a:schemeClr val="dk2"/>
               </a:solidFill>
+              <a:latin typeface="Arial"/>
+              <a:ea typeface="Arial"/>
+              <a:cs typeface="Arial"/>
+              <a:sym typeface="Arial"/>
             </a:endParaRPr>
           </a:p>
         </p:txBody>
       </p:sp>
       <p:grpSp>
         <p:nvGrpSpPr>
-          <p:cNvPr id="17" name="Google Shape;17;p2"/>
+          <p:cNvPr id="18" name="Google Shape;18;p3"/>
           <p:cNvGrpSpPr/>
           <p:nvPr/>
         </p:nvGrpSpPr>
@@ -1536,7 +1360,7 @@
         </p:grpSpPr>
         <p:sp>
           <p:nvSpPr>
-            <p:cNvPr id="18" name="Google Shape;18;p2"/>
+            <p:cNvPr id="19" name="Google Shape;19;p3"/>
             <p:cNvSpPr/>
             <p:nvPr/>
           </p:nvSpPr>
@@ -1567,29 +1391,41 @@
             </a:bodyPr>
             <a:lstStyle/>
             <a:p>
-              <a:pPr indent="0" lvl="0" marL="0" rtl="0" algn="l">
+              <a:pPr indent="0" lvl="0" marL="0" marR="0" rtl="0" algn="l">
+                <a:lnSpc>
+                  <a:spcPct val="100000"/>
+                </a:lnSpc>
                 <a:spcBef>
                   <a:spcPts val="0"/>
                 </a:spcBef>
                 <a:spcAft>
                   <a:spcPts val="0"/>
                 </a:spcAft>
+                <a:buClr>
+                  <a:srgbClr val="000000"/>
+                </a:buClr>
+                <a:buSzPts val="1400"/>
+                <a:buFont typeface="Arial"/>
                 <a:buNone/>
               </a:pPr>
               <a:r>
                 <a:t/>
               </a:r>
-              <a:endParaRPr>
+              <a:endParaRPr b="0" i="0" sz="1400" u="none" cap="none" strike="noStrike">
                 <a:solidFill>
                   <a:schemeClr val="dk2"/>
                 </a:solidFill>
+                <a:latin typeface="Arial"/>
+                <a:ea typeface="Arial"/>
+                <a:cs typeface="Arial"/>
+                <a:sym typeface="Arial"/>
               </a:endParaRPr>
             </a:p>
           </p:txBody>
         </p:sp>
         <p:sp>
           <p:nvSpPr>
-            <p:cNvPr id="19" name="Google Shape;19;p2"/>
+            <p:cNvPr id="20" name="Google Shape;20;p3"/>
             <p:cNvSpPr/>
             <p:nvPr/>
           </p:nvSpPr>
@@ -1620,29 +1456,41 @@
             </a:bodyPr>
             <a:lstStyle/>
             <a:p>
-              <a:pPr indent="0" lvl="0" marL="0" rtl="0" algn="l">
+              <a:pPr indent="0" lvl="0" marL="0" marR="0" rtl="0" algn="l">
+                <a:lnSpc>
+                  <a:spcPct val="100000"/>
+                </a:lnSpc>
                 <a:spcBef>
                   <a:spcPts val="0"/>
                 </a:spcBef>
                 <a:spcAft>
                   <a:spcPts val="0"/>
                 </a:spcAft>
+                <a:buClr>
+                  <a:srgbClr val="000000"/>
+                </a:buClr>
+                <a:buSzPts val="1400"/>
+                <a:buFont typeface="Arial"/>
                 <a:buNone/>
               </a:pPr>
               <a:r>
                 <a:t/>
               </a:r>
-              <a:endParaRPr>
+              <a:endParaRPr b="0" i="0" sz="1400" u="none" cap="none" strike="noStrike">
                 <a:solidFill>
                   <a:schemeClr val="dk2"/>
                 </a:solidFill>
+                <a:latin typeface="Arial"/>
+                <a:ea typeface="Arial"/>
+                <a:cs typeface="Arial"/>
+                <a:sym typeface="Arial"/>
               </a:endParaRPr>
             </a:p>
           </p:txBody>
         </p:sp>
         <p:sp>
           <p:nvSpPr>
-            <p:cNvPr id="20" name="Google Shape;20;p2"/>
+            <p:cNvPr id="21" name="Google Shape;21;p3"/>
             <p:cNvSpPr/>
             <p:nvPr/>
           </p:nvSpPr>
@@ -1673,29 +1521,41 @@
             </a:bodyPr>
             <a:lstStyle/>
             <a:p>
-              <a:pPr indent="0" lvl="0" marL="0" rtl="0" algn="l">
+              <a:pPr indent="0" lvl="0" marL="0" marR="0" rtl="0" algn="l">
+                <a:lnSpc>
+                  <a:spcPct val="100000"/>
+                </a:lnSpc>
                 <a:spcBef>
                   <a:spcPts val="0"/>
                 </a:spcBef>
                 <a:spcAft>
                   <a:spcPts val="0"/>
                 </a:spcAft>
+                <a:buClr>
+                  <a:srgbClr val="000000"/>
+                </a:buClr>
+                <a:buSzPts val="1400"/>
+                <a:buFont typeface="Arial"/>
                 <a:buNone/>
               </a:pPr>
               <a:r>
                 <a:t/>
               </a:r>
-              <a:endParaRPr>
+              <a:endParaRPr b="0" i="0" sz="1400" u="none" cap="none" strike="noStrike">
                 <a:solidFill>
                   <a:schemeClr val="dk2"/>
                 </a:solidFill>
+                <a:latin typeface="Arial"/>
+                <a:ea typeface="Arial"/>
+                <a:cs typeface="Arial"/>
+                <a:sym typeface="Arial"/>
               </a:endParaRPr>
             </a:p>
           </p:txBody>
         </p:sp>
         <p:sp>
           <p:nvSpPr>
-            <p:cNvPr id="21" name="Google Shape;21;p2"/>
+            <p:cNvPr id="22" name="Google Shape;22;p3"/>
             <p:cNvSpPr/>
             <p:nvPr/>
           </p:nvSpPr>
@@ -1726,22 +1586,34 @@
             </a:bodyPr>
             <a:lstStyle/>
             <a:p>
-              <a:pPr indent="0" lvl="0" marL="0" rtl="0" algn="l">
+              <a:pPr indent="0" lvl="0" marL="0" marR="0" rtl="0" algn="l">
+                <a:lnSpc>
+                  <a:spcPct val="100000"/>
+                </a:lnSpc>
                 <a:spcBef>
                   <a:spcPts val="0"/>
                 </a:spcBef>
                 <a:spcAft>
                   <a:spcPts val="0"/>
                 </a:spcAft>
+                <a:buClr>
+                  <a:srgbClr val="000000"/>
+                </a:buClr>
+                <a:buSzPts val="1400"/>
+                <a:buFont typeface="Arial"/>
                 <a:buNone/>
               </a:pPr>
               <a:r>
                 <a:t/>
               </a:r>
-              <a:endParaRPr>
+              <a:endParaRPr b="0" i="0" sz="1400" u="none" cap="none" strike="noStrike">
                 <a:solidFill>
                   <a:schemeClr val="dk2"/>
                 </a:solidFill>
+                <a:latin typeface="Arial"/>
+                <a:ea typeface="Arial"/>
+                <a:cs typeface="Arial"/>
+                <a:sym typeface="Arial"/>
               </a:endParaRPr>
             </a:p>
           </p:txBody>
@@ -1749,9 +1621,9 @@
       </p:grpSp>
       <p:cxnSp>
         <p:nvCxnSpPr>
-          <p:cNvPr id="22" name="Google Shape;22;p2"/>
+          <p:cNvPr id="23" name="Google Shape;23;p3"/>
           <p:cNvCxnSpPr>
-            <a:stCxn id="12" idx="0"/>
+            <a:stCxn id="13" idx="0"/>
           </p:cNvCxnSpPr>
           <p:nvPr/>
         </p:nvCxnSpPr>
@@ -1770,14 +1642,14 @@
             </a:solidFill>
             <a:prstDash val="solid"/>
             <a:round/>
-            <a:headEnd len="med" w="med" type="none"/>
-            <a:tailEnd len="med" w="med" type="none"/>
+            <a:headEnd len="sm" w="sm" type="none"/>
+            <a:tailEnd len="sm" w="sm" type="none"/>
           </a:ln>
         </p:spPr>
       </p:cxnSp>
       <p:cxnSp>
         <p:nvCxnSpPr>
-          <p:cNvPr id="23" name="Google Shape;23;p2"/>
+          <p:cNvPr id="24" name="Google Shape;24;p3"/>
           <p:cNvCxnSpPr/>
           <p:nvPr/>
         </p:nvCxnSpPr>
@@ -1796,14 +1668,14 @@
             </a:solidFill>
             <a:prstDash val="solid"/>
             <a:round/>
-            <a:headEnd len="med" w="med" type="none"/>
-            <a:tailEnd len="med" w="med" type="none"/>
+            <a:headEnd len="sm" w="sm" type="none"/>
+            <a:tailEnd len="sm" w="sm" type="none"/>
           </a:ln>
         </p:spPr>
       </p:cxnSp>
       <p:grpSp>
         <p:nvGrpSpPr>
-          <p:cNvPr id="24" name="Google Shape;24;p2"/>
+          <p:cNvPr id="25" name="Google Shape;25;p3"/>
           <p:cNvGrpSpPr/>
           <p:nvPr/>
         </p:nvGrpSpPr>
@@ -1817,7 +1689,7 @@
         </p:grpSpPr>
         <p:sp>
           <p:nvSpPr>
-            <p:cNvPr id="25" name="Google Shape;25;p2"/>
+            <p:cNvPr id="26" name="Google Shape;26;p3"/>
             <p:cNvSpPr/>
             <p:nvPr/>
           </p:nvSpPr>
@@ -1850,29 +1722,41 @@
             </a:bodyPr>
             <a:lstStyle/>
             <a:p>
-              <a:pPr indent="0" lvl="0" marL="0" rtl="0" algn="l">
+              <a:pPr indent="0" lvl="0" marL="0" marR="0" rtl="0" algn="l">
+                <a:lnSpc>
+                  <a:spcPct val="100000"/>
+                </a:lnSpc>
                 <a:spcBef>
                   <a:spcPts val="0"/>
                 </a:spcBef>
                 <a:spcAft>
                   <a:spcPts val="0"/>
                 </a:spcAft>
+                <a:buClr>
+                  <a:srgbClr val="000000"/>
+                </a:buClr>
+                <a:buSzPts val="1400"/>
+                <a:buFont typeface="Arial"/>
                 <a:buNone/>
               </a:pPr>
               <a:r>
                 <a:t/>
               </a:r>
-              <a:endParaRPr>
+              <a:endParaRPr b="0" i="0" sz="1400" u="none" cap="none" strike="noStrike">
                 <a:solidFill>
                   <a:schemeClr val="dk2"/>
                 </a:solidFill>
+                <a:latin typeface="Arial"/>
+                <a:ea typeface="Arial"/>
+                <a:cs typeface="Arial"/>
+                <a:sym typeface="Arial"/>
               </a:endParaRPr>
             </a:p>
           </p:txBody>
         </p:sp>
         <p:sp>
           <p:nvSpPr>
-            <p:cNvPr id="26" name="Google Shape;26;p2"/>
+            <p:cNvPr id="27" name="Google Shape;27;p3"/>
             <p:cNvSpPr/>
             <p:nvPr/>
           </p:nvSpPr>
@@ -1903,22 +1787,34 @@
             </a:bodyPr>
             <a:lstStyle/>
             <a:p>
-              <a:pPr indent="0" lvl="0" marL="0" rtl="0" algn="l">
+              <a:pPr indent="0" lvl="0" marL="0" marR="0" rtl="0" algn="l">
+                <a:lnSpc>
+                  <a:spcPct val="100000"/>
+                </a:lnSpc>
                 <a:spcBef>
                   <a:spcPts val="0"/>
                 </a:spcBef>
                 <a:spcAft>
                   <a:spcPts val="0"/>
                 </a:spcAft>
+                <a:buClr>
+                  <a:srgbClr val="000000"/>
+                </a:buClr>
+                <a:buSzPts val="1400"/>
+                <a:buFont typeface="Arial"/>
                 <a:buNone/>
               </a:pPr>
               <a:r>
                 <a:t/>
               </a:r>
-              <a:endParaRPr>
+              <a:endParaRPr b="0" i="0" sz="1400" u="none" cap="none" strike="noStrike">
                 <a:solidFill>
                   <a:schemeClr val="dk2"/>
                 </a:solidFill>
+                <a:latin typeface="Arial"/>
+                <a:ea typeface="Arial"/>
+                <a:cs typeface="Arial"/>
+                <a:sym typeface="Arial"/>
               </a:endParaRPr>
             </a:p>
           </p:txBody>
@@ -1926,7 +1822,7 @@
       </p:grpSp>
       <p:grpSp>
         <p:nvGrpSpPr>
-          <p:cNvPr id="27" name="Google Shape;27;p2"/>
+          <p:cNvPr id="28" name="Google Shape;28;p3"/>
           <p:cNvGrpSpPr/>
           <p:nvPr/>
         </p:nvGrpSpPr>
@@ -1940,7 +1836,7 @@
         </p:grpSpPr>
         <p:sp>
           <p:nvSpPr>
-            <p:cNvPr id="28" name="Google Shape;28;p2"/>
+            <p:cNvPr id="29" name="Google Shape;29;p3"/>
             <p:cNvSpPr/>
             <p:nvPr/>
           </p:nvSpPr>
@@ -1973,29 +1869,41 @@
             </a:bodyPr>
             <a:lstStyle/>
             <a:p>
-              <a:pPr indent="0" lvl="0" marL="0" rtl="0" algn="l">
+              <a:pPr indent="0" lvl="0" marL="0" marR="0" rtl="0" algn="l">
+                <a:lnSpc>
+                  <a:spcPct val="100000"/>
+                </a:lnSpc>
                 <a:spcBef>
                   <a:spcPts val="0"/>
                 </a:spcBef>
                 <a:spcAft>
                   <a:spcPts val="0"/>
                 </a:spcAft>
+                <a:buClr>
+                  <a:srgbClr val="000000"/>
+                </a:buClr>
+                <a:buSzPts val="1400"/>
+                <a:buFont typeface="Arial"/>
                 <a:buNone/>
               </a:pPr>
               <a:r>
                 <a:t/>
               </a:r>
-              <a:endParaRPr>
+              <a:endParaRPr b="0" i="0" sz="1400" u="none" cap="none" strike="noStrike">
                 <a:solidFill>
                   <a:schemeClr val="dk2"/>
                 </a:solidFill>
+                <a:latin typeface="Arial"/>
+                <a:ea typeface="Arial"/>
+                <a:cs typeface="Arial"/>
+                <a:sym typeface="Arial"/>
               </a:endParaRPr>
             </a:p>
           </p:txBody>
         </p:sp>
         <p:sp>
           <p:nvSpPr>
-            <p:cNvPr id="29" name="Google Shape;29;p2"/>
+            <p:cNvPr id="30" name="Google Shape;30;p3"/>
             <p:cNvSpPr/>
             <p:nvPr/>
           </p:nvSpPr>
@@ -2026,22 +1934,34 @@
             </a:bodyPr>
             <a:lstStyle/>
             <a:p>
-              <a:pPr indent="0" lvl="0" marL="0" rtl="0" algn="l">
+              <a:pPr indent="0" lvl="0" marL="0" marR="0" rtl="0" algn="l">
+                <a:lnSpc>
+                  <a:spcPct val="100000"/>
+                </a:lnSpc>
                 <a:spcBef>
                   <a:spcPts val="0"/>
                 </a:spcBef>
                 <a:spcAft>
                   <a:spcPts val="0"/>
                 </a:spcAft>
+                <a:buClr>
+                  <a:srgbClr val="000000"/>
+                </a:buClr>
+                <a:buSzPts val="1400"/>
+                <a:buFont typeface="Arial"/>
                 <a:buNone/>
               </a:pPr>
               <a:r>
                 <a:t/>
               </a:r>
-              <a:endParaRPr>
+              <a:endParaRPr b="0" i="0" sz="1400" u="none" cap="none" strike="noStrike">
                 <a:solidFill>
                   <a:schemeClr val="dk2"/>
                 </a:solidFill>
+                <a:latin typeface="Arial"/>
+                <a:ea typeface="Arial"/>
+                <a:cs typeface="Arial"/>
+                <a:sym typeface="Arial"/>
               </a:endParaRPr>
             </a:p>
           </p:txBody>
@@ -2049,7 +1969,7 @@
       </p:grpSp>
       <p:grpSp>
         <p:nvGrpSpPr>
-          <p:cNvPr id="30" name="Google Shape;30;p2"/>
+          <p:cNvPr id="31" name="Google Shape;31;p3"/>
           <p:cNvGrpSpPr/>
           <p:nvPr/>
         </p:nvGrpSpPr>
@@ -2063,7 +1983,7 @@
         </p:grpSpPr>
         <p:sp>
           <p:nvSpPr>
-            <p:cNvPr id="31" name="Google Shape;31;p2"/>
+            <p:cNvPr id="32" name="Google Shape;32;p3"/>
             <p:cNvSpPr/>
             <p:nvPr/>
           </p:nvSpPr>
@@ -2096,29 +2016,41 @@
             </a:bodyPr>
             <a:lstStyle/>
             <a:p>
-              <a:pPr indent="0" lvl="0" marL="0" rtl="0" algn="l">
+              <a:pPr indent="0" lvl="0" marL="0" marR="0" rtl="0" algn="l">
+                <a:lnSpc>
+                  <a:spcPct val="100000"/>
+                </a:lnSpc>
                 <a:spcBef>
                   <a:spcPts val="0"/>
                 </a:spcBef>
                 <a:spcAft>
                   <a:spcPts val="0"/>
                 </a:spcAft>
+                <a:buClr>
+                  <a:srgbClr val="000000"/>
+                </a:buClr>
+                <a:buSzPts val="1400"/>
+                <a:buFont typeface="Arial"/>
                 <a:buNone/>
               </a:pPr>
               <a:r>
                 <a:t/>
               </a:r>
-              <a:endParaRPr>
+              <a:endParaRPr b="0" i="0" sz="1400" u="none" cap="none" strike="noStrike">
                 <a:solidFill>
                   <a:schemeClr val="dk2"/>
                 </a:solidFill>
+                <a:latin typeface="Arial"/>
+                <a:ea typeface="Arial"/>
+                <a:cs typeface="Arial"/>
+                <a:sym typeface="Arial"/>
               </a:endParaRPr>
             </a:p>
           </p:txBody>
         </p:sp>
         <p:sp>
           <p:nvSpPr>
-            <p:cNvPr id="32" name="Google Shape;32;p2"/>
+            <p:cNvPr id="33" name="Google Shape;33;p3"/>
             <p:cNvSpPr/>
             <p:nvPr/>
           </p:nvSpPr>
@@ -2149,22 +2081,34 @@
             </a:bodyPr>
             <a:lstStyle/>
             <a:p>
-              <a:pPr indent="0" lvl="0" marL="0" rtl="0" algn="l">
+              <a:pPr indent="0" lvl="0" marL="0" marR="0" rtl="0" algn="l">
+                <a:lnSpc>
+                  <a:spcPct val="100000"/>
+                </a:lnSpc>
                 <a:spcBef>
                   <a:spcPts val="0"/>
                 </a:spcBef>
                 <a:spcAft>
                   <a:spcPts val="0"/>
                 </a:spcAft>
+                <a:buClr>
+                  <a:srgbClr val="000000"/>
+                </a:buClr>
+                <a:buSzPts val="1400"/>
+                <a:buFont typeface="Arial"/>
                 <a:buNone/>
               </a:pPr>
               <a:r>
                 <a:t/>
               </a:r>
-              <a:endParaRPr>
+              <a:endParaRPr b="0" i="0" sz="1400" u="none" cap="none" strike="noStrike">
                 <a:solidFill>
                   <a:schemeClr val="dk2"/>
                 </a:solidFill>
+                <a:latin typeface="Arial"/>
+                <a:ea typeface="Arial"/>
+                <a:cs typeface="Arial"/>
+                <a:sym typeface="Arial"/>
               </a:endParaRPr>
             </a:p>
           </p:txBody>
@@ -2172,7 +2116,7 @@
       </p:grpSp>
       <p:sp>
         <p:nvSpPr>
-          <p:cNvPr id="33" name="Google Shape;33;p2"/>
+          <p:cNvPr id="34" name="Google Shape;34;p3"/>
           <p:cNvSpPr txBox="1"/>
           <p:nvPr/>
         </p:nvSpPr>
@@ -2191,7 +2135,7 @@
           <a:effectLst>
             <a:outerShdw blurRad="57150" rotWithShape="0" algn="bl" dir="5400000" dist="19050">
               <a:srgbClr val="000000">
-                <a:alpha val="50000"/>
+                <a:alpha val="49803"/>
               </a:srgbClr>
             </a:outerShdw>
           </a:effectLst>
@@ -2202,42 +2146,50 @@
           </a:bodyPr>
           <a:lstStyle/>
           <a:p>
-            <a:pPr indent="0" lvl="0" marL="0" rtl="0" algn="ctr">
+            <a:pPr indent="0" lvl="0" marL="0" marR="0" rtl="0" algn="ctr">
+              <a:lnSpc>
+                <a:spcPct val="100000"/>
+              </a:lnSpc>
               <a:spcBef>
                 <a:spcPts val="0"/>
               </a:spcBef>
               <a:spcAft>
                 <a:spcPts val="0"/>
               </a:spcAft>
+              <a:buClr>
+                <a:srgbClr val="000000"/>
+              </a:buClr>
+              <a:buSzPts val="1900"/>
+              <a:buFont typeface="Arial"/>
               <a:buNone/>
             </a:pPr>
             <a:r>
-              <a:rPr lang="en" sz="1900">
+              <a:rPr b="0" i="0" lang="en" sz="1900" u="none" cap="none" strike="noStrike">
                 <a:solidFill>
                   <a:schemeClr val="lt2"/>
                 </a:solidFill>
-                <a:latin typeface="Google Sans SemiBold"/>
-                <a:ea typeface="Google Sans SemiBold"/>
-                <a:cs typeface="Google Sans SemiBold"/>
-                <a:sym typeface="Google Sans SemiBold"/>
+                <a:latin typeface="Arial"/>
+                <a:ea typeface="Arial"/>
+                <a:cs typeface="Arial"/>
+                <a:sym typeface="Arial"/>
               </a:rPr>
               <a:t>Key Insights </a:t>
             </a:r>
-            <a:endParaRPr sz="1900">
+            <a:endParaRPr b="0" i="0" sz="1900" u="none" cap="none" strike="noStrike">
               <a:solidFill>
                 <a:schemeClr val="lt2"/>
               </a:solidFill>
-              <a:latin typeface="Google Sans SemiBold"/>
-              <a:ea typeface="Google Sans SemiBold"/>
-              <a:cs typeface="Google Sans SemiBold"/>
-              <a:sym typeface="Google Sans SemiBold"/>
+              <a:latin typeface="Arial"/>
+              <a:ea typeface="Arial"/>
+              <a:cs typeface="Arial"/>
+              <a:sym typeface="Arial"/>
             </a:endParaRPr>
           </a:p>
         </p:txBody>
       </p:sp>
       <p:sp>
         <p:nvSpPr>
-          <p:cNvPr id="34" name="Google Shape;34;p2"/>
+          <p:cNvPr id="35" name="Google Shape;35;p3"/>
           <p:cNvSpPr txBox="1"/>
           <p:nvPr/>
         </p:nvSpPr>
@@ -2256,7 +2208,7 @@
           <a:effectLst>
             <a:outerShdw blurRad="57150" rotWithShape="0" algn="bl" dir="5400000" dist="19050">
               <a:srgbClr val="000000">
-                <a:alpha val="50000"/>
+                <a:alpha val="49803"/>
               </a:srgbClr>
             </a:outerShdw>
           </a:effectLst>
@@ -2267,42 +2219,50 @@
           </a:bodyPr>
           <a:lstStyle/>
           <a:p>
-            <a:pPr indent="0" lvl="0" marL="0" rtl="0" algn="ctr">
+            <a:pPr indent="0" lvl="0" marL="0" marR="0" rtl="0" algn="ctr">
+              <a:lnSpc>
+                <a:spcPct val="100000"/>
+              </a:lnSpc>
               <a:spcBef>
                 <a:spcPts val="0"/>
               </a:spcBef>
               <a:spcAft>
                 <a:spcPts val="0"/>
               </a:spcAft>
+              <a:buClr>
+                <a:srgbClr val="000000"/>
+              </a:buClr>
+              <a:buSzPts val="1900"/>
+              <a:buFont typeface="Arial"/>
               <a:buNone/>
             </a:pPr>
             <a:r>
-              <a:rPr lang="en" sz="1900">
+              <a:rPr b="0" i="0" lang="en" sz="1900" u="none" cap="none" strike="noStrike">
                 <a:solidFill>
                   <a:schemeClr val="lt2"/>
                 </a:solidFill>
-                <a:latin typeface="Google Sans SemiBold"/>
-                <a:ea typeface="Google Sans SemiBold"/>
-                <a:cs typeface="Google Sans SemiBold"/>
-                <a:sym typeface="Google Sans SemiBold"/>
+                <a:latin typeface="Arial"/>
+                <a:ea typeface="Arial"/>
+                <a:cs typeface="Arial"/>
+                <a:sym typeface="Arial"/>
               </a:rPr>
               <a:t>Details </a:t>
             </a:r>
-            <a:endParaRPr sz="1900">
+            <a:endParaRPr b="0" i="0" sz="1900" u="none" cap="none" strike="noStrike">
               <a:solidFill>
                 <a:schemeClr val="lt2"/>
               </a:solidFill>
-              <a:latin typeface="Google Sans SemiBold"/>
-              <a:ea typeface="Google Sans SemiBold"/>
-              <a:cs typeface="Google Sans SemiBold"/>
-              <a:sym typeface="Google Sans SemiBold"/>
+              <a:latin typeface="Arial"/>
+              <a:ea typeface="Arial"/>
+              <a:cs typeface="Arial"/>
+              <a:sym typeface="Arial"/>
             </a:endParaRPr>
           </a:p>
         </p:txBody>
       </p:sp>
       <p:sp>
         <p:nvSpPr>
-          <p:cNvPr id="35" name="Google Shape;35;p2"/>
+          <p:cNvPr id="36" name="Google Shape;36;p3"/>
           <p:cNvSpPr txBox="1"/>
           <p:nvPr/>
         </p:nvSpPr>
@@ -2321,7 +2281,7 @@
           <a:effectLst>
             <a:outerShdw blurRad="57150" rotWithShape="0" algn="bl" dir="5400000" dist="19050">
               <a:srgbClr val="000000">
-                <a:alpha val="50000"/>
+                <a:alpha val="49803"/>
               </a:srgbClr>
             </a:outerShdw>
           </a:effectLst>
@@ -2332,42 +2292,50 @@
           </a:bodyPr>
           <a:lstStyle/>
           <a:p>
-            <a:pPr indent="0" lvl="0" marL="0" rtl="0" algn="ctr">
+            <a:pPr indent="0" lvl="0" marL="0" marR="0" rtl="0" algn="ctr">
+              <a:lnSpc>
+                <a:spcPct val="100000"/>
+              </a:lnSpc>
               <a:spcBef>
                 <a:spcPts val="0"/>
               </a:spcBef>
               <a:spcAft>
                 <a:spcPts val="0"/>
               </a:spcAft>
+              <a:buClr>
+                <a:srgbClr val="000000"/>
+              </a:buClr>
+              <a:buSzPts val="1900"/>
+              <a:buFont typeface="Arial"/>
               <a:buNone/>
             </a:pPr>
             <a:r>
-              <a:rPr lang="en" sz="1900">
+              <a:rPr b="0" i="0" lang="en" sz="1900" u="none" cap="none" strike="noStrike">
                 <a:solidFill>
                   <a:schemeClr val="lt2"/>
                 </a:solidFill>
-                <a:latin typeface="Google Sans SemiBold"/>
-                <a:ea typeface="Google Sans SemiBold"/>
-                <a:cs typeface="Google Sans SemiBold"/>
-                <a:sym typeface="Google Sans SemiBold"/>
+                <a:latin typeface="Arial"/>
+                <a:ea typeface="Arial"/>
+                <a:cs typeface="Arial"/>
+                <a:sym typeface="Arial"/>
               </a:rPr>
               <a:t>Next Steps </a:t>
             </a:r>
-            <a:endParaRPr sz="1900">
+            <a:endParaRPr b="0" i="0" sz="1900" u="none" cap="none" strike="noStrike">
               <a:solidFill>
                 <a:schemeClr val="lt2"/>
               </a:solidFill>
-              <a:latin typeface="Google Sans SemiBold"/>
-              <a:ea typeface="Google Sans SemiBold"/>
-              <a:cs typeface="Google Sans SemiBold"/>
-              <a:sym typeface="Google Sans SemiBold"/>
+              <a:latin typeface="Arial"/>
+              <a:ea typeface="Arial"/>
+              <a:cs typeface="Arial"/>
+              <a:sym typeface="Arial"/>
             </a:endParaRPr>
           </a:p>
         </p:txBody>
       </p:sp>
       <p:grpSp>
         <p:nvGrpSpPr>
-          <p:cNvPr id="36" name="Google Shape;36;p2"/>
+          <p:cNvPr id="37" name="Google Shape;37;p3"/>
           <p:cNvGrpSpPr/>
           <p:nvPr/>
         </p:nvGrpSpPr>
@@ -2381,7 +2349,7 @@
         </p:grpSpPr>
         <p:sp>
           <p:nvSpPr>
-            <p:cNvPr id="37" name="Google Shape;37;p2"/>
+            <p:cNvPr id="38" name="Google Shape;38;p3"/>
             <p:cNvSpPr/>
             <p:nvPr/>
           </p:nvSpPr>
@@ -2412,29 +2380,41 @@
             </a:bodyPr>
             <a:lstStyle/>
             <a:p>
-              <a:pPr indent="0" lvl="0" marL="0" rtl="0" algn="l">
+              <a:pPr indent="0" lvl="0" marL="0" marR="0" rtl="0" algn="l">
+                <a:lnSpc>
+                  <a:spcPct val="100000"/>
+                </a:lnSpc>
                 <a:spcBef>
                   <a:spcPts val="0"/>
                 </a:spcBef>
                 <a:spcAft>
                   <a:spcPts val="0"/>
                 </a:spcAft>
+                <a:buClr>
+                  <a:srgbClr val="000000"/>
+                </a:buClr>
+                <a:buSzPts val="1400"/>
+                <a:buFont typeface="Arial"/>
                 <a:buNone/>
               </a:pPr>
               <a:r>
                 <a:t/>
               </a:r>
-              <a:endParaRPr>
+              <a:endParaRPr b="0" i="0" sz="1400" u="none" cap="none" strike="noStrike">
                 <a:solidFill>
                   <a:srgbClr val="595959"/>
                 </a:solidFill>
+                <a:latin typeface="Arial"/>
+                <a:ea typeface="Arial"/>
+                <a:cs typeface="Arial"/>
+                <a:sym typeface="Arial"/>
               </a:endParaRPr>
             </a:p>
           </p:txBody>
         </p:sp>
         <p:sp>
           <p:nvSpPr>
-            <p:cNvPr id="38" name="Google Shape;38;p2"/>
+            <p:cNvPr id="39" name="Google Shape;39;p3"/>
             <p:cNvSpPr/>
             <p:nvPr/>
           </p:nvSpPr>
@@ -2465,29 +2445,41 @@
             </a:bodyPr>
             <a:lstStyle/>
             <a:p>
-              <a:pPr indent="0" lvl="0" marL="0" rtl="0" algn="l">
+              <a:pPr indent="0" lvl="0" marL="0" marR="0" rtl="0" algn="l">
+                <a:lnSpc>
+                  <a:spcPct val="100000"/>
+                </a:lnSpc>
                 <a:spcBef>
                   <a:spcPts val="0"/>
                 </a:spcBef>
                 <a:spcAft>
                   <a:spcPts val="0"/>
                 </a:spcAft>
+                <a:buClr>
+                  <a:srgbClr val="000000"/>
+                </a:buClr>
+                <a:buSzPts val="1400"/>
+                <a:buFont typeface="Arial"/>
                 <a:buNone/>
               </a:pPr>
               <a:r>
                 <a:t/>
               </a:r>
-              <a:endParaRPr>
+              <a:endParaRPr b="0" i="0" sz="1400" u="none" cap="none" strike="noStrike">
                 <a:solidFill>
                   <a:srgbClr val="595959"/>
                 </a:solidFill>
+                <a:latin typeface="Arial"/>
+                <a:ea typeface="Arial"/>
+                <a:cs typeface="Arial"/>
+                <a:sym typeface="Arial"/>
               </a:endParaRPr>
             </a:p>
           </p:txBody>
         </p:sp>
         <p:sp>
           <p:nvSpPr>
-            <p:cNvPr id="39" name="Google Shape;39;p2"/>
+            <p:cNvPr id="40" name="Google Shape;40;p3"/>
             <p:cNvSpPr/>
             <p:nvPr/>
           </p:nvSpPr>
@@ -2518,29 +2510,41 @@
             </a:bodyPr>
             <a:lstStyle/>
             <a:p>
-              <a:pPr indent="0" lvl="0" marL="0" rtl="0" algn="l">
+              <a:pPr indent="0" lvl="0" marL="0" marR="0" rtl="0" algn="l">
+                <a:lnSpc>
+                  <a:spcPct val="100000"/>
+                </a:lnSpc>
                 <a:spcBef>
                   <a:spcPts val="0"/>
                 </a:spcBef>
                 <a:spcAft>
                   <a:spcPts val="0"/>
                 </a:spcAft>
+                <a:buClr>
+                  <a:srgbClr val="000000"/>
+                </a:buClr>
+                <a:buSzPts val="1400"/>
+                <a:buFont typeface="Arial"/>
                 <a:buNone/>
               </a:pPr>
               <a:r>
                 <a:t/>
               </a:r>
-              <a:endParaRPr>
+              <a:endParaRPr b="0" i="0" sz="1400" u="none" cap="none" strike="noStrike">
                 <a:solidFill>
                   <a:srgbClr val="595959"/>
                 </a:solidFill>
+                <a:latin typeface="Arial"/>
+                <a:ea typeface="Arial"/>
+                <a:cs typeface="Arial"/>
+                <a:sym typeface="Arial"/>
               </a:endParaRPr>
             </a:p>
           </p:txBody>
         </p:sp>
         <p:sp>
           <p:nvSpPr>
-            <p:cNvPr id="40" name="Google Shape;40;p2"/>
+            <p:cNvPr id="41" name="Google Shape;41;p3"/>
             <p:cNvSpPr/>
             <p:nvPr/>
           </p:nvSpPr>
@@ -2571,22 +2575,34 @@
             </a:bodyPr>
             <a:lstStyle/>
             <a:p>
-              <a:pPr indent="0" lvl="0" marL="0" rtl="0" algn="l">
+              <a:pPr indent="0" lvl="0" marL="0" marR="0" rtl="0" algn="l">
+                <a:lnSpc>
+                  <a:spcPct val="100000"/>
+                </a:lnSpc>
                 <a:spcBef>
                   <a:spcPts val="0"/>
                 </a:spcBef>
                 <a:spcAft>
                   <a:spcPts val="0"/>
                 </a:spcAft>
+                <a:buClr>
+                  <a:srgbClr val="000000"/>
+                </a:buClr>
+                <a:buSzPts val="1400"/>
+                <a:buFont typeface="Arial"/>
                 <a:buNone/>
               </a:pPr>
               <a:r>
                 <a:t/>
               </a:r>
-              <a:endParaRPr>
+              <a:endParaRPr b="0" i="0" sz="1400" u="none" cap="none" strike="noStrike">
                 <a:solidFill>
                   <a:srgbClr val="595959"/>
                 </a:solidFill>
+                <a:latin typeface="Arial"/>
+                <a:ea typeface="Arial"/>
+                <a:cs typeface="Arial"/>
+                <a:sym typeface="Arial"/>
               </a:endParaRPr>
             </a:p>
           </p:txBody>
@@ -2594,7 +2610,7 @@
       </p:grpSp>
       <p:sp>
         <p:nvSpPr>
-          <p:cNvPr id="41" name="Google Shape;41;p2"/>
+          <p:cNvPr id="42" name="Google Shape;42;p3"/>
           <p:cNvSpPr/>
           <p:nvPr/>
         </p:nvSpPr>
@@ -2621,29 +2637,41 @@
           </a:bodyPr>
           <a:lstStyle/>
           <a:p>
-            <a:pPr indent="0" lvl="0" marL="0" rtl="0" algn="l">
+            <a:pPr indent="0" lvl="0" marL="0" marR="0" rtl="0" algn="l">
+              <a:lnSpc>
+                <a:spcPct val="100000"/>
+              </a:lnSpc>
               <a:spcBef>
                 <a:spcPts val="0"/>
               </a:spcBef>
               <a:spcAft>
                 <a:spcPts val="0"/>
               </a:spcAft>
+              <a:buClr>
+                <a:srgbClr val="000000"/>
+              </a:buClr>
+              <a:buSzPts val="1400"/>
+              <a:buFont typeface="Arial"/>
               <a:buNone/>
             </a:pPr>
             <a:r>
               <a:t/>
             </a:r>
-            <a:endParaRPr>
+            <a:endParaRPr b="0" i="0" sz="1400" u="none" cap="none" strike="noStrike">
               <a:solidFill>
                 <a:srgbClr val="595959"/>
               </a:solidFill>
+              <a:latin typeface="Arial"/>
+              <a:ea typeface="Arial"/>
+              <a:cs typeface="Arial"/>
+              <a:sym typeface="Arial"/>
             </a:endParaRPr>
           </a:p>
         </p:txBody>
       </p:sp>
       <p:grpSp>
         <p:nvGrpSpPr>
-          <p:cNvPr id="42" name="Google Shape;42;p2"/>
+          <p:cNvPr id="43" name="Google Shape;43;p3"/>
           <p:cNvGrpSpPr/>
           <p:nvPr/>
         </p:nvGrpSpPr>
@@ -2657,7 +2685,7 @@
         </p:grpSpPr>
         <p:sp>
           <p:nvSpPr>
-            <p:cNvPr id="43" name="Google Shape;43;p2"/>
+            <p:cNvPr id="44" name="Google Shape;44;p3"/>
             <p:cNvSpPr/>
             <p:nvPr/>
           </p:nvSpPr>
@@ -2688,29 +2716,41 @@
             </a:bodyPr>
             <a:lstStyle/>
             <a:p>
-              <a:pPr indent="0" lvl="0" marL="0" rtl="0" algn="l">
+              <a:pPr indent="0" lvl="0" marL="0" marR="0" rtl="0" algn="l">
+                <a:lnSpc>
+                  <a:spcPct val="100000"/>
+                </a:lnSpc>
                 <a:spcBef>
                   <a:spcPts val="0"/>
                 </a:spcBef>
                 <a:spcAft>
                   <a:spcPts val="0"/>
                 </a:spcAft>
+                <a:buClr>
+                  <a:srgbClr val="000000"/>
+                </a:buClr>
+                <a:buSzPts val="1400"/>
+                <a:buFont typeface="Arial"/>
                 <a:buNone/>
               </a:pPr>
               <a:r>
                 <a:t/>
               </a:r>
-              <a:endParaRPr>
+              <a:endParaRPr b="0" i="0" sz="1400" u="none" cap="none" strike="noStrike">
                 <a:solidFill>
                   <a:srgbClr val="595959"/>
                 </a:solidFill>
+                <a:latin typeface="Arial"/>
+                <a:ea typeface="Arial"/>
+                <a:cs typeface="Arial"/>
+                <a:sym typeface="Arial"/>
               </a:endParaRPr>
             </a:p>
           </p:txBody>
         </p:sp>
         <p:sp>
           <p:nvSpPr>
-            <p:cNvPr id="44" name="Google Shape;44;p2"/>
+            <p:cNvPr id="45" name="Google Shape;45;p3"/>
             <p:cNvSpPr/>
             <p:nvPr/>
           </p:nvSpPr>
@@ -2741,29 +2781,41 @@
             </a:bodyPr>
             <a:lstStyle/>
             <a:p>
-              <a:pPr indent="0" lvl="0" marL="0" rtl="0" algn="l">
+              <a:pPr indent="0" lvl="0" marL="0" marR="0" rtl="0" algn="l">
+                <a:lnSpc>
+                  <a:spcPct val="100000"/>
+                </a:lnSpc>
                 <a:spcBef>
                   <a:spcPts val="0"/>
                 </a:spcBef>
                 <a:spcAft>
                   <a:spcPts val="0"/>
                 </a:spcAft>
+                <a:buClr>
+                  <a:srgbClr val="000000"/>
+                </a:buClr>
+                <a:buSzPts val="1400"/>
+                <a:buFont typeface="Arial"/>
                 <a:buNone/>
               </a:pPr>
               <a:r>
                 <a:t/>
               </a:r>
-              <a:endParaRPr>
+              <a:endParaRPr b="0" i="0" sz="1400" u="none" cap="none" strike="noStrike">
                 <a:solidFill>
                   <a:srgbClr val="595959"/>
                 </a:solidFill>
+                <a:latin typeface="Arial"/>
+                <a:ea typeface="Arial"/>
+                <a:cs typeface="Arial"/>
+                <a:sym typeface="Arial"/>
               </a:endParaRPr>
             </a:p>
           </p:txBody>
         </p:sp>
         <p:sp>
           <p:nvSpPr>
-            <p:cNvPr id="45" name="Google Shape;45;p2"/>
+            <p:cNvPr id="46" name="Google Shape;46;p3"/>
             <p:cNvSpPr/>
             <p:nvPr/>
           </p:nvSpPr>
@@ -2794,29 +2846,41 @@
             </a:bodyPr>
             <a:lstStyle/>
             <a:p>
-              <a:pPr indent="0" lvl="0" marL="0" rtl="0" algn="l">
+              <a:pPr indent="0" lvl="0" marL="0" marR="0" rtl="0" algn="l">
+                <a:lnSpc>
+                  <a:spcPct val="100000"/>
+                </a:lnSpc>
                 <a:spcBef>
                   <a:spcPts val="0"/>
                 </a:spcBef>
                 <a:spcAft>
                   <a:spcPts val="0"/>
                 </a:spcAft>
+                <a:buClr>
+                  <a:srgbClr val="000000"/>
+                </a:buClr>
+                <a:buSzPts val="1400"/>
+                <a:buFont typeface="Arial"/>
                 <a:buNone/>
               </a:pPr>
               <a:r>
                 <a:t/>
               </a:r>
-              <a:endParaRPr>
+              <a:endParaRPr b="0" i="0" sz="1400" u="none" cap="none" strike="noStrike">
                 <a:solidFill>
                   <a:srgbClr val="595959"/>
                 </a:solidFill>
+                <a:latin typeface="Arial"/>
+                <a:ea typeface="Arial"/>
+                <a:cs typeface="Arial"/>
+                <a:sym typeface="Arial"/>
               </a:endParaRPr>
             </a:p>
           </p:txBody>
         </p:sp>
         <p:sp>
           <p:nvSpPr>
-            <p:cNvPr id="46" name="Google Shape;46;p2"/>
+            <p:cNvPr id="47" name="Google Shape;47;p3"/>
             <p:cNvSpPr/>
             <p:nvPr/>
           </p:nvSpPr>
@@ -2847,22 +2911,34 @@
             </a:bodyPr>
             <a:lstStyle/>
             <a:p>
-              <a:pPr indent="0" lvl="0" marL="0" rtl="0" algn="l">
+              <a:pPr indent="0" lvl="0" marL="0" marR="0" rtl="0" algn="l">
+                <a:lnSpc>
+                  <a:spcPct val="100000"/>
+                </a:lnSpc>
                 <a:spcBef>
                   <a:spcPts val="0"/>
                 </a:spcBef>
                 <a:spcAft>
                   <a:spcPts val="0"/>
                 </a:spcAft>
+                <a:buClr>
+                  <a:srgbClr val="000000"/>
+                </a:buClr>
+                <a:buSzPts val="1400"/>
+                <a:buFont typeface="Arial"/>
                 <a:buNone/>
               </a:pPr>
               <a:r>
                 <a:t/>
               </a:r>
-              <a:endParaRPr>
+              <a:endParaRPr b="0" i="0" sz="1400" u="none" cap="none" strike="noStrike">
                 <a:solidFill>
                   <a:srgbClr val="595959"/>
                 </a:solidFill>
+                <a:latin typeface="Arial"/>
+                <a:ea typeface="Arial"/>
+                <a:cs typeface="Arial"/>
+                <a:sym typeface="Arial"/>
               </a:endParaRPr>
             </a:p>
           </p:txBody>
@@ -2870,9 +2946,9 @@
       </p:grpSp>
       <p:cxnSp>
         <p:nvCxnSpPr>
-          <p:cNvPr id="47" name="Google Shape;47;p2"/>
+          <p:cNvPr id="48" name="Google Shape;48;p3"/>
           <p:cNvCxnSpPr>
-            <a:stCxn id="37" idx="0"/>
+            <a:stCxn id="38" idx="0"/>
           </p:cNvCxnSpPr>
           <p:nvPr/>
         </p:nvCxnSpPr>
@@ -2891,14 +2967,14 @@
             </a:solidFill>
             <a:prstDash val="solid"/>
             <a:round/>
-            <a:headEnd len="med" w="med" type="none"/>
-            <a:tailEnd len="med" w="med" type="none"/>
+            <a:headEnd len="sm" w="sm" type="none"/>
+            <a:tailEnd len="sm" w="sm" type="none"/>
           </a:ln>
         </p:spPr>
       </p:cxnSp>
       <p:cxnSp>
         <p:nvCxnSpPr>
-          <p:cNvPr id="48" name="Google Shape;48;p2"/>
+          <p:cNvPr id="49" name="Google Shape;49;p3"/>
           <p:cNvCxnSpPr/>
           <p:nvPr/>
         </p:nvCxnSpPr>
@@ -2917,14 +2993,14 @@
             </a:solidFill>
             <a:prstDash val="solid"/>
             <a:round/>
-            <a:headEnd len="med" w="med" type="none"/>
-            <a:tailEnd len="med" w="med" type="none"/>
+            <a:headEnd len="sm" w="sm" type="none"/>
+            <a:tailEnd len="sm" w="sm" type="none"/>
           </a:ln>
         </p:spPr>
       </p:cxnSp>
       <p:grpSp>
         <p:nvGrpSpPr>
-          <p:cNvPr id="49" name="Google Shape;49;p2"/>
+          <p:cNvPr id="50" name="Google Shape;50;p3"/>
           <p:cNvGrpSpPr/>
           <p:nvPr/>
         </p:nvGrpSpPr>
@@ -2938,7 +3014,7 @@
         </p:grpSpPr>
         <p:sp>
           <p:nvSpPr>
-            <p:cNvPr id="50" name="Google Shape;50;p2"/>
+            <p:cNvPr id="51" name="Google Shape;51;p3"/>
             <p:cNvSpPr/>
             <p:nvPr/>
           </p:nvSpPr>
@@ -2971,29 +3047,41 @@
             </a:bodyPr>
             <a:lstStyle/>
             <a:p>
-              <a:pPr indent="0" lvl="0" marL="0" rtl="0" algn="l">
+              <a:pPr indent="0" lvl="0" marL="0" marR="0" rtl="0" algn="l">
+                <a:lnSpc>
+                  <a:spcPct val="100000"/>
+                </a:lnSpc>
                 <a:spcBef>
                   <a:spcPts val="0"/>
                 </a:spcBef>
                 <a:spcAft>
                   <a:spcPts val="0"/>
                 </a:spcAft>
+                <a:buClr>
+                  <a:srgbClr val="000000"/>
+                </a:buClr>
+                <a:buSzPts val="1400"/>
+                <a:buFont typeface="Arial"/>
                 <a:buNone/>
               </a:pPr>
               <a:r>
                 <a:t/>
               </a:r>
-              <a:endParaRPr>
+              <a:endParaRPr b="0" i="0" sz="1400" u="none" cap="none" strike="noStrike">
                 <a:solidFill>
                   <a:srgbClr val="595959"/>
                 </a:solidFill>
+                <a:latin typeface="Arial"/>
+                <a:ea typeface="Arial"/>
+                <a:cs typeface="Arial"/>
+                <a:sym typeface="Arial"/>
               </a:endParaRPr>
             </a:p>
           </p:txBody>
         </p:sp>
         <p:sp>
           <p:nvSpPr>
-            <p:cNvPr id="51" name="Google Shape;51;p2"/>
+            <p:cNvPr id="52" name="Google Shape;52;p3"/>
             <p:cNvSpPr/>
             <p:nvPr/>
           </p:nvSpPr>
@@ -3024,22 +3112,34 @@
             </a:bodyPr>
             <a:lstStyle/>
             <a:p>
-              <a:pPr indent="0" lvl="0" marL="0" rtl="0" algn="l">
+              <a:pPr indent="0" lvl="0" marL="0" marR="0" rtl="0" algn="l">
+                <a:lnSpc>
+                  <a:spcPct val="100000"/>
+                </a:lnSpc>
                 <a:spcBef>
                   <a:spcPts val="0"/>
                 </a:spcBef>
                 <a:spcAft>
                   <a:spcPts val="0"/>
                 </a:spcAft>
+                <a:buClr>
+                  <a:srgbClr val="000000"/>
+                </a:buClr>
+                <a:buSzPts val="1400"/>
+                <a:buFont typeface="Arial"/>
                 <a:buNone/>
               </a:pPr>
               <a:r>
                 <a:t/>
               </a:r>
-              <a:endParaRPr>
+              <a:endParaRPr b="0" i="0" sz="1400" u="none" cap="none" strike="noStrike">
                 <a:solidFill>
                   <a:srgbClr val="595959"/>
                 </a:solidFill>
+                <a:latin typeface="Arial"/>
+                <a:ea typeface="Arial"/>
+                <a:cs typeface="Arial"/>
+                <a:sym typeface="Arial"/>
               </a:endParaRPr>
             </a:p>
           </p:txBody>
@@ -3047,7 +3147,7 @@
       </p:grpSp>
       <p:grpSp>
         <p:nvGrpSpPr>
-          <p:cNvPr id="52" name="Google Shape;52;p2"/>
+          <p:cNvPr id="53" name="Google Shape;53;p3"/>
           <p:cNvGrpSpPr/>
           <p:nvPr/>
         </p:nvGrpSpPr>
@@ -3061,7 +3161,7 @@
         </p:grpSpPr>
         <p:sp>
           <p:nvSpPr>
-            <p:cNvPr id="53" name="Google Shape;53;p2"/>
+            <p:cNvPr id="54" name="Google Shape;54;p3"/>
             <p:cNvSpPr/>
             <p:nvPr/>
           </p:nvSpPr>
@@ -3094,29 +3194,41 @@
             </a:bodyPr>
             <a:lstStyle/>
             <a:p>
-              <a:pPr indent="0" lvl="0" marL="0" rtl="0" algn="l">
+              <a:pPr indent="0" lvl="0" marL="0" marR="0" rtl="0" algn="l">
+                <a:lnSpc>
+                  <a:spcPct val="100000"/>
+                </a:lnSpc>
                 <a:spcBef>
                   <a:spcPts val="0"/>
                 </a:spcBef>
                 <a:spcAft>
                   <a:spcPts val="0"/>
                 </a:spcAft>
+                <a:buClr>
+                  <a:srgbClr val="000000"/>
+                </a:buClr>
+                <a:buSzPts val="1400"/>
+                <a:buFont typeface="Arial"/>
                 <a:buNone/>
               </a:pPr>
               <a:r>
                 <a:t/>
               </a:r>
-              <a:endParaRPr>
+              <a:endParaRPr b="0" i="0" sz="1400" u="none" cap="none" strike="noStrike">
                 <a:solidFill>
                   <a:srgbClr val="595959"/>
                 </a:solidFill>
+                <a:latin typeface="Arial"/>
+                <a:ea typeface="Arial"/>
+                <a:cs typeface="Arial"/>
+                <a:sym typeface="Arial"/>
               </a:endParaRPr>
             </a:p>
           </p:txBody>
         </p:sp>
         <p:sp>
           <p:nvSpPr>
-            <p:cNvPr id="54" name="Google Shape;54;p2"/>
+            <p:cNvPr id="55" name="Google Shape;55;p3"/>
             <p:cNvSpPr/>
             <p:nvPr/>
           </p:nvSpPr>
@@ -3147,22 +3259,34 @@
             </a:bodyPr>
             <a:lstStyle/>
             <a:p>
-              <a:pPr indent="0" lvl="0" marL="0" rtl="0" algn="l">
+              <a:pPr indent="0" lvl="0" marL="0" marR="0" rtl="0" algn="l">
+                <a:lnSpc>
+                  <a:spcPct val="100000"/>
+                </a:lnSpc>
                 <a:spcBef>
                   <a:spcPts val="0"/>
                 </a:spcBef>
                 <a:spcAft>
                   <a:spcPts val="0"/>
                 </a:spcAft>
+                <a:buClr>
+                  <a:srgbClr val="000000"/>
+                </a:buClr>
+                <a:buSzPts val="1400"/>
+                <a:buFont typeface="Arial"/>
                 <a:buNone/>
               </a:pPr>
               <a:r>
                 <a:t/>
               </a:r>
-              <a:endParaRPr>
+              <a:endParaRPr b="0" i="0" sz="1400" u="none" cap="none" strike="noStrike">
                 <a:solidFill>
                   <a:srgbClr val="595959"/>
                 </a:solidFill>
+                <a:latin typeface="Arial"/>
+                <a:ea typeface="Arial"/>
+                <a:cs typeface="Arial"/>
+                <a:sym typeface="Arial"/>
               </a:endParaRPr>
             </a:p>
           </p:txBody>
@@ -3170,7 +3294,7 @@
       </p:grpSp>
       <p:grpSp>
         <p:nvGrpSpPr>
-          <p:cNvPr id="55" name="Google Shape;55;p2"/>
+          <p:cNvPr id="56" name="Google Shape;56;p3"/>
           <p:cNvGrpSpPr/>
           <p:nvPr/>
         </p:nvGrpSpPr>
@@ -3184,7 +3308,7 @@
         </p:grpSpPr>
         <p:sp>
           <p:nvSpPr>
-            <p:cNvPr id="56" name="Google Shape;56;p2"/>
+            <p:cNvPr id="57" name="Google Shape;57;p3"/>
             <p:cNvSpPr/>
             <p:nvPr/>
           </p:nvSpPr>
@@ -3217,29 +3341,41 @@
             </a:bodyPr>
             <a:lstStyle/>
             <a:p>
-              <a:pPr indent="0" lvl="0" marL="0" rtl="0" algn="l">
+              <a:pPr indent="0" lvl="0" marL="0" marR="0" rtl="0" algn="l">
+                <a:lnSpc>
+                  <a:spcPct val="100000"/>
+                </a:lnSpc>
                 <a:spcBef>
                   <a:spcPts val="0"/>
                 </a:spcBef>
                 <a:spcAft>
                   <a:spcPts val="0"/>
                 </a:spcAft>
+                <a:buClr>
+                  <a:srgbClr val="000000"/>
+                </a:buClr>
+                <a:buSzPts val="1400"/>
+                <a:buFont typeface="Arial"/>
                 <a:buNone/>
               </a:pPr>
               <a:r>
                 <a:t/>
               </a:r>
-              <a:endParaRPr>
+              <a:endParaRPr b="0" i="0" sz="1400" u="none" cap="none" strike="noStrike">
                 <a:solidFill>
                   <a:srgbClr val="595959"/>
                 </a:solidFill>
+                <a:latin typeface="Arial"/>
+                <a:ea typeface="Arial"/>
+                <a:cs typeface="Arial"/>
+                <a:sym typeface="Arial"/>
               </a:endParaRPr>
             </a:p>
           </p:txBody>
         </p:sp>
         <p:sp>
           <p:nvSpPr>
-            <p:cNvPr id="57" name="Google Shape;57;p2"/>
+            <p:cNvPr id="58" name="Google Shape;58;p3"/>
             <p:cNvSpPr/>
             <p:nvPr/>
           </p:nvSpPr>
@@ -3270,22 +3406,34 @@
             </a:bodyPr>
             <a:lstStyle/>
             <a:p>
-              <a:pPr indent="0" lvl="0" marL="0" rtl="0" algn="l">
+              <a:pPr indent="0" lvl="0" marL="0" marR="0" rtl="0" algn="l">
+                <a:lnSpc>
+                  <a:spcPct val="100000"/>
+                </a:lnSpc>
                 <a:spcBef>
                   <a:spcPts val="0"/>
                 </a:spcBef>
                 <a:spcAft>
                   <a:spcPts val="0"/>
                 </a:spcAft>
+                <a:buClr>
+                  <a:srgbClr val="000000"/>
+                </a:buClr>
+                <a:buSzPts val="1400"/>
+                <a:buFont typeface="Arial"/>
                 <a:buNone/>
               </a:pPr>
               <a:r>
                 <a:t/>
               </a:r>
-              <a:endParaRPr>
+              <a:endParaRPr b="0" i="0" sz="1400" u="none" cap="none" strike="noStrike">
                 <a:solidFill>
                   <a:srgbClr val="595959"/>
                 </a:solidFill>
+                <a:latin typeface="Arial"/>
+                <a:ea typeface="Arial"/>
+                <a:cs typeface="Arial"/>
+                <a:sym typeface="Arial"/>
               </a:endParaRPr>
             </a:p>
           </p:txBody>
@@ -3293,7 +3441,7 @@
       </p:grpSp>
       <p:sp>
         <p:nvSpPr>
-          <p:cNvPr id="58" name="Google Shape;58;p2"/>
+          <p:cNvPr id="59" name="Google Shape;59;p3"/>
           <p:cNvSpPr txBox="1"/>
           <p:nvPr/>
         </p:nvSpPr>
@@ -3312,7 +3460,7 @@
           <a:effectLst>
             <a:outerShdw blurRad="57150" rotWithShape="0" algn="bl" dir="5400000" dist="19050">
               <a:srgbClr val="000000">
-                <a:alpha val="50000"/>
+                <a:alpha val="49803"/>
               </a:srgbClr>
             </a:outerShdw>
           </a:effectLst>
@@ -3323,42 +3471,50 @@
           </a:bodyPr>
           <a:lstStyle/>
           <a:p>
-            <a:pPr indent="0" lvl="0" marL="0" rtl="0" algn="ctr">
+            <a:pPr indent="0" lvl="0" marL="0" marR="0" rtl="0" algn="ctr">
+              <a:lnSpc>
+                <a:spcPct val="100000"/>
+              </a:lnSpc>
               <a:spcBef>
                 <a:spcPts val="0"/>
               </a:spcBef>
               <a:spcAft>
                 <a:spcPts val="0"/>
               </a:spcAft>
+              <a:buClr>
+                <a:srgbClr val="000000"/>
+              </a:buClr>
+              <a:buSzPts val="1900"/>
+              <a:buFont typeface="Arial"/>
               <a:buNone/>
             </a:pPr>
             <a:r>
-              <a:rPr lang="en" sz="1900">
+              <a:rPr b="0" i="0" lang="en" sz="1900" u="none" cap="none" strike="noStrike">
                 <a:solidFill>
                   <a:srgbClr val="EEEEEE"/>
                 </a:solidFill>
-                <a:latin typeface="Google Sans SemiBold"/>
-                <a:ea typeface="Google Sans SemiBold"/>
-                <a:cs typeface="Google Sans SemiBold"/>
-                <a:sym typeface="Google Sans SemiBold"/>
+                <a:latin typeface="Arial"/>
+                <a:ea typeface="Arial"/>
+                <a:cs typeface="Arial"/>
+                <a:sym typeface="Arial"/>
               </a:rPr>
               <a:t>Key Insights </a:t>
             </a:r>
-            <a:endParaRPr sz="1900">
+            <a:endParaRPr b="0" i="0" sz="1900" u="none" cap="none" strike="noStrike">
               <a:solidFill>
                 <a:srgbClr val="EEEEEE"/>
               </a:solidFill>
-              <a:latin typeface="Google Sans SemiBold"/>
-              <a:ea typeface="Google Sans SemiBold"/>
-              <a:cs typeface="Google Sans SemiBold"/>
-              <a:sym typeface="Google Sans SemiBold"/>
+              <a:latin typeface="Arial"/>
+              <a:ea typeface="Arial"/>
+              <a:cs typeface="Arial"/>
+              <a:sym typeface="Arial"/>
             </a:endParaRPr>
           </a:p>
         </p:txBody>
       </p:sp>
       <p:sp>
         <p:nvSpPr>
-          <p:cNvPr id="59" name="Google Shape;59;p2"/>
+          <p:cNvPr id="60" name="Google Shape;60;p3"/>
           <p:cNvSpPr txBox="1"/>
           <p:nvPr/>
         </p:nvSpPr>
@@ -3377,7 +3533,7 @@
           <a:effectLst>
             <a:outerShdw blurRad="57150" rotWithShape="0" algn="bl" dir="5400000" dist="19050">
               <a:srgbClr val="000000">
-                <a:alpha val="50000"/>
+                <a:alpha val="49803"/>
               </a:srgbClr>
             </a:outerShdw>
           </a:effectLst>
@@ -3388,42 +3544,50 @@
           </a:bodyPr>
           <a:lstStyle/>
           <a:p>
-            <a:pPr indent="0" lvl="0" marL="0" rtl="0" algn="ctr">
+            <a:pPr indent="0" lvl="0" marL="0" marR="0" rtl="0" algn="ctr">
+              <a:lnSpc>
+                <a:spcPct val="100000"/>
+              </a:lnSpc>
               <a:spcBef>
                 <a:spcPts val="0"/>
               </a:spcBef>
               <a:spcAft>
                 <a:spcPts val="0"/>
               </a:spcAft>
+              <a:buClr>
+                <a:srgbClr val="000000"/>
+              </a:buClr>
+              <a:buSzPts val="1900"/>
+              <a:buFont typeface="Arial"/>
               <a:buNone/>
             </a:pPr>
             <a:r>
-              <a:rPr lang="en" sz="1900">
+              <a:rPr b="0" i="0" lang="en" sz="1900" u="none" cap="none" strike="noStrike">
                 <a:solidFill>
                   <a:srgbClr val="EEEEEE"/>
                 </a:solidFill>
-                <a:latin typeface="Google Sans SemiBold"/>
-                <a:ea typeface="Google Sans SemiBold"/>
-                <a:cs typeface="Google Sans SemiBold"/>
-                <a:sym typeface="Google Sans SemiBold"/>
+                <a:latin typeface="Arial"/>
+                <a:ea typeface="Arial"/>
+                <a:cs typeface="Arial"/>
+                <a:sym typeface="Arial"/>
               </a:rPr>
               <a:t>Details </a:t>
             </a:r>
-            <a:endParaRPr sz="1900">
+            <a:endParaRPr b="0" i="0" sz="1900" u="none" cap="none" strike="noStrike">
               <a:solidFill>
                 <a:srgbClr val="EEEEEE"/>
               </a:solidFill>
-              <a:latin typeface="Google Sans SemiBold"/>
-              <a:ea typeface="Google Sans SemiBold"/>
-              <a:cs typeface="Google Sans SemiBold"/>
-              <a:sym typeface="Google Sans SemiBold"/>
+              <a:latin typeface="Arial"/>
+              <a:ea typeface="Arial"/>
+              <a:cs typeface="Arial"/>
+              <a:sym typeface="Arial"/>
             </a:endParaRPr>
           </a:p>
         </p:txBody>
       </p:sp>
       <p:sp>
         <p:nvSpPr>
-          <p:cNvPr id="60" name="Google Shape;60;p2"/>
+          <p:cNvPr id="61" name="Google Shape;61;p3"/>
           <p:cNvSpPr txBox="1"/>
           <p:nvPr/>
         </p:nvSpPr>
@@ -3442,7 +3606,7 @@
           <a:effectLst>
             <a:outerShdw blurRad="57150" rotWithShape="0" algn="bl" dir="5400000" dist="19050">
               <a:srgbClr val="000000">
-                <a:alpha val="50000"/>
+                <a:alpha val="49803"/>
               </a:srgbClr>
             </a:outerShdw>
           </a:effectLst>
@@ -3453,42 +3617,50 @@
           </a:bodyPr>
           <a:lstStyle/>
           <a:p>
-            <a:pPr indent="0" lvl="0" marL="0" rtl="0" algn="ctr">
+            <a:pPr indent="0" lvl="0" marL="0" marR="0" rtl="0" algn="ctr">
+              <a:lnSpc>
+                <a:spcPct val="100000"/>
+              </a:lnSpc>
               <a:spcBef>
                 <a:spcPts val="0"/>
               </a:spcBef>
               <a:spcAft>
                 <a:spcPts val="0"/>
               </a:spcAft>
+              <a:buClr>
+                <a:srgbClr val="000000"/>
+              </a:buClr>
+              <a:buSzPts val="1900"/>
+              <a:buFont typeface="Arial"/>
               <a:buNone/>
             </a:pPr>
             <a:r>
-              <a:rPr lang="en" sz="1900">
+              <a:rPr b="0" i="0" lang="en" sz="1900" u="none" cap="none" strike="noStrike">
                 <a:solidFill>
                   <a:srgbClr val="EEEEEE"/>
                 </a:solidFill>
-                <a:latin typeface="Google Sans SemiBold"/>
-                <a:ea typeface="Google Sans SemiBold"/>
-                <a:cs typeface="Google Sans SemiBold"/>
-                <a:sym typeface="Google Sans SemiBold"/>
+                <a:latin typeface="Arial"/>
+                <a:ea typeface="Arial"/>
+                <a:cs typeface="Arial"/>
+                <a:sym typeface="Arial"/>
               </a:rPr>
               <a:t>Next Steps </a:t>
             </a:r>
-            <a:endParaRPr sz="1900">
+            <a:endParaRPr b="0" i="0" sz="1900" u="none" cap="none" strike="noStrike">
               <a:solidFill>
                 <a:srgbClr val="EEEEEE"/>
               </a:solidFill>
-              <a:latin typeface="Google Sans SemiBold"/>
-              <a:ea typeface="Google Sans SemiBold"/>
-              <a:cs typeface="Google Sans SemiBold"/>
-              <a:sym typeface="Google Sans SemiBold"/>
+              <a:latin typeface="Arial"/>
+              <a:ea typeface="Arial"/>
+              <a:cs typeface="Arial"/>
+              <a:sym typeface="Arial"/>
             </a:endParaRPr>
           </a:p>
         </p:txBody>
       </p:sp>
       <p:sp>
         <p:nvSpPr>
-          <p:cNvPr id="61" name="Google Shape;61;p2"/>
+          <p:cNvPr id="62" name="Google Shape;62;p3"/>
           <p:cNvSpPr txBox="1"/>
           <p:nvPr/>
         </p:nvSpPr>
@@ -3507,7 +3679,7 @@
           <a:effectLst>
             <a:outerShdw blurRad="57150" rotWithShape="0" algn="bl" dir="5400000" dist="19050">
               <a:srgbClr val="000000">
-                <a:alpha val="50000"/>
+                <a:alpha val="49803"/>
               </a:srgbClr>
             </a:outerShdw>
           </a:effectLst>
@@ -3518,36 +3690,50 @@
           </a:bodyPr>
           <a:lstStyle/>
           <a:p>
-            <a:pPr indent="0" lvl="0" marL="0" rtl="0" algn="ctr">
+            <a:pPr indent="0" lvl="0" marL="0" marR="0" rtl="0" algn="ctr">
+              <a:lnSpc>
+                <a:spcPct val="100000"/>
+              </a:lnSpc>
               <a:spcBef>
                 <a:spcPts val="0"/>
               </a:spcBef>
               <a:spcAft>
                 <a:spcPts val="0"/>
               </a:spcAft>
+              <a:buClr>
+                <a:srgbClr val="000000"/>
+              </a:buClr>
+              <a:buSzPts val="2100"/>
+              <a:buFont typeface="Arial"/>
               <a:buNone/>
             </a:pPr>
             <a:r>
-              <a:rPr b="1" lang="en" sz="2100">
-                <a:latin typeface="Google Sans"/>
-                <a:ea typeface="Google Sans"/>
-                <a:cs typeface="Google Sans"/>
-                <a:sym typeface="Google Sans"/>
+              <a:rPr b="1" i="0" lang="en" sz="2100" u="none" cap="none" strike="noStrike">
+                <a:solidFill>
+                  <a:srgbClr val="000000"/>
+                </a:solidFill>
+                <a:latin typeface="Arial"/>
+                <a:ea typeface="Arial"/>
+                <a:cs typeface="Arial"/>
+                <a:sym typeface="Arial"/>
               </a:rPr>
               <a:t>Click here to edit title</a:t>
             </a:r>
-            <a:endParaRPr b="1" sz="2100">
-              <a:latin typeface="Google Sans"/>
-              <a:ea typeface="Google Sans"/>
-              <a:cs typeface="Google Sans"/>
-              <a:sym typeface="Google Sans"/>
+            <a:endParaRPr b="1" i="0" sz="2100" u="none" cap="none" strike="noStrike">
+              <a:solidFill>
+                <a:srgbClr val="000000"/>
+              </a:solidFill>
+              <a:latin typeface="Arial"/>
+              <a:ea typeface="Arial"/>
+              <a:cs typeface="Arial"/>
+              <a:sym typeface="Arial"/>
             </a:endParaRPr>
           </a:p>
         </p:txBody>
       </p:sp>
       <p:sp>
         <p:nvSpPr>
-          <p:cNvPr id="62" name="Google Shape;62;p2"/>
+          <p:cNvPr id="63" name="Google Shape;63;p3"/>
           <p:cNvSpPr txBox="1"/>
           <p:nvPr/>
         </p:nvSpPr>
@@ -3570,7 +3756,7 @@
           </a:bodyPr>
           <a:lstStyle/>
           <a:p>
-            <a:pPr indent="0" lvl="0" marL="0" rtl="0" algn="ctr">
+            <a:pPr indent="0" lvl="0" marL="0" marR="0" rtl="0" algn="ctr">
               <a:lnSpc>
                 <a:spcPct val="115000"/>
               </a:lnSpc>
@@ -3580,10 +3766,18 @@
               <a:spcAft>
                 <a:spcPts val="1200"/>
               </a:spcAft>
+              <a:buClr>
+                <a:srgbClr val="000000"/>
+              </a:buClr>
+              <a:buSzPts val="1200"/>
+              <a:buFont typeface="Arial"/>
               <a:buNone/>
             </a:pPr>
             <a:r>
-              <a:rPr lang="en" sz="1200">
+              <a:rPr b="0" i="0" lang="en" sz="1200" u="none" cap="none" strike="noStrike">
+                <a:solidFill>
+                  <a:srgbClr val="000000"/>
+                </a:solidFill>
                 <a:latin typeface="PT Sans Narrow"/>
                 <a:ea typeface="PT Sans Narrow"/>
                 <a:cs typeface="PT Sans Narrow"/>
@@ -3591,7 +3785,7 @@
               </a:rPr>
               <a:t>Click here to edit subtitle</a:t>
             </a:r>
-            <a:endParaRPr sz="1200">
+            <a:endParaRPr b="0" i="0" sz="1200" u="none" cap="none" strike="noStrike">
               <a:solidFill>
                 <a:srgbClr val="000000"/>
               </a:solidFill>
@@ -3605,7 +3799,7 @@
       </p:sp>
       <p:sp>
         <p:nvSpPr>
-          <p:cNvPr id="63" name="Google Shape;63;p2"/>
+          <p:cNvPr id="64" name="Google Shape;64;p3"/>
           <p:cNvSpPr/>
           <p:nvPr>
             <p:ph idx="2" type="pic"/>
@@ -3633,7 +3827,7 @@
       </p:sp>
       <p:sp>
         <p:nvSpPr>
-          <p:cNvPr id="64" name="Google Shape;64;p2"/>
+          <p:cNvPr id="65" name="Google Shape;65;p3"/>
           <p:cNvSpPr txBox="1"/>
           <p:nvPr/>
         </p:nvSpPr>
@@ -3656,7 +3850,7 @@
           </a:bodyPr>
           <a:lstStyle/>
           <a:p>
-            <a:pPr indent="0" lvl="0" marL="0" rtl="0" algn="l">
+            <a:pPr indent="0" lvl="0" marL="0" marR="0" rtl="0" algn="l">
               <a:lnSpc>
                 <a:spcPct val="105000"/>
               </a:lnSpc>
@@ -3666,10 +3860,18 @@
               <a:spcAft>
                 <a:spcPts val="0"/>
               </a:spcAft>
+              <a:buClr>
+                <a:srgbClr val="000000"/>
+              </a:buClr>
+              <a:buSzPct val="100000"/>
+              <a:buFont typeface="Arial"/>
               <a:buNone/>
             </a:pPr>
             <a:r>
-              <a:rPr i="1" lang="en" sz="1100">
+              <a:rPr b="0" i="1" lang="en" sz="1100" u="none" cap="none" strike="noStrike">
+                <a:solidFill>
+                  <a:srgbClr val="000000"/>
+                </a:solidFill>
                 <a:latin typeface="Lato"/>
                 <a:ea typeface="Lato"/>
                 <a:cs typeface="Lato"/>
@@ -3677,7 +3879,7 @@
               </a:rPr>
               <a:t>Image Alt-Text Here</a:t>
             </a:r>
-            <a:endParaRPr i="1" sz="1100">
+            <a:endParaRPr b="0" i="1" sz="1100" u="none" cap="none" strike="noStrike">
               <a:solidFill>
                 <a:srgbClr val="000000"/>
               </a:solidFill>
@@ -3697,12 +3899,12 @@
 </p:sldLayout>
 </file>
 
-<file path=ppt/slideLayouts/slideLayout2.xml><?xml version="1.0" encoding="utf-8"?>
+<file path=ppt/slideLayouts/slideLayout3.xml><?xml version="1.0" encoding="utf-8"?>
 <p:sldLayout xmlns:a="http://schemas.openxmlformats.org/drawingml/2006/main" xmlns:r="http://schemas.openxmlformats.org/officeDocument/2006/relationships" xmlns:mc="http://schemas.openxmlformats.org/markup-compatibility/2006" xmlns:mv="urn:schemas-microsoft-com:mac:vml" xmlns:p="http://schemas.openxmlformats.org/presentationml/2006/main" xmlns:c="http://schemas.openxmlformats.org/drawingml/2006/chart" xmlns:dgm="http://schemas.openxmlformats.org/drawingml/2006/diagram" xmlns:o="urn:schemas-microsoft-com:office:office" xmlns:v="urn:schemas-microsoft-com:vml" xmlns:pvml="urn:schemas-microsoft-com:office:powerpoint" xmlns:com="http://schemas.openxmlformats.org/drawingml/2006/compatibility" xmlns:p14="http://schemas.microsoft.com/office/powerpoint/2010/main" xmlns:p15="http://schemas.microsoft.com/office/powerpoint/2012/main" xmlns:ahyp="http://schemas.microsoft.com/office/drawing/2018/hyperlinkcolor" matchingName="Layout 2">
   <p:cSld name="TITLE_1">
     <p:spTree>
       <p:nvGrpSpPr>
-        <p:cNvPr id="65" name="Shape 65"/>
+        <p:cNvPr id="66" name="Shape 66"/>
         <p:cNvGrpSpPr/>
         <p:nvPr/>
       </p:nvGrpSpPr>
@@ -3716,7 +3918,7 @@
       </p:grpSpPr>
       <p:cxnSp>
         <p:nvCxnSpPr>
-          <p:cNvPr id="66" name="Google Shape;66;p3"/>
+          <p:cNvPr id="67" name="Google Shape;67;p4"/>
           <p:cNvCxnSpPr/>
           <p:nvPr/>
         </p:nvCxnSpPr>
@@ -3735,16 +3937,16 @@
             </a:solidFill>
             <a:prstDash val="solid"/>
             <a:round/>
-            <a:headEnd len="med" w="med" type="none"/>
-            <a:tailEnd len="med" w="med" type="none"/>
+            <a:headEnd len="sm" w="sm" type="none"/>
+            <a:tailEnd len="sm" w="sm" type="none"/>
           </a:ln>
         </p:spPr>
       </p:cxnSp>
       <p:cxnSp>
         <p:nvCxnSpPr>
-          <p:cNvPr id="67" name="Google Shape;67;p3"/>
+          <p:cNvPr id="68" name="Google Shape;68;p4"/>
           <p:cNvCxnSpPr>
-            <a:stCxn id="68" idx="0"/>
+            <a:stCxn id="69" idx="0"/>
           </p:cNvCxnSpPr>
           <p:nvPr/>
         </p:nvCxnSpPr>
@@ -3763,14 +3965,14 @@
             </a:solidFill>
             <a:prstDash val="solid"/>
             <a:round/>
-            <a:headEnd len="med" w="med" type="none"/>
-            <a:tailEnd len="med" w="med" type="none"/>
+            <a:headEnd len="sm" w="sm" type="none"/>
+            <a:tailEnd len="sm" w="sm" type="none"/>
           </a:ln>
         </p:spPr>
       </p:cxnSp>
       <p:grpSp>
         <p:nvGrpSpPr>
-          <p:cNvPr id="69" name="Google Shape;69;p3"/>
+          <p:cNvPr id="70" name="Google Shape;70;p4"/>
           <p:cNvGrpSpPr/>
           <p:nvPr/>
         </p:nvGrpSpPr>
@@ -3784,7 +3986,7 @@
         </p:grpSpPr>
         <p:sp>
           <p:nvSpPr>
-            <p:cNvPr id="68" name="Google Shape;68;p3"/>
+            <p:cNvPr id="69" name="Google Shape;69;p4"/>
             <p:cNvSpPr/>
             <p:nvPr/>
           </p:nvSpPr>
@@ -3815,29 +4017,41 @@
             </a:bodyPr>
             <a:lstStyle/>
             <a:p>
-              <a:pPr indent="0" lvl="0" marL="0" rtl="0" algn="l">
+              <a:pPr indent="0" lvl="0" marL="0" marR="0" rtl="0" algn="l">
+                <a:lnSpc>
+                  <a:spcPct val="100000"/>
+                </a:lnSpc>
                 <a:spcBef>
                   <a:spcPts val="0"/>
                 </a:spcBef>
                 <a:spcAft>
                   <a:spcPts val="0"/>
                 </a:spcAft>
+                <a:buClr>
+                  <a:srgbClr val="000000"/>
+                </a:buClr>
+                <a:buSzPts val="1400"/>
+                <a:buFont typeface="Arial"/>
                 <a:buNone/>
               </a:pPr>
               <a:r>
                 <a:t/>
               </a:r>
-              <a:endParaRPr>
+              <a:endParaRPr b="0" i="0" sz="1400" u="none" cap="none" strike="noStrike">
                 <a:solidFill>
                   <a:schemeClr val="dk2"/>
                 </a:solidFill>
+                <a:latin typeface="Arial"/>
+                <a:ea typeface="Arial"/>
+                <a:cs typeface="Arial"/>
+                <a:sym typeface="Arial"/>
               </a:endParaRPr>
             </a:p>
           </p:txBody>
         </p:sp>
         <p:sp>
           <p:nvSpPr>
-            <p:cNvPr id="70" name="Google Shape;70;p3"/>
+            <p:cNvPr id="71" name="Google Shape;71;p4"/>
             <p:cNvSpPr/>
             <p:nvPr/>
           </p:nvSpPr>
@@ -3868,29 +4082,41 @@
             </a:bodyPr>
             <a:lstStyle/>
             <a:p>
-              <a:pPr indent="0" lvl="0" marL="0" rtl="0" algn="l">
+              <a:pPr indent="0" lvl="0" marL="0" marR="0" rtl="0" algn="l">
+                <a:lnSpc>
+                  <a:spcPct val="100000"/>
+                </a:lnSpc>
                 <a:spcBef>
                   <a:spcPts val="0"/>
                 </a:spcBef>
                 <a:spcAft>
                   <a:spcPts val="0"/>
                 </a:spcAft>
+                <a:buClr>
+                  <a:srgbClr val="000000"/>
+                </a:buClr>
+                <a:buSzPts val="1400"/>
+                <a:buFont typeface="Arial"/>
                 <a:buNone/>
               </a:pPr>
               <a:r>
                 <a:t/>
               </a:r>
-              <a:endParaRPr>
+              <a:endParaRPr b="0" i="0" sz="1400" u="none" cap="none" strike="noStrike">
                 <a:solidFill>
                   <a:schemeClr val="dk2"/>
                 </a:solidFill>
+                <a:latin typeface="Arial"/>
+                <a:ea typeface="Arial"/>
+                <a:cs typeface="Arial"/>
+                <a:sym typeface="Arial"/>
               </a:endParaRPr>
             </a:p>
           </p:txBody>
         </p:sp>
         <p:sp>
           <p:nvSpPr>
-            <p:cNvPr id="71" name="Google Shape;71;p3"/>
+            <p:cNvPr id="72" name="Google Shape;72;p4"/>
             <p:cNvSpPr/>
             <p:nvPr/>
           </p:nvSpPr>
@@ -3921,29 +4147,41 @@
             </a:bodyPr>
             <a:lstStyle/>
             <a:p>
-              <a:pPr indent="0" lvl="0" marL="0" rtl="0" algn="l">
+              <a:pPr indent="0" lvl="0" marL="0" marR="0" rtl="0" algn="l">
+                <a:lnSpc>
+                  <a:spcPct val="100000"/>
+                </a:lnSpc>
                 <a:spcBef>
                   <a:spcPts val="0"/>
                 </a:spcBef>
                 <a:spcAft>
                   <a:spcPts val="0"/>
                 </a:spcAft>
+                <a:buClr>
+                  <a:srgbClr val="000000"/>
+                </a:buClr>
+                <a:buSzPts val="1400"/>
+                <a:buFont typeface="Arial"/>
                 <a:buNone/>
               </a:pPr>
               <a:r>
                 <a:t/>
               </a:r>
-              <a:endParaRPr>
+              <a:endParaRPr b="0" i="0" sz="1400" u="none" cap="none" strike="noStrike">
                 <a:solidFill>
                   <a:schemeClr val="dk2"/>
                 </a:solidFill>
+                <a:latin typeface="Arial"/>
+                <a:ea typeface="Arial"/>
+                <a:cs typeface="Arial"/>
+                <a:sym typeface="Arial"/>
               </a:endParaRPr>
             </a:p>
           </p:txBody>
         </p:sp>
         <p:sp>
           <p:nvSpPr>
-            <p:cNvPr id="72" name="Google Shape;72;p3"/>
+            <p:cNvPr id="73" name="Google Shape;73;p4"/>
             <p:cNvSpPr/>
             <p:nvPr/>
           </p:nvSpPr>
@@ -3974,22 +4212,34 @@
             </a:bodyPr>
             <a:lstStyle/>
             <a:p>
-              <a:pPr indent="0" lvl="0" marL="0" rtl="0" algn="l">
+              <a:pPr indent="0" lvl="0" marL="0" marR="0" rtl="0" algn="l">
+                <a:lnSpc>
+                  <a:spcPct val="100000"/>
+                </a:lnSpc>
                 <a:spcBef>
                   <a:spcPts val="0"/>
                 </a:spcBef>
                 <a:spcAft>
                   <a:spcPts val="0"/>
                 </a:spcAft>
+                <a:buClr>
+                  <a:srgbClr val="000000"/>
+                </a:buClr>
+                <a:buSzPts val="1400"/>
+                <a:buFont typeface="Arial"/>
                 <a:buNone/>
               </a:pPr>
               <a:r>
                 <a:t/>
               </a:r>
-              <a:endParaRPr>
+              <a:endParaRPr b="0" i="0" sz="1400" u="none" cap="none" strike="noStrike">
                 <a:solidFill>
                   <a:schemeClr val="dk2"/>
                 </a:solidFill>
+                <a:latin typeface="Arial"/>
+                <a:ea typeface="Arial"/>
+                <a:cs typeface="Arial"/>
+                <a:sym typeface="Arial"/>
               </a:endParaRPr>
             </a:p>
           </p:txBody>
@@ -3997,7 +4247,7 @@
       </p:grpSp>
       <p:grpSp>
         <p:nvGrpSpPr>
-          <p:cNvPr id="73" name="Google Shape;73;p3"/>
+          <p:cNvPr id="74" name="Google Shape;74;p4"/>
           <p:cNvGrpSpPr/>
           <p:nvPr/>
         </p:nvGrpSpPr>
@@ -4011,7 +4261,7 @@
         </p:grpSpPr>
         <p:sp>
           <p:nvSpPr>
-            <p:cNvPr id="74" name="Google Shape;74;p3"/>
+            <p:cNvPr id="75" name="Google Shape;75;p4"/>
             <p:cNvSpPr/>
             <p:nvPr/>
           </p:nvSpPr>
@@ -4042,29 +4292,41 @@
             </a:bodyPr>
             <a:lstStyle/>
             <a:p>
-              <a:pPr indent="0" lvl="0" marL="0" rtl="0" algn="l">
+              <a:pPr indent="0" lvl="0" marL="0" marR="0" rtl="0" algn="l">
+                <a:lnSpc>
+                  <a:spcPct val="100000"/>
+                </a:lnSpc>
                 <a:spcBef>
                   <a:spcPts val="0"/>
                 </a:spcBef>
                 <a:spcAft>
                   <a:spcPts val="0"/>
                 </a:spcAft>
+                <a:buClr>
+                  <a:srgbClr val="000000"/>
+                </a:buClr>
+                <a:buSzPts val="1400"/>
+                <a:buFont typeface="Arial"/>
                 <a:buNone/>
               </a:pPr>
               <a:r>
                 <a:t/>
               </a:r>
-              <a:endParaRPr>
+              <a:endParaRPr b="0" i="0" sz="1400" u="none" cap="none" strike="noStrike">
                 <a:solidFill>
                   <a:schemeClr val="dk2"/>
                 </a:solidFill>
+                <a:latin typeface="Arial"/>
+                <a:ea typeface="Arial"/>
+                <a:cs typeface="Arial"/>
+                <a:sym typeface="Arial"/>
               </a:endParaRPr>
             </a:p>
           </p:txBody>
         </p:sp>
         <p:sp>
           <p:nvSpPr>
-            <p:cNvPr id="75" name="Google Shape;75;p3"/>
+            <p:cNvPr id="76" name="Google Shape;76;p4"/>
             <p:cNvSpPr/>
             <p:nvPr/>
           </p:nvSpPr>
@@ -4095,29 +4357,41 @@
             </a:bodyPr>
             <a:lstStyle/>
             <a:p>
-              <a:pPr indent="0" lvl="0" marL="0" rtl="0" algn="l">
+              <a:pPr indent="0" lvl="0" marL="0" marR="0" rtl="0" algn="l">
+                <a:lnSpc>
+                  <a:spcPct val="100000"/>
+                </a:lnSpc>
                 <a:spcBef>
                   <a:spcPts val="0"/>
                 </a:spcBef>
                 <a:spcAft>
                   <a:spcPts val="0"/>
                 </a:spcAft>
+                <a:buClr>
+                  <a:srgbClr val="000000"/>
+                </a:buClr>
+                <a:buSzPts val="1400"/>
+                <a:buFont typeface="Arial"/>
                 <a:buNone/>
               </a:pPr>
               <a:r>
                 <a:t/>
               </a:r>
-              <a:endParaRPr>
+              <a:endParaRPr b="0" i="0" sz="1400" u="none" cap="none" strike="noStrike">
                 <a:solidFill>
                   <a:schemeClr val="dk2"/>
                 </a:solidFill>
+                <a:latin typeface="Arial"/>
+                <a:ea typeface="Arial"/>
+                <a:cs typeface="Arial"/>
+                <a:sym typeface="Arial"/>
               </a:endParaRPr>
             </a:p>
           </p:txBody>
         </p:sp>
         <p:sp>
           <p:nvSpPr>
-            <p:cNvPr id="76" name="Google Shape;76;p3"/>
+            <p:cNvPr id="77" name="Google Shape;77;p4"/>
             <p:cNvSpPr/>
             <p:nvPr/>
           </p:nvSpPr>
@@ -4148,29 +4422,41 @@
             </a:bodyPr>
             <a:lstStyle/>
             <a:p>
-              <a:pPr indent="0" lvl="0" marL="0" rtl="0" algn="l">
+              <a:pPr indent="0" lvl="0" marL="0" marR="0" rtl="0" algn="l">
+                <a:lnSpc>
+                  <a:spcPct val="100000"/>
+                </a:lnSpc>
                 <a:spcBef>
                   <a:spcPts val="0"/>
                 </a:spcBef>
                 <a:spcAft>
                   <a:spcPts val="0"/>
                 </a:spcAft>
+                <a:buClr>
+                  <a:srgbClr val="000000"/>
+                </a:buClr>
+                <a:buSzPts val="1400"/>
+                <a:buFont typeface="Arial"/>
                 <a:buNone/>
               </a:pPr>
               <a:r>
                 <a:t/>
               </a:r>
-              <a:endParaRPr>
+              <a:endParaRPr b="0" i="0" sz="1400" u="none" cap="none" strike="noStrike">
                 <a:solidFill>
                   <a:schemeClr val="dk2"/>
                 </a:solidFill>
+                <a:latin typeface="Arial"/>
+                <a:ea typeface="Arial"/>
+                <a:cs typeface="Arial"/>
+                <a:sym typeface="Arial"/>
               </a:endParaRPr>
             </a:p>
           </p:txBody>
         </p:sp>
         <p:sp>
           <p:nvSpPr>
-            <p:cNvPr id="77" name="Google Shape;77;p3"/>
+            <p:cNvPr id="78" name="Google Shape;78;p4"/>
             <p:cNvSpPr/>
             <p:nvPr/>
           </p:nvSpPr>
@@ -4201,22 +4487,34 @@
             </a:bodyPr>
             <a:lstStyle/>
             <a:p>
-              <a:pPr indent="0" lvl="0" marL="0" rtl="0" algn="l">
+              <a:pPr indent="0" lvl="0" marL="0" marR="0" rtl="0" algn="l">
+                <a:lnSpc>
+                  <a:spcPct val="100000"/>
+                </a:lnSpc>
                 <a:spcBef>
                   <a:spcPts val="0"/>
                 </a:spcBef>
                 <a:spcAft>
                   <a:spcPts val="0"/>
                 </a:spcAft>
+                <a:buClr>
+                  <a:srgbClr val="000000"/>
+                </a:buClr>
+                <a:buSzPts val="1400"/>
+                <a:buFont typeface="Arial"/>
                 <a:buNone/>
               </a:pPr>
               <a:r>
                 <a:t/>
               </a:r>
-              <a:endParaRPr>
+              <a:endParaRPr b="0" i="0" sz="1400" u="none" cap="none" strike="noStrike">
                 <a:solidFill>
                   <a:schemeClr val="dk2"/>
                 </a:solidFill>
+                <a:latin typeface="Arial"/>
+                <a:ea typeface="Arial"/>
+                <a:cs typeface="Arial"/>
+                <a:sym typeface="Arial"/>
               </a:endParaRPr>
             </a:p>
           </p:txBody>
@@ -4224,7 +4522,7 @@
       </p:grpSp>
       <p:sp>
         <p:nvSpPr>
-          <p:cNvPr id="78" name="Google Shape;78;p3"/>
+          <p:cNvPr id="79" name="Google Shape;79;p4"/>
           <p:cNvSpPr/>
           <p:nvPr/>
         </p:nvSpPr>
@@ -4255,29 +4553,41 @@
           </a:bodyPr>
           <a:lstStyle/>
           <a:p>
-            <a:pPr indent="0" lvl="0" marL="0" rtl="0" algn="l">
+            <a:pPr indent="0" lvl="0" marL="0" marR="0" rtl="0" algn="l">
+              <a:lnSpc>
+                <a:spcPct val="100000"/>
+              </a:lnSpc>
               <a:spcBef>
                 <a:spcPts val="0"/>
               </a:spcBef>
               <a:spcAft>
                 <a:spcPts val="0"/>
               </a:spcAft>
+              <a:buClr>
+                <a:srgbClr val="000000"/>
+              </a:buClr>
+              <a:buSzPts val="1400"/>
+              <a:buFont typeface="Arial"/>
               <a:buNone/>
             </a:pPr>
             <a:r>
               <a:t/>
             </a:r>
-            <a:endParaRPr>
+            <a:endParaRPr b="0" i="0" sz="1400" u="none" cap="none" strike="noStrike">
               <a:solidFill>
                 <a:srgbClr val="CFB991"/>
               </a:solidFill>
+              <a:latin typeface="Arial"/>
+              <a:ea typeface="Arial"/>
+              <a:cs typeface="Arial"/>
+              <a:sym typeface="Arial"/>
             </a:endParaRPr>
           </a:p>
         </p:txBody>
       </p:sp>
       <p:sp>
         <p:nvSpPr>
-          <p:cNvPr id="79" name="Google Shape;79;p3"/>
+          <p:cNvPr id="80" name="Google Shape;80;p4"/>
           <p:cNvSpPr/>
           <p:nvPr>
             <p:ph idx="2" type="pic"/>
@@ -4305,7 +4615,7 @@
       </p:sp>
       <p:sp>
         <p:nvSpPr>
-          <p:cNvPr id="80" name="Google Shape;80;p3"/>
+          <p:cNvPr id="81" name="Google Shape;81;p4"/>
           <p:cNvSpPr txBox="1"/>
           <p:nvPr/>
         </p:nvSpPr>
@@ -4328,7 +4638,7 @@
           </a:bodyPr>
           <a:lstStyle/>
           <a:p>
-            <a:pPr indent="0" lvl="0" marL="0" rtl="0" algn="l">
+            <a:pPr indent="0" lvl="0" marL="0" marR="0" rtl="0" algn="l">
               <a:lnSpc>
                 <a:spcPct val="105000"/>
               </a:lnSpc>
@@ -4338,12 +4648,17 @@
               <a:spcAft>
                 <a:spcPts val="0"/>
               </a:spcAft>
+              <a:buClr>
+                <a:srgbClr val="000000"/>
+              </a:buClr>
+              <a:buSzPct val="100000"/>
+              <a:buFont typeface="Arial"/>
               <a:buNone/>
             </a:pPr>
             <a:r>
               <a:t/>
             </a:r>
-            <a:endParaRPr i="1" sz="1100">
+            <a:endParaRPr b="0" i="1" sz="1100" u="none" cap="none" strike="noStrike">
               <a:solidFill>
                 <a:srgbClr val="000000"/>
               </a:solidFill>
@@ -4357,7 +4672,7 @@
       </p:sp>
       <p:sp>
         <p:nvSpPr>
-          <p:cNvPr id="81" name="Google Shape;81;p3"/>
+          <p:cNvPr id="82" name="Google Shape;82;p4"/>
           <p:cNvSpPr/>
           <p:nvPr/>
         </p:nvSpPr>
@@ -4388,25 +4703,41 @@
           </a:bodyPr>
           <a:lstStyle/>
           <a:p>
-            <a:pPr indent="0" lvl="0" marL="0" rtl="0" algn="l">
+            <a:pPr indent="0" lvl="0" marL="0" marR="0" rtl="0" algn="l">
+              <a:lnSpc>
+                <a:spcPct val="100000"/>
+              </a:lnSpc>
               <a:spcBef>
                 <a:spcPts val="0"/>
               </a:spcBef>
               <a:spcAft>
                 <a:spcPts val="0"/>
               </a:spcAft>
+              <a:buClr>
+                <a:srgbClr val="000000"/>
+              </a:buClr>
+              <a:buSzPts val="1400"/>
+              <a:buFont typeface="Arial"/>
               <a:buNone/>
             </a:pPr>
             <a:r>
               <a:t/>
             </a:r>
-            <a:endParaRPr/>
+            <a:endParaRPr b="0" i="0" sz="1400" u="none" cap="none" strike="noStrike">
+              <a:solidFill>
+                <a:srgbClr val="000000"/>
+              </a:solidFill>
+              <a:latin typeface="Arial"/>
+              <a:ea typeface="Arial"/>
+              <a:cs typeface="Arial"/>
+              <a:sym typeface="Arial"/>
+            </a:endParaRPr>
           </a:p>
         </p:txBody>
       </p:sp>
       <p:cxnSp>
         <p:nvCxnSpPr>
-          <p:cNvPr id="82" name="Google Shape;82;p3"/>
+          <p:cNvPr id="83" name="Google Shape;83;p4"/>
           <p:cNvCxnSpPr/>
           <p:nvPr/>
         </p:nvCxnSpPr>
@@ -4425,22 +4756,22 @@
             </a:solidFill>
             <a:prstDash val="solid"/>
             <a:round/>
-            <a:headEnd len="med" w="med" type="none"/>
-            <a:tailEnd len="med" w="med" type="none"/>
+            <a:headEnd len="sm" w="sm" type="none"/>
+            <a:tailEnd len="sm" w="sm" type="none"/>
           </a:ln>
         </p:spPr>
       </p:cxnSp>
       <p:cxnSp>
         <p:nvCxnSpPr>
-          <p:cNvPr id="83" name="Google Shape;83;p3"/>
+          <p:cNvPr id="84" name="Google Shape;84;p4"/>
           <p:cNvCxnSpPr>
-            <a:stCxn id="84" idx="0"/>
+            <a:stCxn id="85" idx="0"/>
           </p:cNvCxnSpPr>
           <p:nvPr/>
         </p:nvCxnSpPr>
         <p:spPr>
           <a:xfrm flipH="1">
-            <a:off x="172020" y="903608"/>
+            <a:off x="172020" y="903607"/>
             <a:ext cx="18300" cy="9187200"/>
           </a:xfrm>
           <a:prstGeom prst="straightConnector1">
@@ -4453,14 +4784,14 @@
             </a:solidFill>
             <a:prstDash val="solid"/>
             <a:round/>
-            <a:headEnd len="med" w="med" type="none"/>
-            <a:tailEnd len="med" w="med" type="none"/>
+            <a:headEnd len="sm" w="sm" type="none"/>
+            <a:tailEnd len="sm" w="sm" type="none"/>
           </a:ln>
         </p:spPr>
       </p:cxnSp>
       <p:grpSp>
         <p:nvGrpSpPr>
-          <p:cNvPr id="85" name="Google Shape;85;p3"/>
+          <p:cNvPr id="86" name="Google Shape;86;p4"/>
           <p:cNvGrpSpPr/>
           <p:nvPr/>
         </p:nvGrpSpPr>
@@ -4474,7 +4805,7 @@
         </p:grpSpPr>
         <p:sp>
           <p:nvSpPr>
-            <p:cNvPr id="84" name="Google Shape;84;p3"/>
+            <p:cNvPr id="85" name="Google Shape;85;p4"/>
             <p:cNvSpPr/>
             <p:nvPr/>
           </p:nvSpPr>
@@ -4505,29 +4836,41 @@
             </a:bodyPr>
             <a:lstStyle/>
             <a:p>
-              <a:pPr indent="0" lvl="0" marL="0" rtl="0" algn="l">
+              <a:pPr indent="0" lvl="0" marL="0" marR="0" rtl="0" algn="l">
+                <a:lnSpc>
+                  <a:spcPct val="100000"/>
+                </a:lnSpc>
                 <a:spcBef>
                   <a:spcPts val="0"/>
                 </a:spcBef>
                 <a:spcAft>
                   <a:spcPts val="0"/>
                 </a:spcAft>
+                <a:buClr>
+                  <a:srgbClr val="000000"/>
+                </a:buClr>
+                <a:buSzPts val="1400"/>
+                <a:buFont typeface="Arial"/>
                 <a:buNone/>
               </a:pPr>
               <a:r>
                 <a:t/>
               </a:r>
-              <a:endParaRPr>
+              <a:endParaRPr b="0" i="0" sz="1400" u="none" cap="none" strike="noStrike">
                 <a:solidFill>
                   <a:srgbClr val="595959"/>
                 </a:solidFill>
+                <a:latin typeface="Arial"/>
+                <a:ea typeface="Arial"/>
+                <a:cs typeface="Arial"/>
+                <a:sym typeface="Arial"/>
               </a:endParaRPr>
             </a:p>
           </p:txBody>
         </p:sp>
         <p:sp>
           <p:nvSpPr>
-            <p:cNvPr id="86" name="Google Shape;86;p3"/>
+            <p:cNvPr id="87" name="Google Shape;87;p4"/>
             <p:cNvSpPr/>
             <p:nvPr/>
           </p:nvSpPr>
@@ -4558,29 +4901,41 @@
             </a:bodyPr>
             <a:lstStyle/>
             <a:p>
-              <a:pPr indent="0" lvl="0" marL="0" rtl="0" algn="l">
+              <a:pPr indent="0" lvl="0" marL="0" marR="0" rtl="0" algn="l">
+                <a:lnSpc>
+                  <a:spcPct val="100000"/>
+                </a:lnSpc>
                 <a:spcBef>
                   <a:spcPts val="0"/>
                 </a:spcBef>
                 <a:spcAft>
                   <a:spcPts val="0"/>
                 </a:spcAft>
+                <a:buClr>
+                  <a:srgbClr val="000000"/>
+                </a:buClr>
+                <a:buSzPts val="1400"/>
+                <a:buFont typeface="Arial"/>
                 <a:buNone/>
               </a:pPr>
               <a:r>
                 <a:t/>
               </a:r>
-              <a:endParaRPr>
+              <a:endParaRPr b="0" i="0" sz="1400" u="none" cap="none" strike="noStrike">
                 <a:solidFill>
                   <a:srgbClr val="595959"/>
                 </a:solidFill>
+                <a:latin typeface="Arial"/>
+                <a:ea typeface="Arial"/>
+                <a:cs typeface="Arial"/>
+                <a:sym typeface="Arial"/>
               </a:endParaRPr>
             </a:p>
           </p:txBody>
         </p:sp>
         <p:sp>
           <p:nvSpPr>
-            <p:cNvPr id="87" name="Google Shape;87;p3"/>
+            <p:cNvPr id="88" name="Google Shape;88;p4"/>
             <p:cNvSpPr/>
             <p:nvPr/>
           </p:nvSpPr>
@@ -4611,29 +4966,41 @@
             </a:bodyPr>
             <a:lstStyle/>
             <a:p>
-              <a:pPr indent="0" lvl="0" marL="0" rtl="0" algn="l">
+              <a:pPr indent="0" lvl="0" marL="0" marR="0" rtl="0" algn="l">
+                <a:lnSpc>
+                  <a:spcPct val="100000"/>
+                </a:lnSpc>
                 <a:spcBef>
                   <a:spcPts val="0"/>
                 </a:spcBef>
                 <a:spcAft>
                   <a:spcPts val="0"/>
                 </a:spcAft>
+                <a:buClr>
+                  <a:srgbClr val="000000"/>
+                </a:buClr>
+                <a:buSzPts val="1400"/>
+                <a:buFont typeface="Arial"/>
                 <a:buNone/>
               </a:pPr>
               <a:r>
                 <a:t/>
               </a:r>
-              <a:endParaRPr>
+              <a:endParaRPr b="0" i="0" sz="1400" u="none" cap="none" strike="noStrike">
                 <a:solidFill>
                   <a:srgbClr val="595959"/>
                 </a:solidFill>
+                <a:latin typeface="Arial"/>
+                <a:ea typeface="Arial"/>
+                <a:cs typeface="Arial"/>
+                <a:sym typeface="Arial"/>
               </a:endParaRPr>
             </a:p>
           </p:txBody>
         </p:sp>
         <p:sp>
           <p:nvSpPr>
-            <p:cNvPr id="88" name="Google Shape;88;p3"/>
+            <p:cNvPr id="89" name="Google Shape;89;p4"/>
             <p:cNvSpPr/>
             <p:nvPr/>
           </p:nvSpPr>
@@ -4664,22 +5031,34 @@
             </a:bodyPr>
             <a:lstStyle/>
             <a:p>
-              <a:pPr indent="0" lvl="0" marL="0" rtl="0" algn="l">
+              <a:pPr indent="0" lvl="0" marL="0" marR="0" rtl="0" algn="l">
+                <a:lnSpc>
+                  <a:spcPct val="100000"/>
+                </a:lnSpc>
                 <a:spcBef>
                   <a:spcPts val="0"/>
                 </a:spcBef>
                 <a:spcAft>
                   <a:spcPts val="0"/>
                 </a:spcAft>
+                <a:buClr>
+                  <a:srgbClr val="000000"/>
+                </a:buClr>
+                <a:buSzPts val="1400"/>
+                <a:buFont typeface="Arial"/>
                 <a:buNone/>
               </a:pPr>
               <a:r>
                 <a:t/>
               </a:r>
-              <a:endParaRPr>
+              <a:endParaRPr b="0" i="0" sz="1400" u="none" cap="none" strike="noStrike">
                 <a:solidFill>
                   <a:srgbClr val="595959"/>
                 </a:solidFill>
+                <a:latin typeface="Arial"/>
+                <a:ea typeface="Arial"/>
+                <a:cs typeface="Arial"/>
+                <a:sym typeface="Arial"/>
               </a:endParaRPr>
             </a:p>
           </p:txBody>
@@ -4687,7 +5066,7 @@
       </p:grpSp>
       <p:grpSp>
         <p:nvGrpSpPr>
-          <p:cNvPr id="89" name="Google Shape;89;p3"/>
+          <p:cNvPr id="90" name="Google Shape;90;p4"/>
           <p:cNvGrpSpPr/>
           <p:nvPr/>
         </p:nvGrpSpPr>
@@ -4701,7 +5080,7 @@
         </p:grpSpPr>
         <p:sp>
           <p:nvSpPr>
-            <p:cNvPr id="90" name="Google Shape;90;p3"/>
+            <p:cNvPr id="91" name="Google Shape;91;p4"/>
             <p:cNvSpPr/>
             <p:nvPr/>
           </p:nvSpPr>
@@ -4732,29 +5111,41 @@
             </a:bodyPr>
             <a:lstStyle/>
             <a:p>
-              <a:pPr indent="0" lvl="0" marL="0" rtl="0" algn="l">
+              <a:pPr indent="0" lvl="0" marL="0" marR="0" rtl="0" algn="l">
+                <a:lnSpc>
+                  <a:spcPct val="100000"/>
+                </a:lnSpc>
                 <a:spcBef>
                   <a:spcPts val="0"/>
                 </a:spcBef>
                 <a:spcAft>
                   <a:spcPts val="0"/>
                 </a:spcAft>
+                <a:buClr>
+                  <a:srgbClr val="000000"/>
+                </a:buClr>
+                <a:buSzPts val="1400"/>
+                <a:buFont typeface="Arial"/>
                 <a:buNone/>
               </a:pPr>
               <a:r>
                 <a:t/>
               </a:r>
-              <a:endParaRPr>
+              <a:endParaRPr b="0" i="0" sz="1400" u="none" cap="none" strike="noStrike">
                 <a:solidFill>
                   <a:srgbClr val="595959"/>
                 </a:solidFill>
+                <a:latin typeface="Arial"/>
+                <a:ea typeface="Arial"/>
+                <a:cs typeface="Arial"/>
+                <a:sym typeface="Arial"/>
               </a:endParaRPr>
             </a:p>
           </p:txBody>
         </p:sp>
         <p:sp>
           <p:nvSpPr>
-            <p:cNvPr id="91" name="Google Shape;91;p3"/>
+            <p:cNvPr id="92" name="Google Shape;92;p4"/>
             <p:cNvSpPr/>
             <p:nvPr/>
           </p:nvSpPr>
@@ -4785,29 +5176,41 @@
             </a:bodyPr>
             <a:lstStyle/>
             <a:p>
-              <a:pPr indent="0" lvl="0" marL="0" rtl="0" algn="l">
+              <a:pPr indent="0" lvl="0" marL="0" marR="0" rtl="0" algn="l">
+                <a:lnSpc>
+                  <a:spcPct val="100000"/>
+                </a:lnSpc>
                 <a:spcBef>
                   <a:spcPts val="0"/>
                 </a:spcBef>
                 <a:spcAft>
                   <a:spcPts val="0"/>
                 </a:spcAft>
+                <a:buClr>
+                  <a:srgbClr val="000000"/>
+                </a:buClr>
+                <a:buSzPts val="1400"/>
+                <a:buFont typeface="Arial"/>
                 <a:buNone/>
               </a:pPr>
               <a:r>
                 <a:t/>
               </a:r>
-              <a:endParaRPr>
+              <a:endParaRPr b="0" i="0" sz="1400" u="none" cap="none" strike="noStrike">
                 <a:solidFill>
                   <a:srgbClr val="595959"/>
                 </a:solidFill>
+                <a:latin typeface="Arial"/>
+                <a:ea typeface="Arial"/>
+                <a:cs typeface="Arial"/>
+                <a:sym typeface="Arial"/>
               </a:endParaRPr>
             </a:p>
           </p:txBody>
         </p:sp>
         <p:sp>
           <p:nvSpPr>
-            <p:cNvPr id="92" name="Google Shape;92;p3"/>
+            <p:cNvPr id="93" name="Google Shape;93;p4"/>
             <p:cNvSpPr/>
             <p:nvPr/>
           </p:nvSpPr>
@@ -4838,29 +5241,41 @@
             </a:bodyPr>
             <a:lstStyle/>
             <a:p>
-              <a:pPr indent="0" lvl="0" marL="0" rtl="0" algn="l">
+              <a:pPr indent="0" lvl="0" marL="0" marR="0" rtl="0" algn="l">
+                <a:lnSpc>
+                  <a:spcPct val="100000"/>
+                </a:lnSpc>
                 <a:spcBef>
                   <a:spcPts val="0"/>
                 </a:spcBef>
                 <a:spcAft>
                   <a:spcPts val="0"/>
                 </a:spcAft>
+                <a:buClr>
+                  <a:srgbClr val="000000"/>
+                </a:buClr>
+                <a:buSzPts val="1400"/>
+                <a:buFont typeface="Arial"/>
                 <a:buNone/>
               </a:pPr>
               <a:r>
                 <a:t/>
               </a:r>
-              <a:endParaRPr>
+              <a:endParaRPr b="0" i="0" sz="1400" u="none" cap="none" strike="noStrike">
                 <a:solidFill>
                   <a:srgbClr val="595959"/>
                 </a:solidFill>
+                <a:latin typeface="Arial"/>
+                <a:ea typeface="Arial"/>
+                <a:cs typeface="Arial"/>
+                <a:sym typeface="Arial"/>
               </a:endParaRPr>
             </a:p>
           </p:txBody>
         </p:sp>
         <p:sp>
           <p:nvSpPr>
-            <p:cNvPr id="93" name="Google Shape;93;p3"/>
+            <p:cNvPr id="94" name="Google Shape;94;p4"/>
             <p:cNvSpPr/>
             <p:nvPr/>
           </p:nvSpPr>
@@ -4891,22 +5306,34 @@
             </a:bodyPr>
             <a:lstStyle/>
             <a:p>
-              <a:pPr indent="0" lvl="0" marL="0" rtl="0" algn="l">
+              <a:pPr indent="0" lvl="0" marL="0" marR="0" rtl="0" algn="l">
+                <a:lnSpc>
+                  <a:spcPct val="100000"/>
+                </a:lnSpc>
                 <a:spcBef>
                   <a:spcPts val="0"/>
                 </a:spcBef>
                 <a:spcAft>
                   <a:spcPts val="0"/>
                 </a:spcAft>
+                <a:buClr>
+                  <a:srgbClr val="000000"/>
+                </a:buClr>
+                <a:buSzPts val="1400"/>
+                <a:buFont typeface="Arial"/>
                 <a:buNone/>
               </a:pPr>
               <a:r>
                 <a:t/>
               </a:r>
-              <a:endParaRPr>
+              <a:endParaRPr b="0" i="0" sz="1400" u="none" cap="none" strike="noStrike">
                 <a:solidFill>
                   <a:srgbClr val="595959"/>
                 </a:solidFill>
+                <a:latin typeface="Arial"/>
+                <a:ea typeface="Arial"/>
+                <a:cs typeface="Arial"/>
+                <a:sym typeface="Arial"/>
               </a:endParaRPr>
             </a:p>
           </p:txBody>
@@ -4914,7 +5341,7 @@
       </p:grpSp>
       <p:sp>
         <p:nvSpPr>
-          <p:cNvPr id="94" name="Google Shape;94;p3"/>
+          <p:cNvPr id="95" name="Google Shape;95;p4"/>
           <p:cNvSpPr/>
           <p:nvPr/>
         </p:nvSpPr>
@@ -4945,29 +5372,41 @@
           </a:bodyPr>
           <a:lstStyle/>
           <a:p>
-            <a:pPr indent="0" lvl="0" marL="0" rtl="0" algn="l">
+            <a:pPr indent="0" lvl="0" marL="0" marR="0" rtl="0" algn="l">
+              <a:lnSpc>
+                <a:spcPct val="100000"/>
+              </a:lnSpc>
               <a:spcBef>
                 <a:spcPts val="0"/>
               </a:spcBef>
               <a:spcAft>
                 <a:spcPts val="0"/>
               </a:spcAft>
+              <a:buClr>
+                <a:srgbClr val="000000"/>
+              </a:buClr>
+              <a:buSzPts val="1400"/>
+              <a:buFont typeface="Arial"/>
               <a:buNone/>
             </a:pPr>
             <a:r>
               <a:t/>
             </a:r>
-            <a:endParaRPr>
+            <a:endParaRPr b="0" i="0" sz="1400" u="none" cap="none" strike="noStrike">
               <a:solidFill>
                 <a:srgbClr val="CFB991"/>
               </a:solidFill>
+              <a:latin typeface="Arial"/>
+              <a:ea typeface="Arial"/>
+              <a:cs typeface="Arial"/>
+              <a:sym typeface="Arial"/>
             </a:endParaRPr>
           </a:p>
         </p:txBody>
       </p:sp>
       <p:sp>
         <p:nvSpPr>
-          <p:cNvPr id="95" name="Google Shape;95;p3"/>
+          <p:cNvPr id="96" name="Google Shape;96;p4"/>
           <p:cNvSpPr txBox="1"/>
           <p:nvPr/>
         </p:nvSpPr>
@@ -4990,17 +5429,28 @@
           </a:bodyPr>
           <a:lstStyle/>
           <a:p>
-            <a:pPr indent="0" lvl="0" marL="0" rtl="0" algn="l">
+            <a:pPr indent="0" lvl="0" marL="0" marR="0" rtl="0" algn="l">
+              <a:lnSpc>
+                <a:spcPct val="100000"/>
+              </a:lnSpc>
               <a:spcBef>
                 <a:spcPts val="0"/>
               </a:spcBef>
               <a:spcAft>
                 <a:spcPts val="0"/>
               </a:spcAft>
+              <a:buClr>
+                <a:srgbClr val="000000"/>
+              </a:buClr>
+              <a:buSzPts val="1500"/>
+              <a:buFont typeface="Arial"/>
               <a:buNone/>
             </a:pPr>
             <a:r>
-              <a:rPr lang="en" sz="1500">
+              <a:rPr b="0" i="0" lang="en" sz="1500" u="none" cap="none" strike="noStrike">
+                <a:solidFill>
+                  <a:srgbClr val="000000"/>
+                </a:solidFill>
                 <a:latin typeface="Work Sans"/>
                 <a:ea typeface="Work Sans"/>
                 <a:cs typeface="Work Sans"/>
@@ -5008,7 +5458,10 @@
               </a:rPr>
               <a:t>ISSUE / PROBLEM</a:t>
             </a:r>
-            <a:endParaRPr sz="1500">
+            <a:endParaRPr b="0" i="0" sz="1500" u="none" cap="none" strike="noStrike">
+              <a:solidFill>
+                <a:srgbClr val="000000"/>
+              </a:solidFill>
               <a:latin typeface="Work Sans"/>
               <a:ea typeface="Work Sans"/>
               <a:cs typeface="Work Sans"/>
@@ -5019,7 +5472,7 @@
       </p:sp>
       <p:grpSp>
         <p:nvGrpSpPr>
-          <p:cNvPr id="96" name="Google Shape;96;p3"/>
+          <p:cNvPr id="97" name="Google Shape;97;p4"/>
           <p:cNvGrpSpPr/>
           <p:nvPr/>
         </p:nvGrpSpPr>
@@ -5033,7 +5486,7 @@
         </p:grpSpPr>
         <p:sp>
           <p:nvSpPr>
-            <p:cNvPr id="97" name="Google Shape;97;p3"/>
+            <p:cNvPr id="98" name="Google Shape;98;p4"/>
             <p:cNvSpPr/>
             <p:nvPr/>
           </p:nvSpPr>
@@ -5066,25 +5519,41 @@
             </a:bodyPr>
             <a:lstStyle/>
             <a:p>
-              <a:pPr indent="0" lvl="0" marL="0" rtl="0" algn="l">
+              <a:pPr indent="0" lvl="0" marL="0" marR="0" rtl="0" algn="l">
+                <a:lnSpc>
+                  <a:spcPct val="100000"/>
+                </a:lnSpc>
                 <a:spcBef>
                   <a:spcPts val="0"/>
                 </a:spcBef>
                 <a:spcAft>
                   <a:spcPts val="0"/>
                 </a:spcAft>
+                <a:buClr>
+                  <a:srgbClr val="000000"/>
+                </a:buClr>
+                <a:buSzPts val="1400"/>
+                <a:buFont typeface="Arial"/>
                 <a:buNone/>
               </a:pPr>
               <a:r>
                 <a:t/>
               </a:r>
-              <a:endParaRPr/>
+              <a:endParaRPr b="0" i="0" sz="1400" u="none" cap="none" strike="noStrike">
+                <a:solidFill>
+                  <a:srgbClr val="000000"/>
+                </a:solidFill>
+                <a:latin typeface="Arial"/>
+                <a:ea typeface="Arial"/>
+                <a:cs typeface="Arial"/>
+                <a:sym typeface="Arial"/>
+              </a:endParaRPr>
             </a:p>
           </p:txBody>
         </p:sp>
         <p:sp>
           <p:nvSpPr>
-            <p:cNvPr id="98" name="Google Shape;98;p3"/>
+            <p:cNvPr id="99" name="Google Shape;99;p4"/>
             <p:cNvSpPr/>
             <p:nvPr/>
           </p:nvSpPr>
@@ -5117,26 +5586,42 @@
             </a:bodyPr>
             <a:lstStyle/>
             <a:p>
-              <a:pPr indent="0" lvl="0" marL="0" rtl="0" algn="l">
+              <a:pPr indent="0" lvl="0" marL="0" marR="0" rtl="0" algn="l">
+                <a:lnSpc>
+                  <a:spcPct val="100000"/>
+                </a:lnSpc>
                 <a:spcBef>
                   <a:spcPts val="0"/>
                 </a:spcBef>
                 <a:spcAft>
                   <a:spcPts val="0"/>
                 </a:spcAft>
+                <a:buClr>
+                  <a:srgbClr val="000000"/>
+                </a:buClr>
+                <a:buSzPts val="1400"/>
+                <a:buFont typeface="Arial"/>
                 <a:buNone/>
               </a:pPr>
               <a:r>
                 <a:t/>
               </a:r>
-              <a:endParaRPr/>
+              <a:endParaRPr b="0" i="0" sz="1400" u="none" cap="none" strike="noStrike">
+                <a:solidFill>
+                  <a:srgbClr val="000000"/>
+                </a:solidFill>
+                <a:latin typeface="Arial"/>
+                <a:ea typeface="Arial"/>
+                <a:cs typeface="Arial"/>
+                <a:sym typeface="Arial"/>
+              </a:endParaRPr>
             </a:p>
           </p:txBody>
         </p:sp>
       </p:grpSp>
       <p:sp>
         <p:nvSpPr>
-          <p:cNvPr id="99" name="Google Shape;99;p3"/>
+          <p:cNvPr id="100" name="Google Shape;100;p4"/>
           <p:cNvSpPr txBox="1"/>
           <p:nvPr/>
         </p:nvSpPr>
@@ -5159,17 +5644,28 @@
           </a:bodyPr>
           <a:lstStyle/>
           <a:p>
-            <a:pPr indent="0" lvl="0" marL="0" rtl="0" algn="l">
+            <a:pPr indent="0" lvl="0" marL="0" marR="0" rtl="0" algn="l">
+              <a:lnSpc>
+                <a:spcPct val="100000"/>
+              </a:lnSpc>
               <a:spcBef>
                 <a:spcPts val="0"/>
               </a:spcBef>
               <a:spcAft>
                 <a:spcPts val="0"/>
               </a:spcAft>
+              <a:buClr>
+                <a:srgbClr val="000000"/>
+              </a:buClr>
+              <a:buSzPts val="1500"/>
+              <a:buFont typeface="Arial"/>
               <a:buNone/>
             </a:pPr>
             <a:r>
-              <a:rPr lang="en" sz="1500">
+              <a:rPr b="0" i="0" lang="en" sz="1500" u="none" cap="none" strike="noStrike">
+                <a:solidFill>
+                  <a:srgbClr val="000000"/>
+                </a:solidFill>
                 <a:latin typeface="Work Sans"/>
                 <a:ea typeface="Work Sans"/>
                 <a:cs typeface="Work Sans"/>
@@ -5177,7 +5673,10 @@
               </a:rPr>
               <a:t>RESPONSE </a:t>
             </a:r>
-            <a:endParaRPr sz="1500">
+            <a:endParaRPr b="0" i="0" sz="1500" u="none" cap="none" strike="noStrike">
+              <a:solidFill>
+                <a:srgbClr val="000000"/>
+              </a:solidFill>
               <a:latin typeface="Work Sans"/>
               <a:ea typeface="Work Sans"/>
               <a:cs typeface="Work Sans"/>
@@ -5188,7 +5687,7 @@
       </p:sp>
       <p:grpSp>
         <p:nvGrpSpPr>
-          <p:cNvPr id="100" name="Google Shape;100;p3"/>
+          <p:cNvPr id="101" name="Google Shape;101;p4"/>
           <p:cNvGrpSpPr/>
           <p:nvPr/>
         </p:nvGrpSpPr>
@@ -5202,7 +5701,7 @@
         </p:grpSpPr>
         <p:sp>
           <p:nvSpPr>
-            <p:cNvPr id="101" name="Google Shape;101;p3"/>
+            <p:cNvPr id="102" name="Google Shape;102;p4"/>
             <p:cNvSpPr/>
             <p:nvPr/>
           </p:nvSpPr>
@@ -5235,25 +5734,41 @@
             </a:bodyPr>
             <a:lstStyle/>
             <a:p>
-              <a:pPr indent="0" lvl="0" marL="0" rtl="0" algn="l">
+              <a:pPr indent="0" lvl="0" marL="0" marR="0" rtl="0" algn="l">
+                <a:lnSpc>
+                  <a:spcPct val="100000"/>
+                </a:lnSpc>
                 <a:spcBef>
                   <a:spcPts val="0"/>
                 </a:spcBef>
                 <a:spcAft>
                   <a:spcPts val="0"/>
                 </a:spcAft>
+                <a:buClr>
+                  <a:srgbClr val="000000"/>
+                </a:buClr>
+                <a:buSzPts val="1400"/>
+                <a:buFont typeface="Arial"/>
                 <a:buNone/>
               </a:pPr>
               <a:r>
                 <a:t/>
               </a:r>
-              <a:endParaRPr/>
+              <a:endParaRPr b="0" i="0" sz="1400" u="none" cap="none" strike="noStrike">
+                <a:solidFill>
+                  <a:srgbClr val="000000"/>
+                </a:solidFill>
+                <a:latin typeface="Arial"/>
+                <a:ea typeface="Arial"/>
+                <a:cs typeface="Arial"/>
+                <a:sym typeface="Arial"/>
+              </a:endParaRPr>
             </a:p>
           </p:txBody>
         </p:sp>
         <p:sp>
           <p:nvSpPr>
-            <p:cNvPr id="102" name="Google Shape;102;p3"/>
+            <p:cNvPr id="103" name="Google Shape;103;p4"/>
             <p:cNvSpPr/>
             <p:nvPr/>
           </p:nvSpPr>
@@ -5286,26 +5801,42 @@
             </a:bodyPr>
             <a:lstStyle/>
             <a:p>
-              <a:pPr indent="0" lvl="0" marL="0" rtl="0" algn="l">
+              <a:pPr indent="0" lvl="0" marL="0" marR="0" rtl="0" algn="l">
+                <a:lnSpc>
+                  <a:spcPct val="100000"/>
+                </a:lnSpc>
                 <a:spcBef>
                   <a:spcPts val="0"/>
                 </a:spcBef>
                 <a:spcAft>
                   <a:spcPts val="0"/>
                 </a:spcAft>
+                <a:buClr>
+                  <a:srgbClr val="000000"/>
+                </a:buClr>
+                <a:buSzPts val="1400"/>
+                <a:buFont typeface="Arial"/>
                 <a:buNone/>
               </a:pPr>
               <a:r>
                 <a:t/>
               </a:r>
-              <a:endParaRPr/>
+              <a:endParaRPr b="0" i="0" sz="1400" u="none" cap="none" strike="noStrike">
+                <a:solidFill>
+                  <a:srgbClr val="000000"/>
+                </a:solidFill>
+                <a:latin typeface="Arial"/>
+                <a:ea typeface="Arial"/>
+                <a:cs typeface="Arial"/>
+                <a:sym typeface="Arial"/>
+              </a:endParaRPr>
             </a:p>
           </p:txBody>
         </p:sp>
       </p:grpSp>
       <p:sp>
         <p:nvSpPr>
-          <p:cNvPr id="103" name="Google Shape;103;p3"/>
+          <p:cNvPr id="104" name="Google Shape;104;p4"/>
           <p:cNvSpPr txBox="1"/>
           <p:nvPr/>
         </p:nvSpPr>
@@ -5328,17 +5859,28 @@
           </a:bodyPr>
           <a:lstStyle/>
           <a:p>
-            <a:pPr indent="0" lvl="0" marL="0" rtl="0" algn="l">
+            <a:pPr indent="0" lvl="0" marL="0" marR="0" rtl="0" algn="l">
+              <a:lnSpc>
+                <a:spcPct val="100000"/>
+              </a:lnSpc>
               <a:spcBef>
                 <a:spcPts val="0"/>
               </a:spcBef>
               <a:spcAft>
                 <a:spcPts val="0"/>
               </a:spcAft>
+              <a:buClr>
+                <a:srgbClr val="000000"/>
+              </a:buClr>
+              <a:buSzPts val="1500"/>
+              <a:buFont typeface="Arial"/>
               <a:buNone/>
             </a:pPr>
             <a:r>
-              <a:rPr lang="en" sz="1500">
+              <a:rPr b="0" i="0" lang="en" sz="1500" u="none" cap="none" strike="noStrike">
+                <a:solidFill>
+                  <a:srgbClr val="000000"/>
+                </a:solidFill>
                 <a:latin typeface="Work Sans"/>
                 <a:ea typeface="Work Sans"/>
                 <a:cs typeface="Work Sans"/>
@@ -5346,7 +5888,10 @@
               </a:rPr>
               <a:t>IMPACT  </a:t>
             </a:r>
-            <a:endParaRPr sz="1500">
+            <a:endParaRPr b="0" i="0" sz="1500" u="none" cap="none" strike="noStrike">
+              <a:solidFill>
+                <a:srgbClr val="000000"/>
+              </a:solidFill>
               <a:latin typeface="Work Sans"/>
               <a:ea typeface="Work Sans"/>
               <a:cs typeface="Work Sans"/>
@@ -5357,7 +5902,7 @@
       </p:sp>
       <p:grpSp>
         <p:nvGrpSpPr>
-          <p:cNvPr id="104" name="Google Shape;104;p3"/>
+          <p:cNvPr id="105" name="Google Shape;105;p4"/>
           <p:cNvGrpSpPr/>
           <p:nvPr/>
         </p:nvGrpSpPr>
@@ -5371,7 +5916,7 @@
         </p:grpSpPr>
         <p:sp>
           <p:nvSpPr>
-            <p:cNvPr id="105" name="Google Shape;105;p3"/>
+            <p:cNvPr id="106" name="Google Shape;106;p4"/>
             <p:cNvSpPr/>
             <p:nvPr/>
           </p:nvSpPr>
@@ -5404,25 +5949,41 @@
             </a:bodyPr>
             <a:lstStyle/>
             <a:p>
-              <a:pPr indent="0" lvl="0" marL="0" rtl="0" algn="l">
+              <a:pPr indent="0" lvl="0" marL="0" marR="0" rtl="0" algn="l">
+                <a:lnSpc>
+                  <a:spcPct val="100000"/>
+                </a:lnSpc>
                 <a:spcBef>
                   <a:spcPts val="0"/>
                 </a:spcBef>
                 <a:spcAft>
                   <a:spcPts val="0"/>
                 </a:spcAft>
+                <a:buClr>
+                  <a:srgbClr val="000000"/>
+                </a:buClr>
+                <a:buSzPts val="1400"/>
+                <a:buFont typeface="Arial"/>
                 <a:buNone/>
               </a:pPr>
               <a:r>
                 <a:t/>
               </a:r>
-              <a:endParaRPr/>
+              <a:endParaRPr b="0" i="0" sz="1400" u="none" cap="none" strike="noStrike">
+                <a:solidFill>
+                  <a:srgbClr val="000000"/>
+                </a:solidFill>
+                <a:latin typeface="Arial"/>
+                <a:ea typeface="Arial"/>
+                <a:cs typeface="Arial"/>
+                <a:sym typeface="Arial"/>
+              </a:endParaRPr>
             </a:p>
           </p:txBody>
         </p:sp>
         <p:sp>
           <p:nvSpPr>
-            <p:cNvPr id="106" name="Google Shape;106;p3"/>
+            <p:cNvPr id="107" name="Google Shape;107;p4"/>
             <p:cNvSpPr/>
             <p:nvPr/>
           </p:nvSpPr>
@@ -5455,26 +6016,42 @@
             </a:bodyPr>
             <a:lstStyle/>
             <a:p>
-              <a:pPr indent="0" lvl="0" marL="0" rtl="0" algn="l">
+              <a:pPr indent="0" lvl="0" marL="0" marR="0" rtl="0" algn="l">
+                <a:lnSpc>
+                  <a:spcPct val="100000"/>
+                </a:lnSpc>
                 <a:spcBef>
                   <a:spcPts val="0"/>
                 </a:spcBef>
                 <a:spcAft>
                   <a:spcPts val="0"/>
                 </a:spcAft>
+                <a:buClr>
+                  <a:srgbClr val="000000"/>
+                </a:buClr>
+                <a:buSzPts val="1400"/>
+                <a:buFont typeface="Arial"/>
                 <a:buNone/>
               </a:pPr>
               <a:r>
                 <a:t/>
               </a:r>
-              <a:endParaRPr/>
+              <a:endParaRPr b="0" i="0" sz="1400" u="none" cap="none" strike="noStrike">
+                <a:solidFill>
+                  <a:srgbClr val="000000"/>
+                </a:solidFill>
+                <a:latin typeface="Arial"/>
+                <a:ea typeface="Arial"/>
+                <a:cs typeface="Arial"/>
+                <a:sym typeface="Arial"/>
+              </a:endParaRPr>
             </a:p>
           </p:txBody>
         </p:sp>
       </p:grpSp>
       <p:sp>
         <p:nvSpPr>
-          <p:cNvPr id="107" name="Google Shape;107;p3"/>
+          <p:cNvPr id="108" name="Google Shape;108;p4"/>
           <p:cNvSpPr txBox="1"/>
           <p:nvPr/>
         </p:nvSpPr>
@@ -5497,7 +6074,7 @@
           </a:bodyPr>
           <a:lstStyle/>
           <a:p>
-            <a:pPr indent="0" lvl="0" marL="0" rtl="0" algn="l">
+            <a:pPr indent="0" lvl="0" marL="0" marR="0" rtl="0" algn="l">
               <a:lnSpc>
                 <a:spcPct val="105000"/>
               </a:lnSpc>
@@ -5507,12 +6084,17 @@
               <a:spcAft>
                 <a:spcPts val="0"/>
               </a:spcAft>
+              <a:buClr>
+                <a:srgbClr val="000000"/>
+              </a:buClr>
+              <a:buSzPct val="100000"/>
+              <a:buFont typeface="Arial"/>
               <a:buNone/>
             </a:pPr>
             <a:r>
               <a:t/>
             </a:r>
-            <a:endParaRPr i="1" sz="1100">
+            <a:endParaRPr b="0" i="1" sz="1100" u="none" cap="none" strike="noStrike">
               <a:solidFill>
                 <a:srgbClr val="000000"/>
               </a:solidFill>
@@ -5526,7 +6108,7 @@
       </p:sp>
       <p:sp>
         <p:nvSpPr>
-          <p:cNvPr id="108" name="Google Shape;108;p3"/>
+          <p:cNvPr id="109" name="Google Shape;109;p4"/>
           <p:cNvSpPr txBox="1"/>
           <p:nvPr/>
         </p:nvSpPr>
@@ -5549,17 +6131,28 @@
           </a:bodyPr>
           <a:lstStyle/>
           <a:p>
-            <a:pPr indent="0" lvl="0" marL="0" rtl="0" algn="l">
+            <a:pPr indent="0" lvl="0" marL="0" marR="0" rtl="0" algn="l">
+              <a:lnSpc>
+                <a:spcPct val="100000"/>
+              </a:lnSpc>
               <a:spcBef>
                 <a:spcPts val="0"/>
               </a:spcBef>
               <a:spcAft>
                 <a:spcPts val="0"/>
               </a:spcAft>
+              <a:buClr>
+                <a:srgbClr val="000000"/>
+              </a:buClr>
+              <a:buSzPts val="1500"/>
+              <a:buFont typeface="Arial"/>
               <a:buNone/>
             </a:pPr>
             <a:r>
-              <a:rPr lang="en" sz="1500">
+              <a:rPr b="0" i="0" lang="en" sz="1500" u="none" cap="none" strike="noStrike">
+                <a:solidFill>
+                  <a:srgbClr val="000000"/>
+                </a:solidFill>
                 <a:latin typeface="Work Sans"/>
                 <a:ea typeface="Work Sans"/>
                 <a:cs typeface="Work Sans"/>
@@ -5567,7 +6160,10 @@
               </a:rPr>
               <a:t>KEY INSIGHTS</a:t>
             </a:r>
-            <a:endParaRPr sz="1500">
+            <a:endParaRPr b="0" i="0" sz="1500" u="none" cap="none" strike="noStrike">
+              <a:solidFill>
+                <a:srgbClr val="000000"/>
+              </a:solidFill>
               <a:latin typeface="Work Sans"/>
               <a:ea typeface="Work Sans"/>
               <a:cs typeface="Work Sans"/>
@@ -5578,7 +6174,7 @@
       </p:sp>
       <p:grpSp>
         <p:nvGrpSpPr>
-          <p:cNvPr id="109" name="Google Shape;109;p3"/>
+          <p:cNvPr id="110" name="Google Shape;110;p4"/>
           <p:cNvGrpSpPr/>
           <p:nvPr/>
         </p:nvGrpSpPr>
@@ -5592,7 +6188,7 @@
         </p:grpSpPr>
         <p:sp>
           <p:nvSpPr>
-            <p:cNvPr id="110" name="Google Shape;110;p3"/>
+            <p:cNvPr id="111" name="Google Shape;111;p4"/>
             <p:cNvSpPr/>
             <p:nvPr/>
           </p:nvSpPr>
@@ -5625,25 +6221,41 @@
             </a:bodyPr>
             <a:lstStyle/>
             <a:p>
-              <a:pPr indent="0" lvl="0" marL="0" rtl="0" algn="l">
+              <a:pPr indent="0" lvl="0" marL="0" marR="0" rtl="0" algn="l">
+                <a:lnSpc>
+                  <a:spcPct val="100000"/>
+                </a:lnSpc>
                 <a:spcBef>
                   <a:spcPts val="0"/>
                 </a:spcBef>
                 <a:spcAft>
                   <a:spcPts val="0"/>
                 </a:spcAft>
+                <a:buClr>
+                  <a:srgbClr val="000000"/>
+                </a:buClr>
+                <a:buSzPts val="1400"/>
+                <a:buFont typeface="Arial"/>
                 <a:buNone/>
               </a:pPr>
               <a:r>
                 <a:t/>
               </a:r>
-              <a:endParaRPr/>
+              <a:endParaRPr b="0" i="0" sz="1400" u="none" cap="none" strike="noStrike">
+                <a:solidFill>
+                  <a:srgbClr val="000000"/>
+                </a:solidFill>
+                <a:latin typeface="Arial"/>
+                <a:ea typeface="Arial"/>
+                <a:cs typeface="Arial"/>
+                <a:sym typeface="Arial"/>
+              </a:endParaRPr>
             </a:p>
           </p:txBody>
         </p:sp>
         <p:sp>
           <p:nvSpPr>
-            <p:cNvPr id="111" name="Google Shape;111;p3"/>
+            <p:cNvPr id="112" name="Google Shape;112;p4"/>
             <p:cNvSpPr/>
             <p:nvPr/>
           </p:nvSpPr>
@@ -5676,26 +6288,42 @@
             </a:bodyPr>
             <a:lstStyle/>
             <a:p>
-              <a:pPr indent="0" lvl="0" marL="0" rtl="0" algn="l">
+              <a:pPr indent="0" lvl="0" marL="0" marR="0" rtl="0" algn="l">
+                <a:lnSpc>
+                  <a:spcPct val="100000"/>
+                </a:lnSpc>
                 <a:spcBef>
                   <a:spcPts val="0"/>
                 </a:spcBef>
                 <a:spcAft>
                   <a:spcPts val="0"/>
                 </a:spcAft>
+                <a:buClr>
+                  <a:srgbClr val="000000"/>
+                </a:buClr>
+                <a:buSzPts val="1400"/>
+                <a:buFont typeface="Arial"/>
                 <a:buNone/>
               </a:pPr>
               <a:r>
                 <a:t/>
               </a:r>
-              <a:endParaRPr/>
+              <a:endParaRPr b="0" i="0" sz="1400" u="none" cap="none" strike="noStrike">
+                <a:solidFill>
+                  <a:srgbClr val="000000"/>
+                </a:solidFill>
+                <a:latin typeface="Arial"/>
+                <a:ea typeface="Arial"/>
+                <a:cs typeface="Arial"/>
+                <a:sym typeface="Arial"/>
+              </a:endParaRPr>
             </a:p>
           </p:txBody>
         </p:sp>
       </p:grpSp>
       <p:sp>
         <p:nvSpPr>
-          <p:cNvPr id="112" name="Google Shape;112;p3"/>
+          <p:cNvPr id="113" name="Google Shape;113;p4"/>
           <p:cNvSpPr/>
           <p:nvPr>
             <p:ph idx="3" type="pic"/>
@@ -5723,7 +6351,7 @@
       </p:sp>
       <p:sp>
         <p:nvSpPr>
-          <p:cNvPr id="113" name="Google Shape;113;p3"/>
+          <p:cNvPr id="114" name="Google Shape;114;p4"/>
           <p:cNvSpPr txBox="1"/>
           <p:nvPr/>
         </p:nvSpPr>
@@ -5742,7 +6370,7 @@
           <a:effectLst>
             <a:outerShdw blurRad="57150" rotWithShape="0" algn="bl" dir="5400000" dist="19050">
               <a:srgbClr val="000000">
-                <a:alpha val="50000"/>
+                <a:alpha val="49803"/>
               </a:srgbClr>
             </a:outerShdw>
           </a:effectLst>
@@ -5753,36 +6381,50 @@
           </a:bodyPr>
           <a:lstStyle/>
           <a:p>
-            <a:pPr indent="0" lvl="0" marL="0" rtl="0" algn="ctr">
+            <a:pPr indent="0" lvl="0" marL="0" marR="0" rtl="0" algn="ctr">
+              <a:lnSpc>
+                <a:spcPct val="100000"/>
+              </a:lnSpc>
               <a:spcBef>
                 <a:spcPts val="0"/>
               </a:spcBef>
               <a:spcAft>
                 <a:spcPts val="0"/>
               </a:spcAft>
+              <a:buClr>
+                <a:srgbClr val="000000"/>
+              </a:buClr>
+              <a:buSzPts val="2100"/>
+              <a:buFont typeface="Arial"/>
               <a:buNone/>
             </a:pPr>
             <a:r>
-              <a:rPr b="1" lang="en" sz="2100">
-                <a:latin typeface="Google Sans"/>
-                <a:ea typeface="Google Sans"/>
-                <a:cs typeface="Google Sans"/>
-                <a:sym typeface="Google Sans"/>
+              <a:rPr b="1" i="0" lang="en" sz="2100" u="none" cap="none" strike="noStrike">
+                <a:solidFill>
+                  <a:srgbClr val="000000"/>
+                </a:solidFill>
+                <a:latin typeface="Arial"/>
+                <a:ea typeface="Arial"/>
+                <a:cs typeface="Arial"/>
+                <a:sym typeface="Arial"/>
               </a:rPr>
               <a:t>Click here to edit title</a:t>
             </a:r>
-            <a:endParaRPr b="1" sz="2100">
-              <a:latin typeface="Google Sans"/>
-              <a:ea typeface="Google Sans"/>
-              <a:cs typeface="Google Sans"/>
-              <a:sym typeface="Google Sans"/>
+            <a:endParaRPr b="1" i="0" sz="2100" u="none" cap="none" strike="noStrike">
+              <a:solidFill>
+                <a:srgbClr val="000000"/>
+              </a:solidFill>
+              <a:latin typeface="Arial"/>
+              <a:ea typeface="Arial"/>
+              <a:cs typeface="Arial"/>
+              <a:sym typeface="Arial"/>
             </a:endParaRPr>
           </a:p>
         </p:txBody>
       </p:sp>
       <p:sp>
         <p:nvSpPr>
-          <p:cNvPr id="114" name="Google Shape;114;p3"/>
+          <p:cNvPr id="115" name="Google Shape;115;p4"/>
           <p:cNvSpPr txBox="1"/>
           <p:nvPr/>
         </p:nvSpPr>
@@ -5805,7 +6447,7 @@
           </a:bodyPr>
           <a:lstStyle/>
           <a:p>
-            <a:pPr indent="0" lvl="0" marL="0" rtl="0" algn="ctr">
+            <a:pPr indent="0" lvl="0" marL="0" marR="0" rtl="0" algn="ctr">
               <a:lnSpc>
                 <a:spcPct val="115000"/>
               </a:lnSpc>
@@ -5815,10 +6457,18 @@
               <a:spcAft>
                 <a:spcPts val="1200"/>
               </a:spcAft>
+              <a:buClr>
+                <a:srgbClr val="000000"/>
+              </a:buClr>
+              <a:buSzPts val="1200"/>
+              <a:buFont typeface="Arial"/>
               <a:buNone/>
             </a:pPr>
             <a:r>
-              <a:rPr lang="en" sz="1200">
+              <a:rPr b="0" i="0" lang="en" sz="1200" u="none" cap="none" strike="noStrike">
+                <a:solidFill>
+                  <a:srgbClr val="000000"/>
+                </a:solidFill>
                 <a:latin typeface="PT Sans Narrow"/>
                 <a:ea typeface="PT Sans Narrow"/>
                 <a:cs typeface="PT Sans Narrow"/>
@@ -5826,7 +6476,7 @@
               </a:rPr>
               <a:t>Click here to edit subtitle</a:t>
             </a:r>
-            <a:endParaRPr sz="1200">
+            <a:endParaRPr b="0" i="0" sz="1200" u="none" cap="none" strike="noStrike">
               <a:solidFill>
                 <a:srgbClr val="000000"/>
               </a:solidFill>
@@ -5840,7 +6490,7 @@
       </p:sp>
       <p:sp>
         <p:nvSpPr>
-          <p:cNvPr id="115" name="Google Shape;115;p3"/>
+          <p:cNvPr id="116" name="Google Shape;116;p4"/>
           <p:cNvSpPr txBox="1"/>
           <p:nvPr/>
         </p:nvSpPr>
@@ -5863,7 +6513,7 @@
           </a:bodyPr>
           <a:lstStyle/>
           <a:p>
-            <a:pPr indent="0" lvl="0" marL="0" rtl="0" algn="l">
+            <a:pPr indent="0" lvl="0" marL="0" marR="0" rtl="0" algn="l">
               <a:lnSpc>
                 <a:spcPct val="105000"/>
               </a:lnSpc>
@@ -5873,10 +6523,18 @@
               <a:spcAft>
                 <a:spcPts val="0"/>
               </a:spcAft>
+              <a:buClr>
+                <a:srgbClr val="000000"/>
+              </a:buClr>
+              <a:buSzPct val="100000"/>
+              <a:buFont typeface="Arial"/>
               <a:buNone/>
             </a:pPr>
             <a:r>
-              <a:rPr i="1" lang="en" sz="1100">
+              <a:rPr b="0" i="1" lang="en" sz="1100" u="none" cap="none" strike="noStrike">
+                <a:solidFill>
+                  <a:srgbClr val="000000"/>
+                </a:solidFill>
                 <a:latin typeface="Lato"/>
                 <a:ea typeface="Lato"/>
                 <a:cs typeface="Lato"/>
@@ -5884,7 +6542,7 @@
               </a:rPr>
               <a:t>Image Alt-Text Here</a:t>
             </a:r>
-            <a:endParaRPr i="1" sz="1100">
+            <a:endParaRPr b="0" i="1" sz="1100" u="none" cap="none" strike="noStrike">
               <a:solidFill>
                 <a:srgbClr val="000000"/>
               </a:solidFill>
@@ -5898,7 +6556,7 @@
       </p:sp>
       <p:sp>
         <p:nvSpPr>
-          <p:cNvPr id="116" name="Google Shape;116;p3"/>
+          <p:cNvPr id="117" name="Google Shape;117;p4"/>
           <p:cNvSpPr txBox="1"/>
           <p:nvPr/>
         </p:nvSpPr>
@@ -5921,7 +6579,7 @@
           </a:bodyPr>
           <a:lstStyle/>
           <a:p>
-            <a:pPr indent="0" lvl="0" marL="0" rtl="0" algn="l">
+            <a:pPr indent="0" lvl="0" marL="0" marR="0" rtl="0" algn="l">
               <a:lnSpc>
                 <a:spcPct val="105000"/>
               </a:lnSpc>
@@ -5931,10 +6589,18 @@
               <a:spcAft>
                 <a:spcPts val="0"/>
               </a:spcAft>
+              <a:buClr>
+                <a:srgbClr val="000000"/>
+              </a:buClr>
+              <a:buSzPct val="100000"/>
+              <a:buFont typeface="Arial"/>
               <a:buNone/>
             </a:pPr>
             <a:r>
-              <a:rPr i="1" lang="en" sz="1100">
+              <a:rPr b="0" i="1" lang="en" sz="1100" u="none" cap="none" strike="noStrike">
+                <a:solidFill>
+                  <a:srgbClr val="000000"/>
+                </a:solidFill>
                 <a:latin typeface="Lato"/>
                 <a:ea typeface="Lato"/>
                 <a:cs typeface="Lato"/>
@@ -5942,7 +6608,7 @@
               </a:rPr>
               <a:t>Image Alt-Text Here</a:t>
             </a:r>
-            <a:endParaRPr i="1" sz="1100">
+            <a:endParaRPr b="0" i="1" sz="1100" u="none" cap="none" strike="noStrike">
               <a:solidFill>
                 <a:srgbClr val="000000"/>
               </a:solidFill>
@@ -5962,12 +6628,12 @@
 </p:sldLayout>
 </file>
 
-<file path=ppt/slideLayouts/slideLayout3.xml><?xml version="1.0" encoding="utf-8"?>
+<file path=ppt/slideLayouts/slideLayout4.xml><?xml version="1.0" encoding="utf-8"?>
 <p:sldLayout xmlns:a="http://schemas.openxmlformats.org/drawingml/2006/main" xmlns:r="http://schemas.openxmlformats.org/officeDocument/2006/relationships" xmlns:mc="http://schemas.openxmlformats.org/markup-compatibility/2006" xmlns:mv="urn:schemas-microsoft-com:mac:vml" xmlns:p="http://schemas.openxmlformats.org/presentationml/2006/main" xmlns:c="http://schemas.openxmlformats.org/drawingml/2006/chart" xmlns:dgm="http://schemas.openxmlformats.org/drawingml/2006/diagram" xmlns:o="urn:schemas-microsoft-com:office:office" xmlns:v="urn:schemas-microsoft-com:vml" xmlns:pvml="urn:schemas-microsoft-com:office:powerpoint" xmlns:com="http://schemas.openxmlformats.org/drawingml/2006/compatibility" xmlns:p14="http://schemas.microsoft.com/office/powerpoint/2010/main" xmlns:p15="http://schemas.microsoft.com/office/powerpoint/2012/main" xmlns:ahyp="http://schemas.microsoft.com/office/drawing/2018/hyperlinkcolor" matchingName="Layout 3">
   <p:cSld name="CUSTOM_2_1">
     <p:spTree>
       <p:nvGrpSpPr>
-        <p:cNvPr id="117" name="Shape 117"/>
+        <p:cNvPr id="118" name="Shape 118"/>
         <p:cNvGrpSpPr/>
         <p:nvPr/>
       </p:nvGrpSpPr>
@@ -5981,7 +6647,7 @@
       </p:grpSpPr>
       <p:cxnSp>
         <p:nvCxnSpPr>
-          <p:cNvPr id="118" name="Google Shape;118;p4"/>
+          <p:cNvPr id="119" name="Google Shape;119;p5"/>
           <p:cNvCxnSpPr/>
           <p:nvPr/>
         </p:nvCxnSpPr>
@@ -6000,14 +6666,14 @@
             </a:solidFill>
             <a:prstDash val="solid"/>
             <a:round/>
-            <a:headEnd len="med" w="med" type="none"/>
-            <a:tailEnd len="med" w="med" type="none"/>
+            <a:headEnd len="sm" w="sm" type="none"/>
+            <a:tailEnd len="sm" w="sm" type="none"/>
           </a:ln>
         </p:spPr>
       </p:cxnSp>
       <p:grpSp>
         <p:nvGrpSpPr>
-          <p:cNvPr id="119" name="Google Shape;119;p4"/>
+          <p:cNvPr id="120" name="Google Shape;120;p5"/>
           <p:cNvGrpSpPr/>
           <p:nvPr/>
         </p:nvGrpSpPr>
@@ -6021,7 +6687,7 @@
         </p:grpSpPr>
         <p:cxnSp>
           <p:nvCxnSpPr>
-            <p:cNvPr id="120" name="Google Shape;120;p4"/>
+            <p:cNvPr id="121" name="Google Shape;121;p5"/>
             <p:cNvCxnSpPr/>
             <p:nvPr/>
           </p:nvCxnSpPr>
@@ -6040,14 +6706,14 @@
               </a:solidFill>
               <a:prstDash val="solid"/>
               <a:round/>
-              <a:headEnd len="med" w="med" type="none"/>
-              <a:tailEnd len="med" w="med" type="none"/>
+              <a:headEnd len="sm" w="sm" type="none"/>
+              <a:tailEnd len="sm" w="sm" type="none"/>
             </a:ln>
           </p:spPr>
         </p:cxnSp>
         <p:cxnSp>
           <p:nvCxnSpPr>
-            <p:cNvPr id="121" name="Google Shape;121;p4"/>
+            <p:cNvPr id="122" name="Google Shape;122;p5"/>
             <p:cNvCxnSpPr/>
             <p:nvPr/>
           </p:nvCxnSpPr>
@@ -6066,15 +6732,15 @@
               </a:solidFill>
               <a:prstDash val="solid"/>
               <a:round/>
-              <a:headEnd len="med" w="med" type="none"/>
-              <a:tailEnd len="med" w="med" type="none"/>
+              <a:headEnd len="sm" w="sm" type="none"/>
+              <a:tailEnd len="sm" w="sm" type="none"/>
             </a:ln>
           </p:spPr>
         </p:cxnSp>
       </p:grpSp>
       <p:cxnSp>
         <p:nvCxnSpPr>
-          <p:cNvPr id="122" name="Google Shape;122;p4"/>
+          <p:cNvPr id="123" name="Google Shape;123;p5"/>
           <p:cNvCxnSpPr/>
           <p:nvPr/>
         </p:nvCxnSpPr>
@@ -6093,14 +6759,14 @@
             </a:solidFill>
             <a:prstDash val="solid"/>
             <a:round/>
-            <a:headEnd len="med" w="med" type="none"/>
-            <a:tailEnd len="med" w="med" type="none"/>
+            <a:headEnd len="sm" w="sm" type="none"/>
+            <a:tailEnd len="sm" w="sm" type="none"/>
           </a:ln>
         </p:spPr>
       </p:cxnSp>
       <p:cxnSp>
         <p:nvCxnSpPr>
-          <p:cNvPr id="123" name="Google Shape;123;p4"/>
+          <p:cNvPr id="124" name="Google Shape;124;p5"/>
           <p:cNvCxnSpPr/>
           <p:nvPr/>
         </p:nvCxnSpPr>
@@ -6119,14 +6785,14 @@
             </a:solidFill>
             <a:prstDash val="solid"/>
             <a:round/>
-            <a:headEnd len="med" w="med" type="none"/>
-            <a:tailEnd len="med" w="med" type="none"/>
+            <a:headEnd len="sm" w="sm" type="none"/>
+            <a:tailEnd len="sm" w="sm" type="none"/>
           </a:ln>
         </p:spPr>
       </p:cxnSp>
       <p:cxnSp>
         <p:nvCxnSpPr>
-          <p:cNvPr id="124" name="Google Shape;124;p4"/>
+          <p:cNvPr id="125" name="Google Shape;125;p5"/>
           <p:cNvCxnSpPr/>
           <p:nvPr/>
         </p:nvCxnSpPr>
@@ -6145,14 +6811,14 @@
             </a:solidFill>
             <a:prstDash val="solid"/>
             <a:round/>
-            <a:headEnd len="med" w="med" type="none"/>
-            <a:tailEnd len="med" w="med" type="none"/>
+            <a:headEnd len="sm" w="sm" type="none"/>
+            <a:tailEnd len="sm" w="sm" type="none"/>
           </a:ln>
         </p:spPr>
       </p:cxnSp>
       <p:grpSp>
         <p:nvGrpSpPr>
-          <p:cNvPr id="125" name="Google Shape;125;p4"/>
+          <p:cNvPr id="126" name="Google Shape;126;p5"/>
           <p:cNvGrpSpPr/>
           <p:nvPr/>
         </p:nvGrpSpPr>
@@ -6166,7 +6832,7 @@
         </p:grpSpPr>
         <p:sp>
           <p:nvSpPr>
-            <p:cNvPr id="126" name="Google Shape;126;p4"/>
+            <p:cNvPr id="127" name="Google Shape;127;p5"/>
             <p:cNvSpPr/>
             <p:nvPr/>
           </p:nvSpPr>
@@ -6197,25 +6863,41 @@
             </a:bodyPr>
             <a:lstStyle/>
             <a:p>
-              <a:pPr indent="0" lvl="0" marL="0" rtl="0" algn="l">
+              <a:pPr indent="0" lvl="0" marL="0" marR="0" rtl="0" algn="l">
+                <a:lnSpc>
+                  <a:spcPct val="100000"/>
+                </a:lnSpc>
                 <a:spcBef>
                   <a:spcPts val="0"/>
                 </a:spcBef>
                 <a:spcAft>
                   <a:spcPts val="0"/>
                 </a:spcAft>
+                <a:buClr>
+                  <a:srgbClr val="000000"/>
+                </a:buClr>
+                <a:buSzPts val="1400"/>
+                <a:buFont typeface="Arial"/>
                 <a:buNone/>
               </a:pPr>
               <a:r>
                 <a:t/>
               </a:r>
-              <a:endParaRPr/>
+              <a:endParaRPr b="0" i="0" sz="1400" u="none" cap="none" strike="noStrike">
+                <a:solidFill>
+                  <a:srgbClr val="000000"/>
+                </a:solidFill>
+                <a:latin typeface="Arial"/>
+                <a:ea typeface="Arial"/>
+                <a:cs typeface="Arial"/>
+                <a:sym typeface="Arial"/>
+              </a:endParaRPr>
             </a:p>
           </p:txBody>
         </p:sp>
         <p:sp>
           <p:nvSpPr>
-            <p:cNvPr id="127" name="Google Shape;127;p4"/>
+            <p:cNvPr id="128" name="Google Shape;128;p5"/>
             <p:cNvSpPr/>
             <p:nvPr/>
           </p:nvSpPr>
@@ -6248,25 +6930,41 @@
             </a:bodyPr>
             <a:lstStyle/>
             <a:p>
-              <a:pPr indent="0" lvl="0" marL="0" rtl="0" algn="l">
+              <a:pPr indent="0" lvl="0" marL="0" marR="0" rtl="0" algn="l">
+                <a:lnSpc>
+                  <a:spcPct val="100000"/>
+                </a:lnSpc>
                 <a:spcBef>
                   <a:spcPts val="0"/>
                 </a:spcBef>
                 <a:spcAft>
                   <a:spcPts val="0"/>
                 </a:spcAft>
+                <a:buClr>
+                  <a:srgbClr val="000000"/>
+                </a:buClr>
+                <a:buSzPts val="1400"/>
+                <a:buFont typeface="Arial"/>
                 <a:buNone/>
               </a:pPr>
               <a:r>
                 <a:t/>
               </a:r>
-              <a:endParaRPr/>
+              <a:endParaRPr b="0" i="0" sz="1400" u="none" cap="none" strike="noStrike">
+                <a:solidFill>
+                  <a:srgbClr val="000000"/>
+                </a:solidFill>
+                <a:latin typeface="Arial"/>
+                <a:ea typeface="Arial"/>
+                <a:cs typeface="Arial"/>
+                <a:sym typeface="Arial"/>
+              </a:endParaRPr>
             </a:p>
           </p:txBody>
         </p:sp>
         <p:sp>
           <p:nvSpPr>
-            <p:cNvPr id="128" name="Google Shape;128;p4"/>
+            <p:cNvPr id="129" name="Google Shape;129;p5"/>
             <p:cNvSpPr/>
             <p:nvPr/>
           </p:nvSpPr>
@@ -6297,25 +6995,41 @@
             </a:bodyPr>
             <a:lstStyle/>
             <a:p>
-              <a:pPr indent="0" lvl="0" marL="0" rtl="0" algn="l">
+              <a:pPr indent="0" lvl="0" marL="0" marR="0" rtl="0" algn="l">
+                <a:lnSpc>
+                  <a:spcPct val="100000"/>
+                </a:lnSpc>
                 <a:spcBef>
                   <a:spcPts val="0"/>
                 </a:spcBef>
                 <a:spcAft>
                   <a:spcPts val="0"/>
                 </a:spcAft>
+                <a:buClr>
+                  <a:srgbClr val="000000"/>
+                </a:buClr>
+                <a:buSzPts val="1400"/>
+                <a:buFont typeface="Arial"/>
                 <a:buNone/>
               </a:pPr>
               <a:r>
                 <a:t/>
               </a:r>
-              <a:endParaRPr/>
+              <a:endParaRPr b="0" i="0" sz="1400" u="none" cap="none" strike="noStrike">
+                <a:solidFill>
+                  <a:srgbClr val="000000"/>
+                </a:solidFill>
+                <a:latin typeface="Arial"/>
+                <a:ea typeface="Arial"/>
+                <a:cs typeface="Arial"/>
+                <a:sym typeface="Arial"/>
+              </a:endParaRPr>
             </a:p>
           </p:txBody>
         </p:sp>
         <p:sp>
           <p:nvSpPr>
-            <p:cNvPr id="129" name="Google Shape;129;p4"/>
+            <p:cNvPr id="130" name="Google Shape;130;p5"/>
             <p:cNvSpPr/>
             <p:nvPr/>
           </p:nvSpPr>
@@ -6348,26 +7062,42 @@
             </a:bodyPr>
             <a:lstStyle/>
             <a:p>
-              <a:pPr indent="0" lvl="0" marL="0" rtl="0" algn="l">
+              <a:pPr indent="0" lvl="0" marL="0" marR="0" rtl="0" algn="l">
+                <a:lnSpc>
+                  <a:spcPct val="100000"/>
+                </a:lnSpc>
                 <a:spcBef>
                   <a:spcPts val="0"/>
                 </a:spcBef>
                 <a:spcAft>
                   <a:spcPts val="0"/>
                 </a:spcAft>
+                <a:buClr>
+                  <a:srgbClr val="000000"/>
+                </a:buClr>
+                <a:buSzPts val="1400"/>
+                <a:buFont typeface="Arial"/>
                 <a:buNone/>
               </a:pPr>
               <a:r>
                 <a:t/>
               </a:r>
-              <a:endParaRPr/>
+              <a:endParaRPr b="0" i="0" sz="1400" u="none" cap="none" strike="noStrike">
+                <a:solidFill>
+                  <a:srgbClr val="000000"/>
+                </a:solidFill>
+                <a:latin typeface="Arial"/>
+                <a:ea typeface="Arial"/>
+                <a:cs typeface="Arial"/>
+                <a:sym typeface="Arial"/>
+              </a:endParaRPr>
             </a:p>
           </p:txBody>
         </p:sp>
       </p:grpSp>
       <p:grpSp>
         <p:nvGrpSpPr>
-          <p:cNvPr id="130" name="Google Shape;130;p4"/>
+          <p:cNvPr id="131" name="Google Shape;131;p5"/>
           <p:cNvGrpSpPr/>
           <p:nvPr/>
         </p:nvGrpSpPr>
@@ -6381,7 +7111,7 @@
         </p:grpSpPr>
         <p:sp>
           <p:nvSpPr>
-            <p:cNvPr id="131" name="Google Shape;131;p4"/>
+            <p:cNvPr id="132" name="Google Shape;132;p5"/>
             <p:cNvSpPr/>
             <p:nvPr/>
           </p:nvSpPr>
@@ -6412,25 +7142,41 @@
             </a:bodyPr>
             <a:lstStyle/>
             <a:p>
-              <a:pPr indent="0" lvl="0" marL="0" rtl="0" algn="l">
+              <a:pPr indent="0" lvl="0" marL="0" marR="0" rtl="0" algn="l">
+                <a:lnSpc>
+                  <a:spcPct val="100000"/>
+                </a:lnSpc>
                 <a:spcBef>
                   <a:spcPts val="0"/>
                 </a:spcBef>
                 <a:spcAft>
                   <a:spcPts val="0"/>
                 </a:spcAft>
+                <a:buClr>
+                  <a:srgbClr val="000000"/>
+                </a:buClr>
+                <a:buSzPts val="1400"/>
+                <a:buFont typeface="Arial"/>
                 <a:buNone/>
               </a:pPr>
               <a:r>
                 <a:t/>
               </a:r>
-              <a:endParaRPr/>
+              <a:endParaRPr b="0" i="0" sz="1400" u="none" cap="none" strike="noStrike">
+                <a:solidFill>
+                  <a:srgbClr val="000000"/>
+                </a:solidFill>
+                <a:latin typeface="Arial"/>
+                <a:ea typeface="Arial"/>
+                <a:cs typeface="Arial"/>
+                <a:sym typeface="Arial"/>
+              </a:endParaRPr>
             </a:p>
           </p:txBody>
         </p:sp>
         <p:sp>
           <p:nvSpPr>
-            <p:cNvPr id="132" name="Google Shape;132;p4"/>
+            <p:cNvPr id="133" name="Google Shape;133;p5"/>
             <p:cNvSpPr/>
             <p:nvPr/>
           </p:nvSpPr>
@@ -6463,25 +7209,41 @@
             </a:bodyPr>
             <a:lstStyle/>
             <a:p>
-              <a:pPr indent="0" lvl="0" marL="0" rtl="0" algn="l">
+              <a:pPr indent="0" lvl="0" marL="0" marR="0" rtl="0" algn="l">
+                <a:lnSpc>
+                  <a:spcPct val="100000"/>
+                </a:lnSpc>
                 <a:spcBef>
                   <a:spcPts val="0"/>
                 </a:spcBef>
                 <a:spcAft>
                   <a:spcPts val="0"/>
                 </a:spcAft>
+                <a:buClr>
+                  <a:srgbClr val="000000"/>
+                </a:buClr>
+                <a:buSzPts val="1400"/>
+                <a:buFont typeface="Arial"/>
                 <a:buNone/>
               </a:pPr>
               <a:r>
                 <a:t/>
               </a:r>
-              <a:endParaRPr/>
+              <a:endParaRPr b="0" i="0" sz="1400" u="none" cap="none" strike="noStrike">
+                <a:solidFill>
+                  <a:srgbClr val="000000"/>
+                </a:solidFill>
+                <a:latin typeface="Arial"/>
+                <a:ea typeface="Arial"/>
+                <a:cs typeface="Arial"/>
+                <a:sym typeface="Arial"/>
+              </a:endParaRPr>
             </a:p>
           </p:txBody>
         </p:sp>
         <p:sp>
           <p:nvSpPr>
-            <p:cNvPr id="133" name="Google Shape;133;p4"/>
+            <p:cNvPr id="134" name="Google Shape;134;p5"/>
             <p:cNvSpPr/>
             <p:nvPr/>
           </p:nvSpPr>
@@ -6512,25 +7274,41 @@
             </a:bodyPr>
             <a:lstStyle/>
             <a:p>
-              <a:pPr indent="0" lvl="0" marL="0" rtl="0" algn="l">
+              <a:pPr indent="0" lvl="0" marL="0" marR="0" rtl="0" algn="l">
+                <a:lnSpc>
+                  <a:spcPct val="100000"/>
+                </a:lnSpc>
                 <a:spcBef>
                   <a:spcPts val="0"/>
                 </a:spcBef>
                 <a:spcAft>
                   <a:spcPts val="0"/>
                 </a:spcAft>
+                <a:buClr>
+                  <a:srgbClr val="000000"/>
+                </a:buClr>
+                <a:buSzPts val="1400"/>
+                <a:buFont typeface="Arial"/>
                 <a:buNone/>
               </a:pPr>
               <a:r>
                 <a:t/>
               </a:r>
-              <a:endParaRPr/>
+              <a:endParaRPr b="0" i="0" sz="1400" u="none" cap="none" strike="noStrike">
+                <a:solidFill>
+                  <a:srgbClr val="000000"/>
+                </a:solidFill>
+                <a:latin typeface="Arial"/>
+                <a:ea typeface="Arial"/>
+                <a:cs typeface="Arial"/>
+                <a:sym typeface="Arial"/>
+              </a:endParaRPr>
             </a:p>
           </p:txBody>
         </p:sp>
         <p:sp>
           <p:nvSpPr>
-            <p:cNvPr id="134" name="Google Shape;134;p4"/>
+            <p:cNvPr id="135" name="Google Shape;135;p5"/>
             <p:cNvSpPr/>
             <p:nvPr/>
           </p:nvSpPr>
@@ -6563,26 +7341,42 @@
             </a:bodyPr>
             <a:lstStyle/>
             <a:p>
-              <a:pPr indent="0" lvl="0" marL="0" rtl="0" algn="l">
+              <a:pPr indent="0" lvl="0" marL="0" marR="0" rtl="0" algn="l">
+                <a:lnSpc>
+                  <a:spcPct val="100000"/>
+                </a:lnSpc>
                 <a:spcBef>
                   <a:spcPts val="0"/>
                 </a:spcBef>
                 <a:spcAft>
                   <a:spcPts val="0"/>
                 </a:spcAft>
+                <a:buClr>
+                  <a:srgbClr val="000000"/>
+                </a:buClr>
+                <a:buSzPts val="1400"/>
+                <a:buFont typeface="Arial"/>
                 <a:buNone/>
               </a:pPr>
               <a:r>
                 <a:t/>
               </a:r>
-              <a:endParaRPr/>
+              <a:endParaRPr b="0" i="0" sz="1400" u="none" cap="none" strike="noStrike">
+                <a:solidFill>
+                  <a:srgbClr val="000000"/>
+                </a:solidFill>
+                <a:latin typeface="Arial"/>
+                <a:ea typeface="Arial"/>
+                <a:cs typeface="Arial"/>
+                <a:sym typeface="Arial"/>
+              </a:endParaRPr>
             </a:p>
           </p:txBody>
         </p:sp>
       </p:grpSp>
       <p:grpSp>
         <p:nvGrpSpPr>
-          <p:cNvPr id="135" name="Google Shape;135;p4"/>
+          <p:cNvPr id="136" name="Google Shape;136;p5"/>
           <p:cNvGrpSpPr/>
           <p:nvPr/>
         </p:nvGrpSpPr>
@@ -6596,7 +7390,7 @@
         </p:grpSpPr>
         <p:sp>
           <p:nvSpPr>
-            <p:cNvPr id="136" name="Google Shape;136;p4"/>
+            <p:cNvPr id="137" name="Google Shape;137;p5"/>
             <p:cNvSpPr/>
             <p:nvPr/>
           </p:nvSpPr>
@@ -6627,25 +7421,41 @@
             </a:bodyPr>
             <a:lstStyle/>
             <a:p>
-              <a:pPr indent="0" lvl="0" marL="0" rtl="0" algn="l">
+              <a:pPr indent="0" lvl="0" marL="0" marR="0" rtl="0" algn="l">
+                <a:lnSpc>
+                  <a:spcPct val="100000"/>
+                </a:lnSpc>
                 <a:spcBef>
                   <a:spcPts val="0"/>
                 </a:spcBef>
                 <a:spcAft>
                   <a:spcPts val="0"/>
                 </a:spcAft>
+                <a:buClr>
+                  <a:srgbClr val="000000"/>
+                </a:buClr>
+                <a:buSzPts val="1400"/>
+                <a:buFont typeface="Arial"/>
                 <a:buNone/>
               </a:pPr>
               <a:r>
                 <a:t/>
               </a:r>
-              <a:endParaRPr/>
+              <a:endParaRPr b="0" i="0" sz="1400" u="none" cap="none" strike="noStrike">
+                <a:solidFill>
+                  <a:srgbClr val="000000"/>
+                </a:solidFill>
+                <a:latin typeface="Arial"/>
+                <a:ea typeface="Arial"/>
+                <a:cs typeface="Arial"/>
+                <a:sym typeface="Arial"/>
+              </a:endParaRPr>
             </a:p>
           </p:txBody>
         </p:sp>
         <p:sp>
           <p:nvSpPr>
-            <p:cNvPr id="137" name="Google Shape;137;p4"/>
+            <p:cNvPr id="138" name="Google Shape;138;p5"/>
             <p:cNvSpPr/>
             <p:nvPr/>
           </p:nvSpPr>
@@ -6678,25 +7488,41 @@
             </a:bodyPr>
             <a:lstStyle/>
             <a:p>
-              <a:pPr indent="0" lvl="0" marL="0" rtl="0" algn="l">
+              <a:pPr indent="0" lvl="0" marL="0" marR="0" rtl="0" algn="l">
+                <a:lnSpc>
+                  <a:spcPct val="100000"/>
+                </a:lnSpc>
                 <a:spcBef>
                   <a:spcPts val="0"/>
                 </a:spcBef>
                 <a:spcAft>
                   <a:spcPts val="0"/>
                 </a:spcAft>
+                <a:buClr>
+                  <a:srgbClr val="000000"/>
+                </a:buClr>
+                <a:buSzPts val="1400"/>
+                <a:buFont typeface="Arial"/>
                 <a:buNone/>
               </a:pPr>
               <a:r>
                 <a:t/>
               </a:r>
-              <a:endParaRPr/>
+              <a:endParaRPr b="0" i="0" sz="1400" u="none" cap="none" strike="noStrike">
+                <a:solidFill>
+                  <a:srgbClr val="000000"/>
+                </a:solidFill>
+                <a:latin typeface="Arial"/>
+                <a:ea typeface="Arial"/>
+                <a:cs typeface="Arial"/>
+                <a:sym typeface="Arial"/>
+              </a:endParaRPr>
             </a:p>
           </p:txBody>
         </p:sp>
         <p:sp>
           <p:nvSpPr>
-            <p:cNvPr id="138" name="Google Shape;138;p4"/>
+            <p:cNvPr id="139" name="Google Shape;139;p5"/>
             <p:cNvSpPr/>
             <p:nvPr/>
           </p:nvSpPr>
@@ -6727,25 +7553,41 @@
             </a:bodyPr>
             <a:lstStyle/>
             <a:p>
-              <a:pPr indent="0" lvl="0" marL="0" rtl="0" algn="l">
+              <a:pPr indent="0" lvl="0" marL="0" marR="0" rtl="0" algn="l">
+                <a:lnSpc>
+                  <a:spcPct val="100000"/>
+                </a:lnSpc>
                 <a:spcBef>
                   <a:spcPts val="0"/>
                 </a:spcBef>
                 <a:spcAft>
                   <a:spcPts val="0"/>
                 </a:spcAft>
+                <a:buClr>
+                  <a:srgbClr val="000000"/>
+                </a:buClr>
+                <a:buSzPts val="1400"/>
+                <a:buFont typeface="Arial"/>
                 <a:buNone/>
               </a:pPr>
               <a:r>
                 <a:t/>
               </a:r>
-              <a:endParaRPr/>
+              <a:endParaRPr b="0" i="0" sz="1400" u="none" cap="none" strike="noStrike">
+                <a:solidFill>
+                  <a:srgbClr val="000000"/>
+                </a:solidFill>
+                <a:latin typeface="Arial"/>
+                <a:ea typeface="Arial"/>
+                <a:cs typeface="Arial"/>
+                <a:sym typeface="Arial"/>
+              </a:endParaRPr>
             </a:p>
           </p:txBody>
         </p:sp>
         <p:sp>
           <p:nvSpPr>
-            <p:cNvPr id="139" name="Google Shape;139;p4"/>
+            <p:cNvPr id="140" name="Google Shape;140;p5"/>
             <p:cNvSpPr/>
             <p:nvPr/>
           </p:nvSpPr>
@@ -6778,26 +7620,42 @@
             </a:bodyPr>
             <a:lstStyle/>
             <a:p>
-              <a:pPr indent="0" lvl="0" marL="0" rtl="0" algn="l">
+              <a:pPr indent="0" lvl="0" marL="0" marR="0" rtl="0" algn="l">
+                <a:lnSpc>
+                  <a:spcPct val="100000"/>
+                </a:lnSpc>
                 <a:spcBef>
                   <a:spcPts val="0"/>
                 </a:spcBef>
                 <a:spcAft>
                   <a:spcPts val="0"/>
                 </a:spcAft>
+                <a:buClr>
+                  <a:srgbClr val="000000"/>
+                </a:buClr>
+                <a:buSzPts val="1400"/>
+                <a:buFont typeface="Arial"/>
                 <a:buNone/>
               </a:pPr>
               <a:r>
                 <a:t/>
               </a:r>
-              <a:endParaRPr/>
+              <a:endParaRPr b="0" i="0" sz="1400" u="none" cap="none" strike="noStrike">
+                <a:solidFill>
+                  <a:srgbClr val="000000"/>
+                </a:solidFill>
+                <a:latin typeface="Arial"/>
+                <a:ea typeface="Arial"/>
+                <a:cs typeface="Arial"/>
+                <a:sym typeface="Arial"/>
+              </a:endParaRPr>
             </a:p>
           </p:txBody>
         </p:sp>
       </p:grpSp>
       <p:grpSp>
         <p:nvGrpSpPr>
-          <p:cNvPr id="140" name="Google Shape;140;p4"/>
+          <p:cNvPr id="141" name="Google Shape;141;p5"/>
           <p:cNvGrpSpPr/>
           <p:nvPr/>
         </p:nvGrpSpPr>
@@ -6811,7 +7669,7 @@
         </p:grpSpPr>
         <p:sp>
           <p:nvSpPr>
-            <p:cNvPr id="141" name="Google Shape;141;p4"/>
+            <p:cNvPr id="142" name="Google Shape;142;p5"/>
             <p:cNvSpPr/>
             <p:nvPr/>
           </p:nvSpPr>
@@ -6842,25 +7700,41 @@
             </a:bodyPr>
             <a:lstStyle/>
             <a:p>
-              <a:pPr indent="0" lvl="0" marL="0" rtl="0" algn="l">
+              <a:pPr indent="0" lvl="0" marL="0" marR="0" rtl="0" algn="l">
+                <a:lnSpc>
+                  <a:spcPct val="100000"/>
+                </a:lnSpc>
                 <a:spcBef>
                   <a:spcPts val="0"/>
                 </a:spcBef>
                 <a:spcAft>
                   <a:spcPts val="0"/>
                 </a:spcAft>
+                <a:buClr>
+                  <a:srgbClr val="000000"/>
+                </a:buClr>
+                <a:buSzPts val="1400"/>
+                <a:buFont typeface="Arial"/>
                 <a:buNone/>
               </a:pPr>
               <a:r>
                 <a:t/>
               </a:r>
-              <a:endParaRPr/>
+              <a:endParaRPr b="0" i="0" sz="1400" u="none" cap="none" strike="noStrike">
+                <a:solidFill>
+                  <a:srgbClr val="000000"/>
+                </a:solidFill>
+                <a:latin typeface="Arial"/>
+                <a:ea typeface="Arial"/>
+                <a:cs typeface="Arial"/>
+                <a:sym typeface="Arial"/>
+              </a:endParaRPr>
             </a:p>
           </p:txBody>
         </p:sp>
         <p:sp>
           <p:nvSpPr>
-            <p:cNvPr id="142" name="Google Shape;142;p4"/>
+            <p:cNvPr id="143" name="Google Shape;143;p5"/>
             <p:cNvSpPr/>
             <p:nvPr/>
           </p:nvSpPr>
@@ -6893,25 +7767,41 @@
             </a:bodyPr>
             <a:lstStyle/>
             <a:p>
-              <a:pPr indent="0" lvl="0" marL="0" rtl="0" algn="l">
+              <a:pPr indent="0" lvl="0" marL="0" marR="0" rtl="0" algn="l">
+                <a:lnSpc>
+                  <a:spcPct val="100000"/>
+                </a:lnSpc>
                 <a:spcBef>
                   <a:spcPts val="0"/>
                 </a:spcBef>
                 <a:spcAft>
                   <a:spcPts val="0"/>
                 </a:spcAft>
+                <a:buClr>
+                  <a:srgbClr val="000000"/>
+                </a:buClr>
+                <a:buSzPts val="1400"/>
+                <a:buFont typeface="Arial"/>
                 <a:buNone/>
               </a:pPr>
               <a:r>
                 <a:t/>
               </a:r>
-              <a:endParaRPr/>
+              <a:endParaRPr b="0" i="0" sz="1400" u="none" cap="none" strike="noStrike">
+                <a:solidFill>
+                  <a:srgbClr val="000000"/>
+                </a:solidFill>
+                <a:latin typeface="Arial"/>
+                <a:ea typeface="Arial"/>
+                <a:cs typeface="Arial"/>
+                <a:sym typeface="Arial"/>
+              </a:endParaRPr>
             </a:p>
           </p:txBody>
         </p:sp>
         <p:sp>
           <p:nvSpPr>
-            <p:cNvPr id="143" name="Google Shape;143;p4"/>
+            <p:cNvPr id="144" name="Google Shape;144;p5"/>
             <p:cNvSpPr/>
             <p:nvPr/>
           </p:nvSpPr>
@@ -6942,25 +7832,41 @@
             </a:bodyPr>
             <a:lstStyle/>
             <a:p>
-              <a:pPr indent="0" lvl="0" marL="0" rtl="0" algn="l">
+              <a:pPr indent="0" lvl="0" marL="0" marR="0" rtl="0" algn="l">
+                <a:lnSpc>
+                  <a:spcPct val="100000"/>
+                </a:lnSpc>
                 <a:spcBef>
                   <a:spcPts val="0"/>
                 </a:spcBef>
                 <a:spcAft>
                   <a:spcPts val="0"/>
                 </a:spcAft>
+                <a:buClr>
+                  <a:srgbClr val="000000"/>
+                </a:buClr>
+                <a:buSzPts val="1400"/>
+                <a:buFont typeface="Arial"/>
                 <a:buNone/>
               </a:pPr>
               <a:r>
                 <a:t/>
               </a:r>
-              <a:endParaRPr/>
+              <a:endParaRPr b="0" i="0" sz="1400" u="none" cap="none" strike="noStrike">
+                <a:solidFill>
+                  <a:srgbClr val="000000"/>
+                </a:solidFill>
+                <a:latin typeface="Arial"/>
+                <a:ea typeface="Arial"/>
+                <a:cs typeface="Arial"/>
+                <a:sym typeface="Arial"/>
+              </a:endParaRPr>
             </a:p>
           </p:txBody>
         </p:sp>
         <p:sp>
           <p:nvSpPr>
-            <p:cNvPr id="144" name="Google Shape;144;p4"/>
+            <p:cNvPr id="145" name="Google Shape;145;p5"/>
             <p:cNvSpPr/>
             <p:nvPr/>
           </p:nvSpPr>
@@ -6993,26 +7899,42 @@
             </a:bodyPr>
             <a:lstStyle/>
             <a:p>
-              <a:pPr indent="0" lvl="0" marL="0" rtl="0" algn="l">
+              <a:pPr indent="0" lvl="0" marL="0" marR="0" rtl="0" algn="l">
+                <a:lnSpc>
+                  <a:spcPct val="100000"/>
+                </a:lnSpc>
                 <a:spcBef>
                   <a:spcPts val="0"/>
                 </a:spcBef>
                 <a:spcAft>
                   <a:spcPts val="0"/>
                 </a:spcAft>
+                <a:buClr>
+                  <a:srgbClr val="000000"/>
+                </a:buClr>
+                <a:buSzPts val="1400"/>
+                <a:buFont typeface="Arial"/>
                 <a:buNone/>
               </a:pPr>
               <a:r>
                 <a:t/>
               </a:r>
-              <a:endParaRPr/>
+              <a:endParaRPr b="0" i="0" sz="1400" u="none" cap="none" strike="noStrike">
+                <a:solidFill>
+                  <a:srgbClr val="000000"/>
+                </a:solidFill>
+                <a:latin typeface="Arial"/>
+                <a:ea typeface="Arial"/>
+                <a:cs typeface="Arial"/>
+                <a:sym typeface="Arial"/>
+              </a:endParaRPr>
             </a:p>
           </p:txBody>
         </p:sp>
       </p:grpSp>
       <p:sp>
         <p:nvSpPr>
-          <p:cNvPr id="145" name="Google Shape;145;p4"/>
+          <p:cNvPr id="146" name="Google Shape;146;p5"/>
           <p:cNvSpPr txBox="1"/>
           <p:nvPr/>
         </p:nvSpPr>
@@ -7035,36 +7957,50 @@
           </a:bodyPr>
           <a:lstStyle/>
           <a:p>
-            <a:pPr indent="0" lvl="0" marL="0" rtl="0" algn="l">
+            <a:pPr indent="0" lvl="0" marL="0" marR="0" rtl="0" algn="l">
+              <a:lnSpc>
+                <a:spcPct val="100000"/>
+              </a:lnSpc>
               <a:spcBef>
                 <a:spcPts val="0"/>
               </a:spcBef>
               <a:spcAft>
                 <a:spcPts val="0"/>
               </a:spcAft>
+              <a:buClr>
+                <a:srgbClr val="000000"/>
+              </a:buClr>
+              <a:buSzPts val="1400"/>
+              <a:buFont typeface="Arial"/>
               <a:buNone/>
             </a:pPr>
             <a:r>
-              <a:rPr b="1" lang="en">
-                <a:latin typeface="Google Sans"/>
-                <a:ea typeface="Google Sans"/>
-                <a:cs typeface="Google Sans"/>
-                <a:sym typeface="Google Sans"/>
+              <a:rPr b="1" i="0" lang="en" sz="1400" u="none" cap="none" strike="noStrike">
+                <a:solidFill>
+                  <a:srgbClr val="000000"/>
+                </a:solidFill>
+                <a:latin typeface="Arial"/>
+                <a:ea typeface="Arial"/>
+                <a:cs typeface="Arial"/>
+                <a:sym typeface="Arial"/>
               </a:rPr>
               <a:t>OVERVIEW</a:t>
             </a:r>
-            <a:endParaRPr b="1">
-              <a:latin typeface="Google Sans"/>
-              <a:ea typeface="Google Sans"/>
-              <a:cs typeface="Google Sans"/>
-              <a:sym typeface="Google Sans"/>
+            <a:endParaRPr b="1" i="0" sz="1400" u="none" cap="none" strike="noStrike">
+              <a:solidFill>
+                <a:srgbClr val="000000"/>
+              </a:solidFill>
+              <a:latin typeface="Arial"/>
+              <a:ea typeface="Arial"/>
+              <a:cs typeface="Arial"/>
+              <a:sym typeface="Arial"/>
             </a:endParaRPr>
           </a:p>
         </p:txBody>
       </p:sp>
       <p:sp>
         <p:nvSpPr>
-          <p:cNvPr id="146" name="Google Shape;146;p4"/>
+          <p:cNvPr id="147" name="Google Shape;147;p5"/>
           <p:cNvSpPr txBox="1"/>
           <p:nvPr/>
         </p:nvSpPr>
@@ -7087,36 +8023,50 @@
           </a:bodyPr>
           <a:lstStyle/>
           <a:p>
-            <a:pPr indent="0" lvl="0" marL="0" rtl="0" algn="l">
+            <a:pPr indent="0" lvl="0" marL="0" marR="0" rtl="0" algn="l">
+              <a:lnSpc>
+                <a:spcPct val="100000"/>
+              </a:lnSpc>
               <a:spcBef>
                 <a:spcPts val="0"/>
               </a:spcBef>
               <a:spcAft>
                 <a:spcPts val="0"/>
               </a:spcAft>
+              <a:buClr>
+                <a:srgbClr val="000000"/>
+              </a:buClr>
+              <a:buSzPts val="1400"/>
+              <a:buFont typeface="Arial"/>
               <a:buNone/>
             </a:pPr>
             <a:r>
-              <a:rPr b="1" lang="en">
-                <a:latin typeface="Google Sans"/>
-                <a:ea typeface="Google Sans"/>
-                <a:cs typeface="Google Sans"/>
-                <a:sym typeface="Google Sans"/>
+              <a:rPr b="1" i="0" lang="en" sz="1400" u="none" cap="none" strike="noStrike">
+                <a:solidFill>
+                  <a:srgbClr val="000000"/>
+                </a:solidFill>
+                <a:latin typeface="Arial"/>
+                <a:ea typeface="Arial"/>
+                <a:cs typeface="Arial"/>
+                <a:sym typeface="Arial"/>
               </a:rPr>
               <a:t>PROJECT STATUS </a:t>
             </a:r>
-            <a:endParaRPr b="1">
-              <a:latin typeface="Google Sans"/>
-              <a:ea typeface="Google Sans"/>
-              <a:cs typeface="Google Sans"/>
-              <a:sym typeface="Google Sans"/>
+            <a:endParaRPr b="1" i="0" sz="1400" u="none" cap="none" strike="noStrike">
+              <a:solidFill>
+                <a:srgbClr val="000000"/>
+              </a:solidFill>
+              <a:latin typeface="Arial"/>
+              <a:ea typeface="Arial"/>
+              <a:cs typeface="Arial"/>
+              <a:sym typeface="Arial"/>
             </a:endParaRPr>
           </a:p>
         </p:txBody>
       </p:sp>
       <p:sp>
         <p:nvSpPr>
-          <p:cNvPr id="147" name="Google Shape;147;p4"/>
+          <p:cNvPr id="148" name="Google Shape;148;p5"/>
           <p:cNvSpPr txBox="1"/>
           <p:nvPr/>
         </p:nvSpPr>
@@ -7139,36 +8089,50 @@
           </a:bodyPr>
           <a:lstStyle/>
           <a:p>
-            <a:pPr indent="0" lvl="0" marL="0" rtl="0" algn="l">
+            <a:pPr indent="0" lvl="0" marL="0" marR="0" rtl="0" algn="l">
+              <a:lnSpc>
+                <a:spcPct val="100000"/>
+              </a:lnSpc>
               <a:spcBef>
                 <a:spcPts val="0"/>
               </a:spcBef>
               <a:spcAft>
                 <a:spcPts val="0"/>
               </a:spcAft>
+              <a:buClr>
+                <a:srgbClr val="000000"/>
+              </a:buClr>
+              <a:buSzPts val="1400"/>
+              <a:buFont typeface="Arial"/>
               <a:buNone/>
             </a:pPr>
             <a:r>
-              <a:rPr b="1" lang="en">
-                <a:latin typeface="Google Sans"/>
-                <a:ea typeface="Google Sans"/>
-                <a:cs typeface="Google Sans"/>
-                <a:sym typeface="Google Sans"/>
+              <a:rPr b="1" i="0" lang="en" sz="1400" u="none" cap="none" strike="noStrike">
+                <a:solidFill>
+                  <a:srgbClr val="000000"/>
+                </a:solidFill>
+                <a:latin typeface="Arial"/>
+                <a:ea typeface="Arial"/>
+                <a:cs typeface="Arial"/>
+                <a:sym typeface="Arial"/>
               </a:rPr>
               <a:t>NEXT STEPS </a:t>
             </a:r>
-            <a:endParaRPr b="1">
-              <a:latin typeface="Google Sans"/>
-              <a:ea typeface="Google Sans"/>
-              <a:cs typeface="Google Sans"/>
-              <a:sym typeface="Google Sans"/>
+            <a:endParaRPr b="1" i="0" sz="1400" u="none" cap="none" strike="noStrike">
+              <a:solidFill>
+                <a:srgbClr val="000000"/>
+              </a:solidFill>
+              <a:latin typeface="Arial"/>
+              <a:ea typeface="Arial"/>
+              <a:cs typeface="Arial"/>
+              <a:sym typeface="Arial"/>
             </a:endParaRPr>
           </a:p>
         </p:txBody>
       </p:sp>
       <p:sp>
         <p:nvSpPr>
-          <p:cNvPr id="148" name="Google Shape;148;p4"/>
+          <p:cNvPr id="149" name="Google Shape;149;p5"/>
           <p:cNvSpPr txBox="1"/>
           <p:nvPr/>
         </p:nvSpPr>
@@ -7191,36 +8155,50 @@
           </a:bodyPr>
           <a:lstStyle/>
           <a:p>
-            <a:pPr indent="0" lvl="0" marL="0" rtl="0" algn="l">
+            <a:pPr indent="0" lvl="0" marL="0" marR="0" rtl="0" algn="l">
+              <a:lnSpc>
+                <a:spcPct val="100000"/>
+              </a:lnSpc>
               <a:spcBef>
                 <a:spcPts val="0"/>
               </a:spcBef>
               <a:spcAft>
                 <a:spcPts val="0"/>
               </a:spcAft>
+              <a:buClr>
+                <a:srgbClr val="000000"/>
+              </a:buClr>
+              <a:buSzPts val="1400"/>
+              <a:buFont typeface="Arial"/>
               <a:buNone/>
             </a:pPr>
             <a:r>
-              <a:rPr b="1" lang="en">
-                <a:latin typeface="Google Sans"/>
-                <a:ea typeface="Google Sans"/>
-                <a:cs typeface="Google Sans"/>
-                <a:sym typeface="Google Sans"/>
+              <a:rPr b="1" i="0" lang="en" sz="1400" u="none" cap="none" strike="noStrike">
+                <a:solidFill>
+                  <a:srgbClr val="000000"/>
+                </a:solidFill>
+                <a:latin typeface="Arial"/>
+                <a:ea typeface="Arial"/>
+                <a:cs typeface="Arial"/>
+                <a:sym typeface="Arial"/>
               </a:rPr>
               <a:t>KEY INSIGHTS </a:t>
             </a:r>
-            <a:endParaRPr b="1">
-              <a:latin typeface="Google Sans"/>
-              <a:ea typeface="Google Sans"/>
-              <a:cs typeface="Google Sans"/>
-              <a:sym typeface="Google Sans"/>
+            <a:endParaRPr b="1" i="0" sz="1400" u="none" cap="none" strike="noStrike">
+              <a:solidFill>
+                <a:srgbClr val="000000"/>
+              </a:solidFill>
+              <a:latin typeface="Arial"/>
+              <a:ea typeface="Arial"/>
+              <a:cs typeface="Arial"/>
+              <a:sym typeface="Arial"/>
             </a:endParaRPr>
           </a:p>
         </p:txBody>
       </p:sp>
       <p:sp>
         <p:nvSpPr>
-          <p:cNvPr id="149" name="Google Shape;149;p4"/>
+          <p:cNvPr id="150" name="Google Shape;150;p5"/>
           <p:cNvSpPr txBox="1"/>
           <p:nvPr/>
         </p:nvSpPr>
@@ -7243,7 +8221,7 @@
           </a:bodyPr>
           <a:lstStyle/>
           <a:p>
-            <a:pPr indent="0" lvl="0" marL="0" rtl="0" algn="l">
+            <a:pPr indent="0" lvl="0" marL="0" marR="0" rtl="0" algn="l">
               <a:lnSpc>
                 <a:spcPct val="115000"/>
               </a:lnSpc>
@@ -7253,26 +8231,31 @@
               <a:spcAft>
                 <a:spcPts val="1200"/>
               </a:spcAft>
+              <a:buClr>
+                <a:srgbClr val="000000"/>
+              </a:buClr>
+              <a:buSzPts val="1200"/>
+              <a:buFont typeface="Arial"/>
               <a:buNone/>
             </a:pPr>
             <a:r>
               <a:t/>
             </a:r>
-            <a:endParaRPr sz="1200">
+            <a:endParaRPr b="0" i="0" sz="1200" u="none" cap="none" strike="noStrike">
               <a:solidFill>
                 <a:srgbClr val="595959"/>
               </a:solidFill>
-              <a:latin typeface="Google Sans"/>
-              <a:ea typeface="Google Sans"/>
-              <a:cs typeface="Google Sans"/>
-              <a:sym typeface="Google Sans"/>
+              <a:latin typeface="Arial"/>
+              <a:ea typeface="Arial"/>
+              <a:cs typeface="Arial"/>
+              <a:sym typeface="Arial"/>
             </a:endParaRPr>
           </a:p>
         </p:txBody>
       </p:sp>
       <p:sp>
         <p:nvSpPr>
-          <p:cNvPr id="150" name="Google Shape;150;p4"/>
+          <p:cNvPr id="151" name="Google Shape;151;p5"/>
           <p:cNvSpPr txBox="1"/>
           <p:nvPr/>
         </p:nvSpPr>
@@ -7295,7 +8278,7 @@
           </a:bodyPr>
           <a:lstStyle/>
           <a:p>
-            <a:pPr indent="0" lvl="0" marL="0" rtl="0" algn="l">
+            <a:pPr indent="0" lvl="0" marL="0" marR="0" rtl="0" algn="l">
               <a:lnSpc>
                 <a:spcPct val="115000"/>
               </a:lnSpc>
@@ -7305,26 +8288,31 @@
               <a:spcAft>
                 <a:spcPts val="1200"/>
               </a:spcAft>
+              <a:buClr>
+                <a:srgbClr val="000000"/>
+              </a:buClr>
+              <a:buSzPts val="1200"/>
+              <a:buFont typeface="Arial"/>
               <a:buNone/>
             </a:pPr>
             <a:r>
               <a:t/>
             </a:r>
-            <a:endParaRPr sz="1200">
+            <a:endParaRPr b="0" i="0" sz="1200" u="none" cap="none" strike="noStrike">
               <a:solidFill>
                 <a:srgbClr val="595959"/>
               </a:solidFill>
-              <a:latin typeface="Google Sans"/>
-              <a:ea typeface="Google Sans"/>
-              <a:cs typeface="Google Sans"/>
-              <a:sym typeface="Google Sans"/>
+              <a:latin typeface="Arial"/>
+              <a:ea typeface="Arial"/>
+              <a:cs typeface="Arial"/>
+              <a:sym typeface="Arial"/>
             </a:endParaRPr>
           </a:p>
         </p:txBody>
       </p:sp>
       <p:sp>
         <p:nvSpPr>
-          <p:cNvPr id="151" name="Google Shape;151;p4"/>
+          <p:cNvPr id="152" name="Google Shape;152;p5"/>
           <p:cNvSpPr txBox="1"/>
           <p:nvPr/>
         </p:nvSpPr>
@@ -7347,7 +8335,7 @@
           </a:bodyPr>
           <a:lstStyle/>
           <a:p>
-            <a:pPr indent="0" lvl="0" marL="0" rtl="0" algn="l">
+            <a:pPr indent="0" lvl="0" marL="0" marR="0" rtl="0" algn="l">
               <a:lnSpc>
                 <a:spcPct val="115000"/>
               </a:lnSpc>
@@ -7357,26 +8345,31 @@
               <a:spcAft>
                 <a:spcPts val="1200"/>
               </a:spcAft>
+              <a:buClr>
+                <a:srgbClr val="000000"/>
+              </a:buClr>
+              <a:buSzPts val="1200"/>
+              <a:buFont typeface="Arial"/>
               <a:buNone/>
             </a:pPr>
             <a:r>
               <a:t/>
             </a:r>
-            <a:endParaRPr sz="1200">
+            <a:endParaRPr b="0" i="0" sz="1200" u="none" cap="none" strike="noStrike">
               <a:solidFill>
                 <a:srgbClr val="595959"/>
               </a:solidFill>
-              <a:latin typeface="Google Sans"/>
-              <a:ea typeface="Google Sans"/>
-              <a:cs typeface="Google Sans"/>
-              <a:sym typeface="Google Sans"/>
+              <a:latin typeface="Arial"/>
+              <a:ea typeface="Arial"/>
+              <a:cs typeface="Arial"/>
+              <a:sym typeface="Arial"/>
             </a:endParaRPr>
           </a:p>
         </p:txBody>
       </p:sp>
       <p:sp>
         <p:nvSpPr>
-          <p:cNvPr id="152" name="Google Shape;152;p4"/>
+          <p:cNvPr id="153" name="Google Shape;153;p5"/>
           <p:cNvSpPr txBox="1"/>
           <p:nvPr/>
         </p:nvSpPr>
@@ -7399,7 +8392,7 @@
           </a:bodyPr>
           <a:lstStyle/>
           <a:p>
-            <a:pPr indent="0" lvl="0" marL="0" rtl="0" algn="l">
+            <a:pPr indent="0" lvl="0" marL="0" marR="0" rtl="0" algn="l">
               <a:lnSpc>
                 <a:spcPct val="115000"/>
               </a:lnSpc>
@@ -7409,26 +8402,31 @@
               <a:spcAft>
                 <a:spcPts val="1200"/>
               </a:spcAft>
+              <a:buClr>
+                <a:srgbClr val="000000"/>
+              </a:buClr>
+              <a:buSzPts val="1200"/>
+              <a:buFont typeface="Arial"/>
               <a:buNone/>
             </a:pPr>
             <a:r>
               <a:t/>
             </a:r>
-            <a:endParaRPr sz="1200">
+            <a:endParaRPr b="0" i="0" sz="1200" u="none" cap="none" strike="noStrike">
               <a:solidFill>
                 <a:srgbClr val="595959"/>
               </a:solidFill>
-              <a:latin typeface="Google Sans"/>
-              <a:ea typeface="Google Sans"/>
-              <a:cs typeface="Google Sans"/>
-              <a:sym typeface="Google Sans"/>
+              <a:latin typeface="Arial"/>
+              <a:ea typeface="Arial"/>
+              <a:cs typeface="Arial"/>
+              <a:sym typeface="Arial"/>
             </a:endParaRPr>
           </a:p>
         </p:txBody>
       </p:sp>
       <p:sp>
         <p:nvSpPr>
-          <p:cNvPr id="153" name="Google Shape;153;p4"/>
+          <p:cNvPr id="154" name="Google Shape;154;p5"/>
           <p:cNvSpPr txBox="1"/>
           <p:nvPr/>
         </p:nvSpPr>
@@ -7451,7 +8449,7 @@
           </a:bodyPr>
           <a:lstStyle/>
           <a:p>
-            <a:pPr indent="0" lvl="0" marL="0" rtl="0" algn="l">
+            <a:pPr indent="0" lvl="0" marL="0" marR="0" rtl="0" algn="l">
               <a:lnSpc>
                 <a:spcPct val="115000"/>
               </a:lnSpc>
@@ -7461,26 +8459,31 @@
               <a:spcAft>
                 <a:spcPts val="1200"/>
               </a:spcAft>
+              <a:buClr>
+                <a:srgbClr val="000000"/>
+              </a:buClr>
+              <a:buSzPct val="100000"/>
+              <a:buFont typeface="Arial"/>
               <a:buNone/>
             </a:pPr>
             <a:r>
               <a:t/>
             </a:r>
-            <a:endParaRPr i="1" sz="1100">
+            <a:endParaRPr b="0" i="1" sz="1100" u="none" cap="none" strike="noStrike">
               <a:solidFill>
                 <a:srgbClr val="595959"/>
               </a:solidFill>
-              <a:latin typeface="Google Sans"/>
-              <a:ea typeface="Google Sans"/>
-              <a:cs typeface="Google Sans"/>
-              <a:sym typeface="Google Sans"/>
+              <a:latin typeface="Arial"/>
+              <a:ea typeface="Arial"/>
+              <a:cs typeface="Arial"/>
+              <a:sym typeface="Arial"/>
             </a:endParaRPr>
           </a:p>
         </p:txBody>
       </p:sp>
       <p:sp>
         <p:nvSpPr>
-          <p:cNvPr id="154" name="Google Shape;154;p4"/>
+          <p:cNvPr id="155" name="Google Shape;155;p5"/>
           <p:cNvSpPr txBox="1"/>
           <p:nvPr/>
         </p:nvSpPr>
@@ -7499,7 +8502,7 @@
           <a:effectLst>
             <a:outerShdw blurRad="57150" rotWithShape="0" algn="bl" dir="5400000" dist="19050">
               <a:srgbClr val="000000">
-                <a:alpha val="50000"/>
+                <a:alpha val="49803"/>
               </a:srgbClr>
             </a:outerShdw>
           </a:effectLst>
@@ -7510,36 +8513,50 @@
           </a:bodyPr>
           <a:lstStyle/>
           <a:p>
-            <a:pPr indent="0" lvl="0" marL="0" rtl="0" algn="ctr">
+            <a:pPr indent="0" lvl="0" marL="0" marR="0" rtl="0" algn="ctr">
+              <a:lnSpc>
+                <a:spcPct val="100000"/>
+              </a:lnSpc>
               <a:spcBef>
                 <a:spcPts val="0"/>
               </a:spcBef>
               <a:spcAft>
                 <a:spcPts val="0"/>
               </a:spcAft>
+              <a:buClr>
+                <a:srgbClr val="000000"/>
+              </a:buClr>
+              <a:buSzPts val="2100"/>
+              <a:buFont typeface="Arial"/>
               <a:buNone/>
             </a:pPr>
             <a:r>
-              <a:rPr b="1" lang="en" sz="2100">
-                <a:latin typeface="Google Sans"/>
-                <a:ea typeface="Google Sans"/>
-                <a:cs typeface="Google Sans"/>
-                <a:sym typeface="Google Sans"/>
+              <a:rPr b="1" i="0" lang="en" sz="2100" u="none" cap="none" strike="noStrike">
+                <a:solidFill>
+                  <a:srgbClr val="000000"/>
+                </a:solidFill>
+                <a:latin typeface="Arial"/>
+                <a:ea typeface="Arial"/>
+                <a:cs typeface="Arial"/>
+                <a:sym typeface="Arial"/>
               </a:rPr>
               <a:t>Click here to edit title</a:t>
             </a:r>
-            <a:endParaRPr b="1" sz="2100">
-              <a:latin typeface="Google Sans"/>
-              <a:ea typeface="Google Sans"/>
-              <a:cs typeface="Google Sans"/>
-              <a:sym typeface="Google Sans"/>
+            <a:endParaRPr b="1" i="0" sz="2100" u="none" cap="none" strike="noStrike">
+              <a:solidFill>
+                <a:srgbClr val="000000"/>
+              </a:solidFill>
+              <a:latin typeface="Arial"/>
+              <a:ea typeface="Arial"/>
+              <a:cs typeface="Arial"/>
+              <a:sym typeface="Arial"/>
             </a:endParaRPr>
           </a:p>
         </p:txBody>
       </p:sp>
       <p:sp>
         <p:nvSpPr>
-          <p:cNvPr id="155" name="Google Shape;155;p4"/>
+          <p:cNvPr id="156" name="Google Shape;156;p5"/>
           <p:cNvSpPr txBox="1"/>
           <p:nvPr/>
         </p:nvSpPr>
@@ -7562,7 +8579,7 @@
           </a:bodyPr>
           <a:lstStyle/>
           <a:p>
-            <a:pPr indent="0" lvl="0" marL="0" rtl="0" algn="ctr">
+            <a:pPr indent="0" lvl="0" marL="0" marR="0" rtl="0" algn="ctr">
               <a:lnSpc>
                 <a:spcPct val="115000"/>
               </a:lnSpc>
@@ -7572,10 +8589,18 @@
               <a:spcAft>
                 <a:spcPts val="1200"/>
               </a:spcAft>
+              <a:buClr>
+                <a:srgbClr val="000000"/>
+              </a:buClr>
+              <a:buSzPts val="1200"/>
+              <a:buFont typeface="Arial"/>
               <a:buNone/>
             </a:pPr>
             <a:r>
-              <a:rPr lang="en" sz="1200">
+              <a:rPr b="0" i="0" lang="en" sz="1200" u="none" cap="none" strike="noStrike">
+                <a:solidFill>
+                  <a:srgbClr val="000000"/>
+                </a:solidFill>
                 <a:latin typeface="PT Sans Narrow"/>
                 <a:ea typeface="PT Sans Narrow"/>
                 <a:cs typeface="PT Sans Narrow"/>
@@ -7583,7 +8608,7 @@
               </a:rPr>
               <a:t>Click here to edit subtitle</a:t>
             </a:r>
-            <a:endParaRPr sz="1200">
+            <a:endParaRPr b="0" i="0" sz="1200" u="none" cap="none" strike="noStrike">
               <a:solidFill>
                 <a:srgbClr val="000000"/>
               </a:solidFill>
@@ -7597,7 +8622,7 @@
       </p:sp>
       <p:sp>
         <p:nvSpPr>
-          <p:cNvPr id="156" name="Google Shape;156;p4"/>
+          <p:cNvPr id="157" name="Google Shape;157;p5"/>
           <p:cNvSpPr/>
           <p:nvPr>
             <p:ph idx="2" type="pic"/>
@@ -7625,7 +8650,7 @@
       </p:sp>
       <p:sp>
         <p:nvSpPr>
-          <p:cNvPr id="157" name="Google Shape;157;p4"/>
+          <p:cNvPr id="158" name="Google Shape;158;p5"/>
           <p:cNvSpPr txBox="1"/>
           <p:nvPr/>
         </p:nvSpPr>
@@ -7648,7 +8673,7 @@
           </a:bodyPr>
           <a:lstStyle/>
           <a:p>
-            <a:pPr indent="0" lvl="0" marL="0" rtl="0" algn="l">
+            <a:pPr indent="0" lvl="0" marL="0" marR="0" rtl="0" algn="l">
               <a:lnSpc>
                 <a:spcPct val="105000"/>
               </a:lnSpc>
@@ -7658,10 +8683,18 @@
               <a:spcAft>
                 <a:spcPts val="0"/>
               </a:spcAft>
+              <a:buClr>
+                <a:srgbClr val="000000"/>
+              </a:buClr>
+              <a:buSzPct val="100000"/>
+              <a:buFont typeface="Arial"/>
               <a:buNone/>
             </a:pPr>
             <a:r>
-              <a:rPr i="1" lang="en" sz="1100">
+              <a:rPr b="0" i="1" lang="en" sz="1100" u="none" cap="none" strike="noStrike">
+                <a:solidFill>
+                  <a:srgbClr val="000000"/>
+                </a:solidFill>
                 <a:latin typeface="Lato"/>
                 <a:ea typeface="Lato"/>
                 <a:cs typeface="Lato"/>
@@ -7669,7 +8702,7 @@
               </a:rPr>
               <a:t>Image Alt-Text Here</a:t>
             </a:r>
-            <a:endParaRPr i="1" sz="1100">
+            <a:endParaRPr b="0" i="1" sz="1100" u="none" cap="none" strike="noStrike">
               <a:solidFill>
                 <a:srgbClr val="000000"/>
               </a:solidFill>
@@ -7705,12 +8738,12 @@
 </p:sldLayout>
 </file>
 
-<file path=ppt/slideLayouts/slideLayout4.xml><?xml version="1.0" encoding="utf-8"?>
+<file path=ppt/slideLayouts/slideLayout5.xml><?xml version="1.0" encoding="utf-8"?>
 <p:sldLayout xmlns:a="http://schemas.openxmlformats.org/drawingml/2006/main" xmlns:r="http://schemas.openxmlformats.org/officeDocument/2006/relationships" xmlns:mc="http://schemas.openxmlformats.org/markup-compatibility/2006" xmlns:mv="urn:schemas-microsoft-com:mac:vml" xmlns:p="http://schemas.openxmlformats.org/presentationml/2006/main" xmlns:c="http://schemas.openxmlformats.org/drawingml/2006/chart" xmlns:dgm="http://schemas.openxmlformats.org/drawingml/2006/diagram" xmlns:o="urn:schemas-microsoft-com:office:office" xmlns:v="urn:schemas-microsoft-com:vml" xmlns:pvml="urn:schemas-microsoft-com:office:powerpoint" xmlns:com="http://schemas.openxmlformats.org/drawingml/2006/compatibility" xmlns:p14="http://schemas.microsoft.com/office/powerpoint/2010/main" xmlns:p15="http://schemas.microsoft.com/office/powerpoint/2012/main" xmlns:ahyp="http://schemas.microsoft.com/office/drawing/2018/hyperlinkcolor" matchingName="Layout 4">
   <p:cSld name="CUSTOM">
     <p:spTree>
       <p:nvGrpSpPr>
-        <p:cNvPr id="158" name="Shape 158"/>
+        <p:cNvPr id="159" name="Shape 159"/>
         <p:cNvGrpSpPr/>
         <p:nvPr/>
       </p:nvGrpSpPr>
@@ -7724,7 +8757,7 @@
       </p:grpSpPr>
       <p:sp>
         <p:nvSpPr>
-          <p:cNvPr id="159" name="Google Shape;159;p5"/>
+          <p:cNvPr id="160" name="Google Shape;160;p6"/>
           <p:cNvSpPr/>
           <p:nvPr/>
         </p:nvSpPr>
@@ -7755,33 +8788,41 @@
           </a:bodyPr>
           <a:lstStyle/>
           <a:p>
-            <a:pPr indent="0" lvl="0" marL="0" rtl="0" algn="l">
+            <a:pPr indent="0" lvl="0" marL="0" marR="0" rtl="0" algn="l">
+              <a:lnSpc>
+                <a:spcPct val="100000"/>
+              </a:lnSpc>
               <a:spcBef>
                 <a:spcPts val="0"/>
               </a:spcBef>
               <a:spcAft>
                 <a:spcPts val="0"/>
               </a:spcAft>
+              <a:buClr>
+                <a:srgbClr val="000000"/>
+              </a:buClr>
+              <a:buSzPts val="1400"/>
+              <a:buFont typeface="Arial"/>
               <a:buNone/>
             </a:pPr>
             <a:r>
               <a:t/>
             </a:r>
-            <a:endParaRPr>
+            <a:endParaRPr b="0" i="0" sz="1400" u="none" cap="none" strike="noStrike">
               <a:solidFill>
                 <a:srgbClr val="595959"/>
               </a:solidFill>
-              <a:latin typeface="Google Sans"/>
-              <a:ea typeface="Google Sans"/>
-              <a:cs typeface="Google Sans"/>
-              <a:sym typeface="Google Sans"/>
+              <a:latin typeface="Arial"/>
+              <a:ea typeface="Arial"/>
+              <a:cs typeface="Arial"/>
+              <a:sym typeface="Arial"/>
             </a:endParaRPr>
           </a:p>
         </p:txBody>
       </p:sp>
       <p:sp>
         <p:nvSpPr>
-          <p:cNvPr id="160" name="Google Shape;160;p5"/>
+          <p:cNvPr id="161" name="Google Shape;161;p6"/>
           <p:cNvSpPr/>
           <p:nvPr/>
         </p:nvSpPr>
@@ -7812,33 +8853,41 @@
           </a:bodyPr>
           <a:lstStyle/>
           <a:p>
-            <a:pPr indent="0" lvl="0" marL="0" rtl="0" algn="l">
+            <a:pPr indent="0" lvl="0" marL="0" marR="0" rtl="0" algn="l">
+              <a:lnSpc>
+                <a:spcPct val="100000"/>
+              </a:lnSpc>
               <a:spcBef>
                 <a:spcPts val="0"/>
               </a:spcBef>
               <a:spcAft>
                 <a:spcPts val="0"/>
               </a:spcAft>
+              <a:buClr>
+                <a:srgbClr val="000000"/>
+              </a:buClr>
+              <a:buSzPts val="1400"/>
+              <a:buFont typeface="Arial"/>
               <a:buNone/>
             </a:pPr>
             <a:r>
               <a:t/>
             </a:r>
-            <a:endParaRPr>
+            <a:endParaRPr b="0" i="0" sz="1400" u="none" cap="none" strike="noStrike">
               <a:solidFill>
                 <a:srgbClr val="595959"/>
               </a:solidFill>
-              <a:latin typeface="Google Sans"/>
-              <a:ea typeface="Google Sans"/>
-              <a:cs typeface="Google Sans"/>
-              <a:sym typeface="Google Sans"/>
+              <a:latin typeface="Arial"/>
+              <a:ea typeface="Arial"/>
+              <a:cs typeface="Arial"/>
+              <a:sym typeface="Arial"/>
             </a:endParaRPr>
           </a:p>
         </p:txBody>
       </p:sp>
       <p:grpSp>
         <p:nvGrpSpPr>
-          <p:cNvPr id="161" name="Google Shape;161;p5"/>
+          <p:cNvPr id="162" name="Google Shape;162;p6"/>
           <p:cNvGrpSpPr/>
           <p:nvPr/>
         </p:nvGrpSpPr>
@@ -7852,7 +8901,7 @@
         </p:grpSpPr>
         <p:sp>
           <p:nvSpPr>
-            <p:cNvPr id="162" name="Google Shape;162;p5"/>
+            <p:cNvPr id="163" name="Google Shape;163;p6"/>
             <p:cNvSpPr/>
             <p:nvPr/>
           </p:nvSpPr>
@@ -7883,29 +8932,41 @@
             </a:bodyPr>
             <a:lstStyle/>
             <a:p>
-              <a:pPr indent="0" lvl="0" marL="0" rtl="0" algn="l">
+              <a:pPr indent="0" lvl="0" marL="0" marR="0" rtl="0" algn="l">
+                <a:lnSpc>
+                  <a:spcPct val="100000"/>
+                </a:lnSpc>
                 <a:spcBef>
                   <a:spcPts val="0"/>
                 </a:spcBef>
                 <a:spcAft>
                   <a:spcPts val="0"/>
                 </a:spcAft>
+                <a:buClr>
+                  <a:srgbClr val="000000"/>
+                </a:buClr>
+                <a:buSzPts val="1400"/>
+                <a:buFont typeface="Arial"/>
                 <a:buNone/>
               </a:pPr>
               <a:r>
                 <a:t/>
               </a:r>
-              <a:endParaRPr>
+              <a:endParaRPr b="0" i="0" sz="1400" u="none" cap="none" strike="noStrike">
                 <a:solidFill>
                   <a:srgbClr val="595959"/>
                 </a:solidFill>
+                <a:latin typeface="Arial"/>
+                <a:ea typeface="Arial"/>
+                <a:cs typeface="Arial"/>
+                <a:sym typeface="Arial"/>
               </a:endParaRPr>
             </a:p>
           </p:txBody>
         </p:sp>
         <p:sp>
           <p:nvSpPr>
-            <p:cNvPr id="163" name="Google Shape;163;p5"/>
+            <p:cNvPr id="164" name="Google Shape;164;p6"/>
             <p:cNvSpPr/>
             <p:nvPr/>
           </p:nvSpPr>
@@ -7936,29 +8997,41 @@
             </a:bodyPr>
             <a:lstStyle/>
             <a:p>
-              <a:pPr indent="0" lvl="0" marL="0" rtl="0" algn="l">
+              <a:pPr indent="0" lvl="0" marL="0" marR="0" rtl="0" algn="l">
+                <a:lnSpc>
+                  <a:spcPct val="100000"/>
+                </a:lnSpc>
                 <a:spcBef>
                   <a:spcPts val="0"/>
                 </a:spcBef>
                 <a:spcAft>
                   <a:spcPts val="0"/>
                 </a:spcAft>
+                <a:buClr>
+                  <a:srgbClr val="000000"/>
+                </a:buClr>
+                <a:buSzPts val="1400"/>
+                <a:buFont typeface="Arial"/>
                 <a:buNone/>
               </a:pPr>
               <a:r>
                 <a:t/>
               </a:r>
-              <a:endParaRPr>
+              <a:endParaRPr b="0" i="0" sz="1400" u="none" cap="none" strike="noStrike">
                 <a:solidFill>
                   <a:srgbClr val="595959"/>
                 </a:solidFill>
+                <a:latin typeface="Arial"/>
+                <a:ea typeface="Arial"/>
+                <a:cs typeface="Arial"/>
+                <a:sym typeface="Arial"/>
               </a:endParaRPr>
             </a:p>
           </p:txBody>
         </p:sp>
         <p:sp>
           <p:nvSpPr>
-            <p:cNvPr id="164" name="Google Shape;164;p5"/>
+            <p:cNvPr id="165" name="Google Shape;165;p6"/>
             <p:cNvSpPr/>
             <p:nvPr/>
           </p:nvSpPr>
@@ -7989,29 +9062,41 @@
             </a:bodyPr>
             <a:lstStyle/>
             <a:p>
-              <a:pPr indent="0" lvl="0" marL="0" rtl="0" algn="l">
+              <a:pPr indent="0" lvl="0" marL="0" marR="0" rtl="0" algn="l">
+                <a:lnSpc>
+                  <a:spcPct val="100000"/>
+                </a:lnSpc>
                 <a:spcBef>
                   <a:spcPts val="0"/>
                 </a:spcBef>
                 <a:spcAft>
                   <a:spcPts val="0"/>
                 </a:spcAft>
+                <a:buClr>
+                  <a:srgbClr val="000000"/>
+                </a:buClr>
+                <a:buSzPts val="1400"/>
+                <a:buFont typeface="Arial"/>
                 <a:buNone/>
               </a:pPr>
               <a:r>
                 <a:t/>
               </a:r>
-              <a:endParaRPr>
+              <a:endParaRPr b="0" i="0" sz="1400" u="none" cap="none" strike="noStrike">
                 <a:solidFill>
                   <a:srgbClr val="595959"/>
                 </a:solidFill>
+                <a:latin typeface="Arial"/>
+                <a:ea typeface="Arial"/>
+                <a:cs typeface="Arial"/>
+                <a:sym typeface="Arial"/>
               </a:endParaRPr>
             </a:p>
           </p:txBody>
         </p:sp>
         <p:sp>
           <p:nvSpPr>
-            <p:cNvPr id="165" name="Google Shape;165;p5"/>
+            <p:cNvPr id="166" name="Google Shape;166;p6"/>
             <p:cNvSpPr/>
             <p:nvPr/>
           </p:nvSpPr>
@@ -8042,22 +9127,34 @@
             </a:bodyPr>
             <a:lstStyle/>
             <a:p>
-              <a:pPr indent="0" lvl="0" marL="0" rtl="0" algn="l">
+              <a:pPr indent="0" lvl="0" marL="0" marR="0" rtl="0" algn="l">
+                <a:lnSpc>
+                  <a:spcPct val="100000"/>
+                </a:lnSpc>
                 <a:spcBef>
                   <a:spcPts val="0"/>
                 </a:spcBef>
                 <a:spcAft>
                   <a:spcPts val="0"/>
                 </a:spcAft>
+                <a:buClr>
+                  <a:srgbClr val="000000"/>
+                </a:buClr>
+                <a:buSzPts val="1400"/>
+                <a:buFont typeface="Arial"/>
                 <a:buNone/>
               </a:pPr>
               <a:r>
                 <a:t/>
               </a:r>
-              <a:endParaRPr>
+              <a:endParaRPr b="0" i="0" sz="1400" u="none" cap="none" strike="noStrike">
                 <a:solidFill>
                   <a:srgbClr val="595959"/>
                 </a:solidFill>
+                <a:latin typeface="Arial"/>
+                <a:ea typeface="Arial"/>
+                <a:cs typeface="Arial"/>
+                <a:sym typeface="Arial"/>
               </a:endParaRPr>
             </a:p>
           </p:txBody>
@@ -8065,7 +9162,7 @@
       </p:grpSp>
       <p:grpSp>
         <p:nvGrpSpPr>
-          <p:cNvPr id="166" name="Google Shape;166;p5"/>
+          <p:cNvPr id="167" name="Google Shape;167;p6"/>
           <p:cNvGrpSpPr/>
           <p:nvPr/>
         </p:nvGrpSpPr>
@@ -8079,7 +9176,7 @@
         </p:grpSpPr>
         <p:sp>
           <p:nvSpPr>
-            <p:cNvPr id="167" name="Google Shape;167;p5"/>
+            <p:cNvPr id="168" name="Google Shape;168;p6"/>
             <p:cNvSpPr/>
             <p:nvPr/>
           </p:nvSpPr>
@@ -8110,29 +9207,41 @@
             </a:bodyPr>
             <a:lstStyle/>
             <a:p>
-              <a:pPr indent="0" lvl="0" marL="0" rtl="0" algn="l">
+              <a:pPr indent="0" lvl="0" marL="0" marR="0" rtl="0" algn="l">
+                <a:lnSpc>
+                  <a:spcPct val="100000"/>
+                </a:lnSpc>
                 <a:spcBef>
                   <a:spcPts val="0"/>
                 </a:spcBef>
                 <a:spcAft>
                   <a:spcPts val="0"/>
                 </a:spcAft>
+                <a:buClr>
+                  <a:srgbClr val="000000"/>
+                </a:buClr>
+                <a:buSzPts val="1400"/>
+                <a:buFont typeface="Arial"/>
                 <a:buNone/>
               </a:pPr>
               <a:r>
                 <a:t/>
               </a:r>
-              <a:endParaRPr>
+              <a:endParaRPr b="0" i="0" sz="1400" u="none" cap="none" strike="noStrike">
                 <a:solidFill>
                   <a:srgbClr val="595959"/>
                 </a:solidFill>
+                <a:latin typeface="Arial"/>
+                <a:ea typeface="Arial"/>
+                <a:cs typeface="Arial"/>
+                <a:sym typeface="Arial"/>
               </a:endParaRPr>
             </a:p>
           </p:txBody>
         </p:sp>
         <p:sp>
           <p:nvSpPr>
-            <p:cNvPr id="168" name="Google Shape;168;p5"/>
+            <p:cNvPr id="169" name="Google Shape;169;p6"/>
             <p:cNvSpPr/>
             <p:nvPr/>
           </p:nvSpPr>
@@ -8163,29 +9272,41 @@
             </a:bodyPr>
             <a:lstStyle/>
             <a:p>
-              <a:pPr indent="0" lvl="0" marL="0" rtl="0" algn="l">
+              <a:pPr indent="0" lvl="0" marL="0" marR="0" rtl="0" algn="l">
+                <a:lnSpc>
+                  <a:spcPct val="100000"/>
+                </a:lnSpc>
                 <a:spcBef>
                   <a:spcPts val="0"/>
                 </a:spcBef>
                 <a:spcAft>
                   <a:spcPts val="0"/>
                 </a:spcAft>
+                <a:buClr>
+                  <a:srgbClr val="000000"/>
+                </a:buClr>
+                <a:buSzPts val="1400"/>
+                <a:buFont typeface="Arial"/>
                 <a:buNone/>
               </a:pPr>
               <a:r>
                 <a:t/>
               </a:r>
-              <a:endParaRPr>
+              <a:endParaRPr b="0" i="0" sz="1400" u="none" cap="none" strike="noStrike">
                 <a:solidFill>
                   <a:srgbClr val="595959"/>
                 </a:solidFill>
+                <a:latin typeface="Arial"/>
+                <a:ea typeface="Arial"/>
+                <a:cs typeface="Arial"/>
+                <a:sym typeface="Arial"/>
               </a:endParaRPr>
             </a:p>
           </p:txBody>
         </p:sp>
         <p:sp>
           <p:nvSpPr>
-            <p:cNvPr id="169" name="Google Shape;169;p5"/>
+            <p:cNvPr id="170" name="Google Shape;170;p6"/>
             <p:cNvSpPr/>
             <p:nvPr/>
           </p:nvSpPr>
@@ -8216,29 +9337,41 @@
             </a:bodyPr>
             <a:lstStyle/>
             <a:p>
-              <a:pPr indent="0" lvl="0" marL="0" rtl="0" algn="l">
+              <a:pPr indent="0" lvl="0" marL="0" marR="0" rtl="0" algn="l">
+                <a:lnSpc>
+                  <a:spcPct val="100000"/>
+                </a:lnSpc>
                 <a:spcBef>
                   <a:spcPts val="0"/>
                 </a:spcBef>
                 <a:spcAft>
                   <a:spcPts val="0"/>
                 </a:spcAft>
+                <a:buClr>
+                  <a:srgbClr val="000000"/>
+                </a:buClr>
+                <a:buSzPts val="1400"/>
+                <a:buFont typeface="Arial"/>
                 <a:buNone/>
               </a:pPr>
               <a:r>
                 <a:t/>
               </a:r>
-              <a:endParaRPr>
+              <a:endParaRPr b="0" i="0" sz="1400" u="none" cap="none" strike="noStrike">
                 <a:solidFill>
                   <a:srgbClr val="595959"/>
                 </a:solidFill>
+                <a:latin typeface="Arial"/>
+                <a:ea typeface="Arial"/>
+                <a:cs typeface="Arial"/>
+                <a:sym typeface="Arial"/>
               </a:endParaRPr>
             </a:p>
           </p:txBody>
         </p:sp>
         <p:sp>
           <p:nvSpPr>
-            <p:cNvPr id="170" name="Google Shape;170;p5"/>
+            <p:cNvPr id="171" name="Google Shape;171;p6"/>
             <p:cNvSpPr/>
             <p:nvPr/>
           </p:nvSpPr>
@@ -8269,22 +9402,34 @@
             </a:bodyPr>
             <a:lstStyle/>
             <a:p>
-              <a:pPr indent="0" lvl="0" marL="0" rtl="0" algn="l">
+              <a:pPr indent="0" lvl="0" marL="0" marR="0" rtl="0" algn="l">
+                <a:lnSpc>
+                  <a:spcPct val="100000"/>
+                </a:lnSpc>
                 <a:spcBef>
                   <a:spcPts val="0"/>
                 </a:spcBef>
                 <a:spcAft>
                   <a:spcPts val="0"/>
                 </a:spcAft>
+                <a:buClr>
+                  <a:srgbClr val="000000"/>
+                </a:buClr>
+                <a:buSzPts val="1400"/>
+                <a:buFont typeface="Arial"/>
                 <a:buNone/>
               </a:pPr>
               <a:r>
                 <a:t/>
               </a:r>
-              <a:endParaRPr>
+              <a:endParaRPr b="0" i="0" sz="1400" u="none" cap="none" strike="noStrike">
                 <a:solidFill>
                   <a:srgbClr val="595959"/>
                 </a:solidFill>
+                <a:latin typeface="Arial"/>
+                <a:ea typeface="Arial"/>
+                <a:cs typeface="Arial"/>
+                <a:sym typeface="Arial"/>
               </a:endParaRPr>
             </a:p>
           </p:txBody>
@@ -8292,7 +9437,7 @@
       </p:grpSp>
       <p:sp>
         <p:nvSpPr>
-          <p:cNvPr id="171" name="Google Shape;171;p5"/>
+          <p:cNvPr id="172" name="Google Shape;172;p6"/>
           <p:cNvSpPr/>
           <p:nvPr/>
         </p:nvSpPr>
@@ -8319,7 +9464,7 @@
           <a:effectLst>
             <a:outerShdw blurRad="57150" rotWithShape="0" algn="bl" dir="5400000" dist="19050">
               <a:srgbClr val="EEEEEE">
-                <a:alpha val="50000"/>
+                <a:alpha val="49803"/>
               </a:srgbClr>
             </a:outerShdw>
           </a:effectLst>
@@ -8330,42 +9475,50 @@
           </a:bodyPr>
           <a:lstStyle/>
           <a:p>
-            <a:pPr indent="0" lvl="0" marL="0" rtl="0" algn="ctr">
+            <a:pPr indent="0" lvl="0" marL="0" marR="0" rtl="0" algn="ctr">
+              <a:lnSpc>
+                <a:spcPct val="100000"/>
+              </a:lnSpc>
               <a:spcBef>
                 <a:spcPts val="0"/>
               </a:spcBef>
               <a:spcAft>
                 <a:spcPts val="0"/>
               </a:spcAft>
+              <a:buClr>
+                <a:srgbClr val="000000"/>
+              </a:buClr>
+              <a:buSzPts val="1400"/>
+              <a:buFont typeface="Arial"/>
               <a:buNone/>
             </a:pPr>
             <a:r>
-              <a:rPr b="1" lang="en">
-                <a:solidFill>
-                  <a:srgbClr val="000000"/>
-                </a:solidFill>
-                <a:latin typeface="Google Sans"/>
-                <a:ea typeface="Google Sans"/>
-                <a:cs typeface="Google Sans"/>
-                <a:sym typeface="Google Sans"/>
+              <a:rPr b="1" i="0" lang="en" sz="1400" u="none" cap="none" strike="noStrike">
+                <a:solidFill>
+                  <a:srgbClr val="000000"/>
+                </a:solidFill>
+                <a:latin typeface="Arial"/>
+                <a:ea typeface="Arial"/>
+                <a:cs typeface="Arial"/>
+                <a:sym typeface="Arial"/>
               </a:rPr>
               <a:t>Overview </a:t>
             </a:r>
-            <a:endParaRPr b="1">
+            <a:endParaRPr b="1" i="0" sz="1400" u="none" cap="none" strike="noStrike">
               <a:solidFill>
                 <a:srgbClr val="000000"/>
               </a:solidFill>
-              <a:latin typeface="Google Sans"/>
-              <a:ea typeface="Google Sans"/>
-              <a:cs typeface="Google Sans"/>
-              <a:sym typeface="Google Sans"/>
+              <a:latin typeface="Arial"/>
+              <a:ea typeface="Arial"/>
+              <a:cs typeface="Arial"/>
+              <a:sym typeface="Arial"/>
             </a:endParaRPr>
           </a:p>
         </p:txBody>
       </p:sp>
       <p:sp>
         <p:nvSpPr>
-          <p:cNvPr id="172" name="Google Shape;172;p5"/>
+          <p:cNvPr id="173" name="Google Shape;173;p6"/>
           <p:cNvSpPr/>
           <p:nvPr/>
         </p:nvSpPr>
@@ -8396,42 +9549,50 @@
           </a:bodyPr>
           <a:lstStyle/>
           <a:p>
-            <a:pPr indent="0" lvl="0" marL="0" rtl="0" algn="ctr">
+            <a:pPr indent="0" lvl="0" marL="0" marR="0" rtl="0" algn="ctr">
+              <a:lnSpc>
+                <a:spcPct val="100000"/>
+              </a:lnSpc>
               <a:spcBef>
                 <a:spcPts val="0"/>
               </a:spcBef>
               <a:spcAft>
                 <a:spcPts val="0"/>
               </a:spcAft>
+              <a:buClr>
+                <a:srgbClr val="000000"/>
+              </a:buClr>
+              <a:buSzPts val="1400"/>
+              <a:buFont typeface="Arial"/>
               <a:buNone/>
             </a:pPr>
             <a:r>
-              <a:rPr b="1" lang="en">
-                <a:solidFill>
-                  <a:srgbClr val="000000"/>
-                </a:solidFill>
-                <a:latin typeface="Google Sans"/>
-                <a:ea typeface="Google Sans"/>
-                <a:cs typeface="Google Sans"/>
-                <a:sym typeface="Google Sans"/>
+              <a:rPr b="1" i="0" lang="en" sz="1400" u="none" cap="none" strike="noStrike">
+                <a:solidFill>
+                  <a:srgbClr val="000000"/>
+                </a:solidFill>
+                <a:latin typeface="Arial"/>
+                <a:ea typeface="Arial"/>
+                <a:cs typeface="Arial"/>
+                <a:sym typeface="Arial"/>
               </a:rPr>
               <a:t>Problem</a:t>
             </a:r>
-            <a:endParaRPr b="1">
+            <a:endParaRPr b="1" i="0" sz="1400" u="none" cap="none" strike="noStrike">
               <a:solidFill>
                 <a:srgbClr val="000000"/>
               </a:solidFill>
-              <a:latin typeface="Google Sans"/>
-              <a:ea typeface="Google Sans"/>
-              <a:cs typeface="Google Sans"/>
-              <a:sym typeface="Google Sans"/>
+              <a:latin typeface="Arial"/>
+              <a:ea typeface="Arial"/>
+              <a:cs typeface="Arial"/>
+              <a:sym typeface="Arial"/>
             </a:endParaRPr>
           </a:p>
         </p:txBody>
       </p:sp>
       <p:sp>
         <p:nvSpPr>
-          <p:cNvPr id="173" name="Google Shape;173;p5"/>
+          <p:cNvPr id="174" name="Google Shape;174;p6"/>
           <p:cNvSpPr/>
           <p:nvPr/>
         </p:nvSpPr>
@@ -8462,42 +9623,50 @@
           </a:bodyPr>
           <a:lstStyle/>
           <a:p>
-            <a:pPr indent="0" lvl="0" marL="0" rtl="0" algn="ctr">
+            <a:pPr indent="0" lvl="0" marL="0" marR="0" rtl="0" algn="ctr">
+              <a:lnSpc>
+                <a:spcPct val="100000"/>
+              </a:lnSpc>
               <a:spcBef>
                 <a:spcPts val="0"/>
               </a:spcBef>
               <a:spcAft>
                 <a:spcPts val="0"/>
               </a:spcAft>
+              <a:buClr>
+                <a:srgbClr val="000000"/>
+              </a:buClr>
+              <a:buSzPts val="1400"/>
+              <a:buFont typeface="Arial"/>
               <a:buNone/>
             </a:pPr>
             <a:r>
-              <a:rPr b="1" lang="en">
-                <a:solidFill>
-                  <a:srgbClr val="000000"/>
-                </a:solidFill>
-                <a:latin typeface="Google Sans"/>
-                <a:ea typeface="Google Sans"/>
-                <a:cs typeface="Google Sans"/>
-                <a:sym typeface="Google Sans"/>
+              <a:rPr b="1" i="0" lang="en" sz="1400" u="none" cap="none" strike="noStrike">
+                <a:solidFill>
+                  <a:srgbClr val="000000"/>
+                </a:solidFill>
+                <a:latin typeface="Arial"/>
+                <a:ea typeface="Arial"/>
+                <a:cs typeface="Arial"/>
+                <a:sym typeface="Arial"/>
               </a:rPr>
               <a:t>Solution</a:t>
             </a:r>
-            <a:endParaRPr b="1">
+            <a:endParaRPr b="1" i="0" sz="1400" u="none" cap="none" strike="noStrike">
               <a:solidFill>
                 <a:srgbClr val="000000"/>
               </a:solidFill>
-              <a:latin typeface="Google Sans"/>
-              <a:ea typeface="Google Sans"/>
-              <a:cs typeface="Google Sans"/>
-              <a:sym typeface="Google Sans"/>
+              <a:latin typeface="Arial"/>
+              <a:ea typeface="Arial"/>
+              <a:cs typeface="Arial"/>
+              <a:sym typeface="Arial"/>
             </a:endParaRPr>
           </a:p>
         </p:txBody>
       </p:sp>
       <p:sp>
         <p:nvSpPr>
-          <p:cNvPr id="174" name="Google Shape;174;p5"/>
+          <p:cNvPr id="175" name="Google Shape;175;p6"/>
           <p:cNvSpPr/>
           <p:nvPr/>
         </p:nvSpPr>
@@ -8528,42 +9697,50 @@
           </a:bodyPr>
           <a:lstStyle/>
           <a:p>
-            <a:pPr indent="0" lvl="0" marL="0" rtl="0" algn="ctr">
+            <a:pPr indent="0" lvl="0" marL="0" marR="0" rtl="0" algn="ctr">
+              <a:lnSpc>
+                <a:spcPct val="100000"/>
+              </a:lnSpc>
               <a:spcBef>
                 <a:spcPts val="0"/>
               </a:spcBef>
               <a:spcAft>
                 <a:spcPts val="0"/>
               </a:spcAft>
+              <a:buClr>
+                <a:srgbClr val="000000"/>
+              </a:buClr>
+              <a:buSzPts val="1400"/>
+              <a:buFont typeface="Arial"/>
               <a:buNone/>
             </a:pPr>
             <a:r>
-              <a:rPr b="1" lang="en">
-                <a:solidFill>
-                  <a:srgbClr val="000000"/>
-                </a:solidFill>
-                <a:latin typeface="Google Sans"/>
-                <a:ea typeface="Google Sans"/>
-                <a:cs typeface="Google Sans"/>
-                <a:sym typeface="Google Sans"/>
+              <a:rPr b="1" i="0" lang="en" sz="1400" u="none" cap="none" strike="noStrike">
+                <a:solidFill>
+                  <a:srgbClr val="000000"/>
+                </a:solidFill>
+                <a:latin typeface="Arial"/>
+                <a:ea typeface="Arial"/>
+                <a:cs typeface="Arial"/>
+                <a:sym typeface="Arial"/>
               </a:rPr>
               <a:t>Details </a:t>
             </a:r>
-            <a:endParaRPr b="1">
+            <a:endParaRPr b="1" i="0" sz="1400" u="none" cap="none" strike="noStrike">
               <a:solidFill>
                 <a:srgbClr val="000000"/>
               </a:solidFill>
-              <a:latin typeface="Google Sans"/>
-              <a:ea typeface="Google Sans"/>
-              <a:cs typeface="Google Sans"/>
-              <a:sym typeface="Google Sans"/>
+              <a:latin typeface="Arial"/>
+              <a:ea typeface="Arial"/>
+              <a:cs typeface="Arial"/>
+              <a:sym typeface="Arial"/>
             </a:endParaRPr>
           </a:p>
         </p:txBody>
       </p:sp>
       <p:sp>
         <p:nvSpPr>
-          <p:cNvPr id="175" name="Google Shape;175;p5"/>
+          <p:cNvPr id="176" name="Google Shape;176;p6"/>
           <p:cNvSpPr/>
           <p:nvPr/>
         </p:nvSpPr>
@@ -8594,42 +9771,50 @@
           </a:bodyPr>
           <a:lstStyle/>
           <a:p>
-            <a:pPr indent="0" lvl="0" marL="0" rtl="0" algn="ctr">
+            <a:pPr indent="0" lvl="0" marL="0" marR="0" rtl="0" algn="ctr">
+              <a:lnSpc>
+                <a:spcPct val="100000"/>
+              </a:lnSpc>
               <a:spcBef>
                 <a:spcPts val="0"/>
               </a:spcBef>
               <a:spcAft>
                 <a:spcPts val="0"/>
               </a:spcAft>
+              <a:buClr>
+                <a:srgbClr val="000000"/>
+              </a:buClr>
+              <a:buSzPts val="1400"/>
+              <a:buFont typeface="Arial"/>
               <a:buNone/>
             </a:pPr>
             <a:r>
-              <a:rPr b="1" lang="en">
-                <a:solidFill>
-                  <a:srgbClr val="000000"/>
-                </a:solidFill>
-                <a:latin typeface="Google Sans"/>
-                <a:ea typeface="Google Sans"/>
-                <a:cs typeface="Google Sans"/>
-                <a:sym typeface="Google Sans"/>
+              <a:rPr b="1" i="0" lang="en" sz="1400" u="none" cap="none" strike="noStrike">
+                <a:solidFill>
+                  <a:srgbClr val="000000"/>
+                </a:solidFill>
+                <a:latin typeface="Arial"/>
+                <a:ea typeface="Arial"/>
+                <a:cs typeface="Arial"/>
+                <a:sym typeface="Arial"/>
               </a:rPr>
               <a:t>Next Steps </a:t>
             </a:r>
-            <a:endParaRPr b="1">
+            <a:endParaRPr b="1" i="0" sz="1400" u="none" cap="none" strike="noStrike">
               <a:solidFill>
                 <a:srgbClr val="000000"/>
               </a:solidFill>
-              <a:latin typeface="Google Sans"/>
-              <a:ea typeface="Google Sans"/>
-              <a:cs typeface="Google Sans"/>
-              <a:sym typeface="Google Sans"/>
+              <a:latin typeface="Arial"/>
+              <a:ea typeface="Arial"/>
+              <a:cs typeface="Arial"/>
+              <a:sym typeface="Arial"/>
             </a:endParaRPr>
           </a:p>
         </p:txBody>
       </p:sp>
       <p:grpSp>
         <p:nvGrpSpPr>
-          <p:cNvPr id="176" name="Google Shape;176;p5"/>
+          <p:cNvPr id="177" name="Google Shape;177;p6"/>
           <p:cNvGrpSpPr/>
           <p:nvPr/>
         </p:nvGrpSpPr>
@@ -8643,7 +9828,7 @@
         </p:grpSpPr>
         <p:sp>
           <p:nvSpPr>
-            <p:cNvPr id="177" name="Google Shape;177;p5"/>
+            <p:cNvPr id="178" name="Google Shape;178;p6"/>
             <p:cNvSpPr/>
             <p:nvPr/>
           </p:nvSpPr>
@@ -8674,29 +9859,41 @@
             </a:bodyPr>
             <a:lstStyle/>
             <a:p>
-              <a:pPr indent="0" lvl="0" marL="0" rtl="0" algn="l">
+              <a:pPr indent="0" lvl="0" marL="0" marR="0" rtl="0" algn="l">
+                <a:lnSpc>
+                  <a:spcPct val="100000"/>
+                </a:lnSpc>
                 <a:spcBef>
                   <a:spcPts val="0"/>
                 </a:spcBef>
                 <a:spcAft>
                   <a:spcPts val="0"/>
                 </a:spcAft>
+                <a:buClr>
+                  <a:srgbClr val="000000"/>
+                </a:buClr>
+                <a:buSzPts val="1400"/>
+                <a:buFont typeface="Arial"/>
                 <a:buNone/>
               </a:pPr>
               <a:r>
                 <a:t/>
               </a:r>
-              <a:endParaRPr>
+              <a:endParaRPr b="0" i="0" sz="1400" u="none" cap="none" strike="noStrike">
                 <a:solidFill>
                   <a:srgbClr val="595959"/>
                 </a:solidFill>
+                <a:latin typeface="Arial"/>
+                <a:ea typeface="Arial"/>
+                <a:cs typeface="Arial"/>
+                <a:sym typeface="Arial"/>
               </a:endParaRPr>
             </a:p>
           </p:txBody>
         </p:sp>
         <p:sp>
           <p:nvSpPr>
-            <p:cNvPr id="178" name="Google Shape;178;p5"/>
+            <p:cNvPr id="179" name="Google Shape;179;p6"/>
             <p:cNvSpPr/>
             <p:nvPr/>
           </p:nvSpPr>
@@ -8727,29 +9924,41 @@
             </a:bodyPr>
             <a:lstStyle/>
             <a:p>
-              <a:pPr indent="0" lvl="0" marL="0" rtl="0" algn="l">
+              <a:pPr indent="0" lvl="0" marL="0" marR="0" rtl="0" algn="l">
+                <a:lnSpc>
+                  <a:spcPct val="100000"/>
+                </a:lnSpc>
                 <a:spcBef>
                   <a:spcPts val="0"/>
                 </a:spcBef>
                 <a:spcAft>
                   <a:spcPts val="0"/>
                 </a:spcAft>
+                <a:buClr>
+                  <a:srgbClr val="000000"/>
+                </a:buClr>
+                <a:buSzPts val="1400"/>
+                <a:buFont typeface="Arial"/>
                 <a:buNone/>
               </a:pPr>
               <a:r>
                 <a:t/>
               </a:r>
-              <a:endParaRPr>
+              <a:endParaRPr b="0" i="0" sz="1400" u="none" cap="none" strike="noStrike">
                 <a:solidFill>
                   <a:srgbClr val="595959"/>
                 </a:solidFill>
+                <a:latin typeface="Arial"/>
+                <a:ea typeface="Arial"/>
+                <a:cs typeface="Arial"/>
+                <a:sym typeface="Arial"/>
               </a:endParaRPr>
             </a:p>
           </p:txBody>
         </p:sp>
         <p:sp>
           <p:nvSpPr>
-            <p:cNvPr id="179" name="Google Shape;179;p5"/>
+            <p:cNvPr id="180" name="Google Shape;180;p6"/>
             <p:cNvSpPr/>
             <p:nvPr/>
           </p:nvSpPr>
@@ -8780,29 +9989,41 @@
             </a:bodyPr>
             <a:lstStyle/>
             <a:p>
-              <a:pPr indent="0" lvl="0" marL="0" rtl="0" algn="l">
+              <a:pPr indent="0" lvl="0" marL="0" marR="0" rtl="0" algn="l">
+                <a:lnSpc>
+                  <a:spcPct val="100000"/>
+                </a:lnSpc>
                 <a:spcBef>
                   <a:spcPts val="0"/>
                 </a:spcBef>
                 <a:spcAft>
                   <a:spcPts val="0"/>
                 </a:spcAft>
+                <a:buClr>
+                  <a:srgbClr val="000000"/>
+                </a:buClr>
+                <a:buSzPts val="1400"/>
+                <a:buFont typeface="Arial"/>
                 <a:buNone/>
               </a:pPr>
               <a:r>
                 <a:t/>
               </a:r>
-              <a:endParaRPr>
+              <a:endParaRPr b="0" i="0" sz="1400" u="none" cap="none" strike="noStrike">
                 <a:solidFill>
                   <a:srgbClr val="595959"/>
                 </a:solidFill>
+                <a:latin typeface="Arial"/>
+                <a:ea typeface="Arial"/>
+                <a:cs typeface="Arial"/>
+                <a:sym typeface="Arial"/>
               </a:endParaRPr>
             </a:p>
           </p:txBody>
         </p:sp>
         <p:sp>
           <p:nvSpPr>
-            <p:cNvPr id="180" name="Google Shape;180;p5"/>
+            <p:cNvPr id="181" name="Google Shape;181;p6"/>
             <p:cNvSpPr/>
             <p:nvPr/>
           </p:nvSpPr>
@@ -8833,22 +10054,34 @@
             </a:bodyPr>
             <a:lstStyle/>
             <a:p>
-              <a:pPr indent="0" lvl="0" marL="0" rtl="0" algn="l">
+              <a:pPr indent="0" lvl="0" marL="0" marR="0" rtl="0" algn="l">
+                <a:lnSpc>
+                  <a:spcPct val="100000"/>
+                </a:lnSpc>
                 <a:spcBef>
                   <a:spcPts val="0"/>
                 </a:spcBef>
                 <a:spcAft>
                   <a:spcPts val="0"/>
                 </a:spcAft>
+                <a:buClr>
+                  <a:srgbClr val="000000"/>
+                </a:buClr>
+                <a:buSzPts val="1400"/>
+                <a:buFont typeface="Arial"/>
                 <a:buNone/>
               </a:pPr>
               <a:r>
                 <a:t/>
               </a:r>
-              <a:endParaRPr>
+              <a:endParaRPr b="0" i="0" sz="1400" u="none" cap="none" strike="noStrike">
                 <a:solidFill>
                   <a:srgbClr val="595959"/>
                 </a:solidFill>
+                <a:latin typeface="Arial"/>
+                <a:ea typeface="Arial"/>
+                <a:cs typeface="Arial"/>
+                <a:sym typeface="Arial"/>
               </a:endParaRPr>
             </a:p>
           </p:txBody>
@@ -8856,7 +10089,7 @@
       </p:grpSp>
       <p:sp>
         <p:nvSpPr>
-          <p:cNvPr id="181" name="Google Shape;181;p5"/>
+          <p:cNvPr id="182" name="Google Shape;182;p6"/>
           <p:cNvSpPr txBox="1"/>
           <p:nvPr/>
         </p:nvSpPr>
@@ -8875,7 +10108,7 @@
           <a:effectLst>
             <a:outerShdw blurRad="57150" rotWithShape="0" algn="bl" dir="5400000" dist="19050">
               <a:srgbClr val="000000">
-                <a:alpha val="50000"/>
+                <a:alpha val="49803"/>
               </a:srgbClr>
             </a:outerShdw>
           </a:effectLst>
@@ -8886,36 +10119,50 @@
           </a:bodyPr>
           <a:lstStyle/>
           <a:p>
-            <a:pPr indent="0" lvl="0" marL="0" rtl="0" algn="ctr">
+            <a:pPr indent="0" lvl="0" marL="0" marR="0" rtl="0" algn="ctr">
+              <a:lnSpc>
+                <a:spcPct val="100000"/>
+              </a:lnSpc>
               <a:spcBef>
                 <a:spcPts val="0"/>
               </a:spcBef>
               <a:spcAft>
                 <a:spcPts val="0"/>
               </a:spcAft>
+              <a:buClr>
+                <a:srgbClr val="000000"/>
+              </a:buClr>
+              <a:buSzPts val="2100"/>
+              <a:buFont typeface="Arial"/>
               <a:buNone/>
             </a:pPr>
             <a:r>
-              <a:rPr b="1" lang="en" sz="2100">
-                <a:latin typeface="Google Sans"/>
-                <a:ea typeface="Google Sans"/>
-                <a:cs typeface="Google Sans"/>
-                <a:sym typeface="Google Sans"/>
+              <a:rPr b="1" i="0" lang="en" sz="2100" u="none" cap="none" strike="noStrike">
+                <a:solidFill>
+                  <a:srgbClr val="000000"/>
+                </a:solidFill>
+                <a:latin typeface="Arial"/>
+                <a:ea typeface="Arial"/>
+                <a:cs typeface="Arial"/>
+                <a:sym typeface="Arial"/>
               </a:rPr>
               <a:t>Click here to edit title</a:t>
             </a:r>
-            <a:endParaRPr b="1" sz="2100">
-              <a:latin typeface="Google Sans"/>
-              <a:ea typeface="Google Sans"/>
-              <a:cs typeface="Google Sans"/>
-              <a:sym typeface="Google Sans"/>
+            <a:endParaRPr b="1" i="0" sz="2100" u="none" cap="none" strike="noStrike">
+              <a:solidFill>
+                <a:srgbClr val="000000"/>
+              </a:solidFill>
+              <a:latin typeface="Arial"/>
+              <a:ea typeface="Arial"/>
+              <a:cs typeface="Arial"/>
+              <a:sym typeface="Arial"/>
             </a:endParaRPr>
           </a:p>
         </p:txBody>
       </p:sp>
       <p:sp>
         <p:nvSpPr>
-          <p:cNvPr id="182" name="Google Shape;182;p5"/>
+          <p:cNvPr id="183" name="Google Shape;183;p6"/>
           <p:cNvSpPr txBox="1"/>
           <p:nvPr/>
         </p:nvSpPr>
@@ -8938,7 +10185,7 @@
           </a:bodyPr>
           <a:lstStyle/>
           <a:p>
-            <a:pPr indent="0" lvl="0" marL="0" rtl="0" algn="ctr">
+            <a:pPr indent="0" lvl="0" marL="0" marR="0" rtl="0" algn="ctr">
               <a:lnSpc>
                 <a:spcPct val="115000"/>
               </a:lnSpc>
@@ -8948,10 +10195,18 @@
               <a:spcAft>
                 <a:spcPts val="1200"/>
               </a:spcAft>
+              <a:buClr>
+                <a:srgbClr val="000000"/>
+              </a:buClr>
+              <a:buSzPts val="1200"/>
+              <a:buFont typeface="Arial"/>
               <a:buNone/>
             </a:pPr>
             <a:r>
-              <a:rPr lang="en" sz="1200">
+              <a:rPr b="0" i="0" lang="en" sz="1200" u="none" cap="none" strike="noStrike">
+                <a:solidFill>
+                  <a:srgbClr val="000000"/>
+                </a:solidFill>
                 <a:latin typeface="PT Sans Narrow"/>
                 <a:ea typeface="PT Sans Narrow"/>
                 <a:cs typeface="PT Sans Narrow"/>
@@ -8959,7 +10214,7 @@
               </a:rPr>
               <a:t>Click here to edit subtitle</a:t>
             </a:r>
-            <a:endParaRPr sz="1200">
+            <a:endParaRPr b="0" i="0" sz="1200" u="none" cap="none" strike="noStrike">
               <a:solidFill>
                 <a:srgbClr val="000000"/>
               </a:solidFill>
@@ -8973,7 +10228,7 @@
       </p:sp>
       <p:sp>
         <p:nvSpPr>
-          <p:cNvPr id="183" name="Google Shape;183;p5"/>
+          <p:cNvPr id="184" name="Google Shape;184;p6"/>
           <p:cNvSpPr/>
           <p:nvPr>
             <p:ph idx="2" type="pic"/>
@@ -9001,7 +10256,7 @@
       </p:sp>
       <p:sp>
         <p:nvSpPr>
-          <p:cNvPr id="184" name="Google Shape;184;p5"/>
+          <p:cNvPr id="185" name="Google Shape;185;p6"/>
           <p:cNvSpPr txBox="1"/>
           <p:nvPr/>
         </p:nvSpPr>
@@ -9024,7 +10279,7 @@
           </a:bodyPr>
           <a:lstStyle/>
           <a:p>
-            <a:pPr indent="0" lvl="0" marL="0" rtl="0" algn="l">
+            <a:pPr indent="0" lvl="0" marL="0" marR="0" rtl="0" algn="l">
               <a:lnSpc>
                 <a:spcPct val="105000"/>
               </a:lnSpc>
@@ -9034,10 +10289,18 @@
               <a:spcAft>
                 <a:spcPts val="0"/>
               </a:spcAft>
+              <a:buClr>
+                <a:srgbClr val="000000"/>
+              </a:buClr>
+              <a:buSzPct val="100000"/>
+              <a:buFont typeface="Arial"/>
               <a:buNone/>
             </a:pPr>
             <a:r>
-              <a:rPr i="1" lang="en" sz="1100">
+              <a:rPr b="0" i="1" lang="en" sz="1100" u="none" cap="none" strike="noStrike">
+                <a:solidFill>
+                  <a:srgbClr val="000000"/>
+                </a:solidFill>
                 <a:latin typeface="Lato"/>
                 <a:ea typeface="Lato"/>
                 <a:cs typeface="Lato"/>
@@ -9045,7 +10308,7 @@
               </a:rPr>
               <a:t>Image Alt-Text Here</a:t>
             </a:r>
-            <a:endParaRPr i="1" sz="1100">
+            <a:endParaRPr b="0" i="1" sz="1100" u="none" cap="none" strike="noStrike">
               <a:solidFill>
                 <a:srgbClr val="000000"/>
               </a:solidFill>
@@ -9065,12 +10328,12 @@
 </p:sldLayout>
 </file>
 
-<file path=ppt/slideLayouts/slideLayout5.xml><?xml version="1.0" encoding="utf-8"?>
+<file path=ppt/slideLayouts/slideLayout6.xml><?xml version="1.0" encoding="utf-8"?>
 <p:sldLayout xmlns:a="http://schemas.openxmlformats.org/drawingml/2006/main" xmlns:r="http://schemas.openxmlformats.org/officeDocument/2006/relationships" xmlns:mc="http://schemas.openxmlformats.org/markup-compatibility/2006" xmlns:mv="urn:schemas-microsoft-com:mac:vml" xmlns:p="http://schemas.openxmlformats.org/presentationml/2006/main" xmlns:c="http://schemas.openxmlformats.org/drawingml/2006/chart" xmlns:dgm="http://schemas.openxmlformats.org/drawingml/2006/diagram" xmlns:o="urn:schemas-microsoft-com:office:office" xmlns:v="urn:schemas-microsoft-com:vml" xmlns:pvml="urn:schemas-microsoft-com:office:powerpoint" xmlns:com="http://schemas.openxmlformats.org/drawingml/2006/compatibility" xmlns:p14="http://schemas.microsoft.com/office/powerpoint/2010/main" xmlns:p15="http://schemas.microsoft.com/office/powerpoint/2012/main" xmlns:ahyp="http://schemas.microsoft.com/office/drawing/2018/hyperlinkcolor" matchingName="DO NOT USE ">
   <p:cSld name="TITLE_2_1">
     <p:spTree>
       <p:nvGrpSpPr>
-        <p:cNvPr id="185" name="Shape 185"/>
+        <p:cNvPr id="186" name="Shape 186"/>
         <p:cNvGrpSpPr/>
         <p:nvPr/>
       </p:nvGrpSpPr>
@@ -9084,7 +10347,7 @@
       </p:grpSpPr>
       <p:sp>
         <p:nvSpPr>
-          <p:cNvPr id="186" name="Google Shape;186;p6"/>
+          <p:cNvPr id="187" name="Google Shape;187;p7"/>
           <p:cNvSpPr txBox="1"/>
           <p:nvPr/>
         </p:nvSpPr>
@@ -9107,17 +10370,25 @@
           </a:bodyPr>
           <a:lstStyle/>
           <a:p>
-            <a:pPr indent="0" lvl="0" marL="0" rtl="0" algn="r">
+            <a:pPr indent="0" lvl="0" marL="0" marR="0" rtl="0" algn="r">
+              <a:lnSpc>
+                <a:spcPct val="100000"/>
+              </a:lnSpc>
               <a:spcBef>
                 <a:spcPts val="0"/>
               </a:spcBef>
               <a:spcAft>
                 <a:spcPts val="0"/>
               </a:spcAft>
+              <a:buClr>
+                <a:srgbClr val="000000"/>
+              </a:buClr>
+              <a:buSzPts val="600"/>
+              <a:buFont typeface="Arial"/>
               <a:buNone/>
             </a:pPr>
             <a:r>
-              <a:rPr lang="en" sz="600">
+              <a:rPr b="0" i="0" lang="en" sz="600" u="none" cap="none" strike="noStrike">
                 <a:solidFill>
                   <a:srgbClr val="FFFFFF"/>
                 </a:solidFill>
@@ -9128,7 +10399,7 @@
               </a:rPr>
               <a:t>Source:  Lorem ipsum dolor sit amet, consectetur adipiscing elit. Duis non erat sem</a:t>
             </a:r>
-            <a:endParaRPr sz="600">
+            <a:endParaRPr b="0" i="0" sz="600" u="none" cap="none" strike="noStrike">
               <a:solidFill>
                 <a:srgbClr val="FFFFFF"/>
               </a:solidFill>
@@ -9142,7 +10413,7 @@
       </p:sp>
       <p:grpSp>
         <p:nvGrpSpPr>
-          <p:cNvPr id="187" name="Google Shape;187;p6"/>
+          <p:cNvPr id="188" name="Google Shape;188;p7"/>
           <p:cNvGrpSpPr/>
           <p:nvPr/>
         </p:nvGrpSpPr>
@@ -9156,7 +10427,7 @@
         </p:grpSpPr>
         <p:sp>
           <p:nvSpPr>
-            <p:cNvPr id="188" name="Google Shape;188;p6"/>
+            <p:cNvPr id="189" name="Google Shape;189;p7"/>
             <p:cNvSpPr/>
             <p:nvPr/>
           </p:nvSpPr>
@@ -9195,7 +10466,7 @@
         </p:sp>
         <p:sp>
           <p:nvSpPr>
-            <p:cNvPr id="189" name="Google Shape;189;p6"/>
+            <p:cNvPr id="190" name="Google Shape;190;p7"/>
             <p:cNvSpPr/>
             <p:nvPr/>
           </p:nvSpPr>
@@ -9230,31 +10501,6 @@
           </p:spPr>
         </p:sp>
       </p:grpSp>
-    </p:spTree>
-  </p:cSld>
-  <p:clrMapOvr>
-    <a:masterClrMapping/>
-  </p:clrMapOvr>
-</p:sldLayout>
-</file>
-
-<file path=ppt/slideLayouts/slideLayout6.xml><?xml version="1.0" encoding="utf-8"?>
-<p:sldLayout xmlns:a="http://schemas.openxmlformats.org/drawingml/2006/main" xmlns:r="http://schemas.openxmlformats.org/officeDocument/2006/relationships" xmlns:mc="http://schemas.openxmlformats.org/markup-compatibility/2006" xmlns:mv="urn:schemas-microsoft-com:mac:vml" xmlns:p="http://schemas.openxmlformats.org/presentationml/2006/main" xmlns:c="http://schemas.openxmlformats.org/drawingml/2006/chart" xmlns:dgm="http://schemas.openxmlformats.org/drawingml/2006/diagram" xmlns:o="urn:schemas-microsoft-com:office:office" xmlns:v="urn:schemas-microsoft-com:vml" xmlns:pvml="urn:schemas-microsoft-com:office:powerpoint" xmlns:com="http://schemas.openxmlformats.org/drawingml/2006/compatibility" xmlns:p14="http://schemas.microsoft.com/office/powerpoint/2010/main" xmlns:p15="http://schemas.microsoft.com/office/powerpoint/2012/main" xmlns:ahyp="http://schemas.microsoft.com/office/drawing/2018/hyperlinkcolor" matchingName="BLANK - DO NOT USE">
-  <p:cSld name="CUSTOM_1">
-    <p:spTree>
-      <p:nvGrpSpPr>
-        <p:cNvPr id="190" name="Shape 190"/>
-        <p:cNvGrpSpPr/>
-        <p:nvPr/>
-      </p:nvGrpSpPr>
-      <p:grpSpPr>
-        <a:xfrm>
-          <a:off x="0" y="0"/>
-          <a:ext cx="0" cy="0"/>
-          <a:chOff x="0" y="0"/>
-          <a:chExt cx="0" cy="0"/>
-        </a:xfrm>
-      </p:grpSpPr>
     </p:spTree>
   </p:cSld>
   <p:clrMapOvr>
@@ -9313,7 +10559,10 @@
             <a:normAutofit/>
           </a:bodyPr>
           <a:lstStyle>
-            <a:lvl1pPr lvl="0">
+            <a:lvl1pPr lvl="0" marR="0" rtl="0" algn="l">
+              <a:lnSpc>
+                <a:spcPct val="100000"/>
+              </a:lnSpc>
               <a:spcBef>
                 <a:spcPts val="0"/>
               </a:spcBef>
@@ -9324,19 +10573,22 @@
                 <a:schemeClr val="dk1"/>
               </a:buClr>
               <a:buSzPts val="2800"/>
-              <a:buFont typeface="Google Sans SemiBold"/>
+              <a:buFont typeface="Arial"/>
               <a:buNone/>
-              <a:defRPr sz="2800">
+              <a:defRPr b="0" i="0" sz="2800" u="none" cap="none" strike="noStrike">
                 <a:solidFill>
                   <a:schemeClr val="dk1"/>
                 </a:solidFill>
-                <a:latin typeface="Google Sans SemiBold"/>
-                <a:ea typeface="Google Sans SemiBold"/>
-                <a:cs typeface="Google Sans SemiBold"/>
-                <a:sym typeface="Google Sans SemiBold"/>
+                <a:latin typeface="Arial"/>
+                <a:ea typeface="Arial"/>
+                <a:cs typeface="Arial"/>
+                <a:sym typeface="Arial"/>
               </a:defRPr>
             </a:lvl1pPr>
-            <a:lvl2pPr lvl="1">
+            <a:lvl2pPr lvl="1" marR="0" rtl="0" algn="l">
+              <a:lnSpc>
+                <a:spcPct val="100000"/>
+              </a:lnSpc>
               <a:spcBef>
                 <a:spcPts val="0"/>
               </a:spcBef>
@@ -9347,14 +10599,22 @@
                 <a:schemeClr val="dk1"/>
               </a:buClr>
               <a:buSzPts val="2800"/>
+              <a:buFont typeface="Arial"/>
               <a:buNone/>
-              <a:defRPr sz="2800">
+              <a:defRPr b="0" i="0" sz="2800" u="none" cap="none" strike="noStrike">
                 <a:solidFill>
                   <a:schemeClr val="dk1"/>
                 </a:solidFill>
+                <a:latin typeface="Arial"/>
+                <a:ea typeface="Arial"/>
+                <a:cs typeface="Arial"/>
+                <a:sym typeface="Arial"/>
               </a:defRPr>
             </a:lvl2pPr>
-            <a:lvl3pPr lvl="2">
+            <a:lvl3pPr lvl="2" marR="0" rtl="0" algn="l">
+              <a:lnSpc>
+                <a:spcPct val="100000"/>
+              </a:lnSpc>
               <a:spcBef>
                 <a:spcPts val="0"/>
               </a:spcBef>
@@ -9365,14 +10625,22 @@
                 <a:schemeClr val="dk1"/>
               </a:buClr>
               <a:buSzPts val="2800"/>
+              <a:buFont typeface="Arial"/>
               <a:buNone/>
-              <a:defRPr sz="2800">
+              <a:defRPr b="0" i="0" sz="2800" u="none" cap="none" strike="noStrike">
                 <a:solidFill>
                   <a:schemeClr val="dk1"/>
                 </a:solidFill>
+                <a:latin typeface="Arial"/>
+                <a:ea typeface="Arial"/>
+                <a:cs typeface="Arial"/>
+                <a:sym typeface="Arial"/>
               </a:defRPr>
             </a:lvl3pPr>
-            <a:lvl4pPr lvl="3">
+            <a:lvl4pPr lvl="3" marR="0" rtl="0" algn="l">
+              <a:lnSpc>
+                <a:spcPct val="100000"/>
+              </a:lnSpc>
               <a:spcBef>
                 <a:spcPts val="0"/>
               </a:spcBef>
@@ -9383,14 +10651,22 @@
                 <a:schemeClr val="dk1"/>
               </a:buClr>
               <a:buSzPts val="2800"/>
+              <a:buFont typeface="Arial"/>
               <a:buNone/>
-              <a:defRPr sz="2800">
+              <a:defRPr b="0" i="0" sz="2800" u="none" cap="none" strike="noStrike">
                 <a:solidFill>
                   <a:schemeClr val="dk1"/>
                 </a:solidFill>
+                <a:latin typeface="Arial"/>
+                <a:ea typeface="Arial"/>
+                <a:cs typeface="Arial"/>
+                <a:sym typeface="Arial"/>
               </a:defRPr>
             </a:lvl4pPr>
-            <a:lvl5pPr lvl="4">
+            <a:lvl5pPr lvl="4" marR="0" rtl="0" algn="l">
+              <a:lnSpc>
+                <a:spcPct val="100000"/>
+              </a:lnSpc>
               <a:spcBef>
                 <a:spcPts val="0"/>
               </a:spcBef>
@@ -9401,14 +10677,22 @@
                 <a:schemeClr val="dk1"/>
               </a:buClr>
               <a:buSzPts val="2800"/>
+              <a:buFont typeface="Arial"/>
               <a:buNone/>
-              <a:defRPr sz="2800">
+              <a:defRPr b="0" i="0" sz="2800" u="none" cap="none" strike="noStrike">
                 <a:solidFill>
                   <a:schemeClr val="dk1"/>
                 </a:solidFill>
+                <a:latin typeface="Arial"/>
+                <a:ea typeface="Arial"/>
+                <a:cs typeface="Arial"/>
+                <a:sym typeface="Arial"/>
               </a:defRPr>
             </a:lvl5pPr>
-            <a:lvl6pPr lvl="5">
+            <a:lvl6pPr lvl="5" marR="0" rtl="0" algn="l">
+              <a:lnSpc>
+                <a:spcPct val="100000"/>
+              </a:lnSpc>
               <a:spcBef>
                 <a:spcPts val="0"/>
               </a:spcBef>
@@ -9419,14 +10703,22 @@
                 <a:schemeClr val="dk1"/>
               </a:buClr>
               <a:buSzPts val="2800"/>
+              <a:buFont typeface="Arial"/>
               <a:buNone/>
-              <a:defRPr sz="2800">
+              <a:defRPr b="0" i="0" sz="2800" u="none" cap="none" strike="noStrike">
                 <a:solidFill>
                   <a:schemeClr val="dk1"/>
                 </a:solidFill>
+                <a:latin typeface="Arial"/>
+                <a:ea typeface="Arial"/>
+                <a:cs typeface="Arial"/>
+                <a:sym typeface="Arial"/>
               </a:defRPr>
             </a:lvl6pPr>
-            <a:lvl7pPr lvl="6">
+            <a:lvl7pPr lvl="6" marR="0" rtl="0" algn="l">
+              <a:lnSpc>
+                <a:spcPct val="100000"/>
+              </a:lnSpc>
               <a:spcBef>
                 <a:spcPts val="0"/>
               </a:spcBef>
@@ -9437,14 +10729,22 @@
                 <a:schemeClr val="dk1"/>
               </a:buClr>
               <a:buSzPts val="2800"/>
+              <a:buFont typeface="Arial"/>
               <a:buNone/>
-              <a:defRPr sz="2800">
+              <a:defRPr b="0" i="0" sz="2800" u="none" cap="none" strike="noStrike">
                 <a:solidFill>
                   <a:schemeClr val="dk1"/>
                 </a:solidFill>
+                <a:latin typeface="Arial"/>
+                <a:ea typeface="Arial"/>
+                <a:cs typeface="Arial"/>
+                <a:sym typeface="Arial"/>
               </a:defRPr>
             </a:lvl7pPr>
-            <a:lvl8pPr lvl="7">
+            <a:lvl8pPr lvl="7" marR="0" rtl="0" algn="l">
+              <a:lnSpc>
+                <a:spcPct val="100000"/>
+              </a:lnSpc>
               <a:spcBef>
                 <a:spcPts val="0"/>
               </a:spcBef>
@@ -9455,14 +10755,22 @@
                 <a:schemeClr val="dk1"/>
               </a:buClr>
               <a:buSzPts val="2800"/>
+              <a:buFont typeface="Arial"/>
               <a:buNone/>
-              <a:defRPr sz="2800">
+              <a:defRPr b="0" i="0" sz="2800" u="none" cap="none" strike="noStrike">
                 <a:solidFill>
                   <a:schemeClr val="dk1"/>
                 </a:solidFill>
+                <a:latin typeface="Arial"/>
+                <a:ea typeface="Arial"/>
+                <a:cs typeface="Arial"/>
+                <a:sym typeface="Arial"/>
               </a:defRPr>
             </a:lvl8pPr>
-            <a:lvl9pPr lvl="8">
+            <a:lvl9pPr lvl="8" marR="0" rtl="0" algn="l">
+              <a:lnSpc>
+                <a:spcPct val="100000"/>
+              </a:lnSpc>
               <a:spcBef>
                 <a:spcPts val="0"/>
               </a:spcBef>
@@ -9473,11 +10781,16 @@
                 <a:schemeClr val="dk1"/>
               </a:buClr>
               <a:buSzPts val="2800"/>
+              <a:buFont typeface="Arial"/>
               <a:buNone/>
-              <a:defRPr sz="2800">
+              <a:defRPr b="0" i="0" sz="2800" u="none" cap="none" strike="noStrike">
                 <a:solidFill>
                   <a:schemeClr val="dk1"/>
                 </a:solidFill>
+                <a:latin typeface="Arial"/>
+                <a:ea typeface="Arial"/>
+                <a:cs typeface="Arial"/>
+                <a:sym typeface="Arial"/>
               </a:defRPr>
             </a:lvl9pPr>
           </a:lstStyle>
@@ -9510,7 +10823,7 @@
             <a:normAutofit/>
           </a:bodyPr>
           <a:lstStyle>
-            <a:lvl1pPr indent="-342900" lvl="0" marL="457200">
+            <a:lvl1pPr indent="-342900" lvl="0" marL="457200" marR="0" rtl="0" algn="l">
               <a:lnSpc>
                 <a:spcPct val="115000"/>
               </a:lnSpc>
@@ -9524,19 +10837,19 @@
                 <a:schemeClr val="dk2"/>
               </a:buClr>
               <a:buSzPts val="1800"/>
-              <a:buFont typeface="Google Sans"/>
+              <a:buFont typeface="Arial"/>
               <a:buChar char="●"/>
-              <a:defRPr sz="1800">
+              <a:defRPr b="0" i="0" sz="1800" u="none" cap="none" strike="noStrike">
                 <a:solidFill>
                   <a:schemeClr val="dk2"/>
                 </a:solidFill>
-                <a:latin typeface="Google Sans"/>
-                <a:ea typeface="Google Sans"/>
-                <a:cs typeface="Google Sans"/>
-                <a:sym typeface="Google Sans"/>
+                <a:latin typeface="Arial"/>
+                <a:ea typeface="Arial"/>
+                <a:cs typeface="Arial"/>
+                <a:sym typeface="Arial"/>
               </a:defRPr>
             </a:lvl1pPr>
-            <a:lvl2pPr indent="-317500" lvl="1" marL="914400">
+            <a:lvl2pPr indent="-317500" lvl="1" marL="914400" marR="0" rtl="0" algn="l">
               <a:lnSpc>
                 <a:spcPct val="115000"/>
               </a:lnSpc>
@@ -9550,19 +10863,19 @@
                 <a:schemeClr val="dk2"/>
               </a:buClr>
               <a:buSzPts val="1400"/>
-              <a:buFont typeface="Google Sans"/>
+              <a:buFont typeface="Arial"/>
               <a:buChar char="○"/>
-              <a:defRPr>
+              <a:defRPr b="0" i="0" sz="1400" u="none" cap="none" strike="noStrike">
                 <a:solidFill>
                   <a:schemeClr val="dk2"/>
                 </a:solidFill>
-                <a:latin typeface="Google Sans"/>
-                <a:ea typeface="Google Sans"/>
-                <a:cs typeface="Google Sans"/>
-                <a:sym typeface="Google Sans"/>
+                <a:latin typeface="Arial"/>
+                <a:ea typeface="Arial"/>
+                <a:cs typeface="Arial"/>
+                <a:sym typeface="Arial"/>
               </a:defRPr>
             </a:lvl2pPr>
-            <a:lvl3pPr indent="-317500" lvl="2" marL="1371600">
+            <a:lvl3pPr indent="-317500" lvl="2" marL="1371600" marR="0" rtl="0" algn="l">
               <a:lnSpc>
                 <a:spcPct val="115000"/>
               </a:lnSpc>
@@ -9576,19 +10889,19 @@
                 <a:schemeClr val="dk2"/>
               </a:buClr>
               <a:buSzPts val="1400"/>
-              <a:buFont typeface="Google Sans"/>
+              <a:buFont typeface="Arial"/>
               <a:buChar char="■"/>
-              <a:defRPr>
+              <a:defRPr b="0" i="0" sz="1400" u="none" cap="none" strike="noStrike">
                 <a:solidFill>
                   <a:schemeClr val="dk2"/>
                 </a:solidFill>
-                <a:latin typeface="Google Sans"/>
-                <a:ea typeface="Google Sans"/>
-                <a:cs typeface="Google Sans"/>
-                <a:sym typeface="Google Sans"/>
+                <a:latin typeface="Arial"/>
+                <a:ea typeface="Arial"/>
+                <a:cs typeface="Arial"/>
+                <a:sym typeface="Arial"/>
               </a:defRPr>
             </a:lvl3pPr>
-            <a:lvl4pPr indent="-317500" lvl="3" marL="1828800">
+            <a:lvl4pPr indent="-317500" lvl="3" marL="1828800" marR="0" rtl="0" algn="l">
               <a:lnSpc>
                 <a:spcPct val="115000"/>
               </a:lnSpc>
@@ -9602,19 +10915,19 @@
                 <a:schemeClr val="dk2"/>
               </a:buClr>
               <a:buSzPts val="1400"/>
-              <a:buFont typeface="Google Sans"/>
+              <a:buFont typeface="Arial"/>
               <a:buChar char="●"/>
-              <a:defRPr>
+              <a:defRPr b="0" i="0" sz="1400" u="none" cap="none" strike="noStrike">
                 <a:solidFill>
                   <a:schemeClr val="dk2"/>
                 </a:solidFill>
-                <a:latin typeface="Google Sans"/>
-                <a:ea typeface="Google Sans"/>
-                <a:cs typeface="Google Sans"/>
-                <a:sym typeface="Google Sans"/>
+                <a:latin typeface="Arial"/>
+                <a:ea typeface="Arial"/>
+                <a:cs typeface="Arial"/>
+                <a:sym typeface="Arial"/>
               </a:defRPr>
             </a:lvl4pPr>
-            <a:lvl5pPr indent="-317500" lvl="4" marL="2286000">
+            <a:lvl5pPr indent="-317500" lvl="4" marL="2286000" marR="0" rtl="0" algn="l">
               <a:lnSpc>
                 <a:spcPct val="115000"/>
               </a:lnSpc>
@@ -9628,19 +10941,19 @@
                 <a:schemeClr val="dk2"/>
               </a:buClr>
               <a:buSzPts val="1400"/>
-              <a:buFont typeface="Google Sans"/>
+              <a:buFont typeface="Arial"/>
               <a:buChar char="○"/>
-              <a:defRPr>
+              <a:defRPr b="0" i="0" sz="1400" u="none" cap="none" strike="noStrike">
                 <a:solidFill>
                   <a:schemeClr val="dk2"/>
                 </a:solidFill>
-                <a:latin typeface="Google Sans"/>
-                <a:ea typeface="Google Sans"/>
-                <a:cs typeface="Google Sans"/>
-                <a:sym typeface="Google Sans"/>
+                <a:latin typeface="Arial"/>
+                <a:ea typeface="Arial"/>
+                <a:cs typeface="Arial"/>
+                <a:sym typeface="Arial"/>
               </a:defRPr>
             </a:lvl5pPr>
-            <a:lvl6pPr indent="-317500" lvl="5" marL="2743200">
+            <a:lvl6pPr indent="-317500" lvl="5" marL="2743200" marR="0" rtl="0" algn="l">
               <a:lnSpc>
                 <a:spcPct val="115000"/>
               </a:lnSpc>
@@ -9654,19 +10967,19 @@
                 <a:schemeClr val="dk2"/>
               </a:buClr>
               <a:buSzPts val="1400"/>
-              <a:buFont typeface="Google Sans"/>
+              <a:buFont typeface="Arial"/>
               <a:buChar char="■"/>
-              <a:defRPr>
+              <a:defRPr b="0" i="0" sz="1400" u="none" cap="none" strike="noStrike">
                 <a:solidFill>
                   <a:schemeClr val="dk2"/>
                 </a:solidFill>
-                <a:latin typeface="Google Sans"/>
-                <a:ea typeface="Google Sans"/>
-                <a:cs typeface="Google Sans"/>
-                <a:sym typeface="Google Sans"/>
+                <a:latin typeface="Arial"/>
+                <a:ea typeface="Arial"/>
+                <a:cs typeface="Arial"/>
+                <a:sym typeface="Arial"/>
               </a:defRPr>
             </a:lvl6pPr>
-            <a:lvl7pPr indent="-317500" lvl="6" marL="3200400">
+            <a:lvl7pPr indent="-317500" lvl="6" marL="3200400" marR="0" rtl="0" algn="l">
               <a:lnSpc>
                 <a:spcPct val="115000"/>
               </a:lnSpc>
@@ -9680,19 +10993,19 @@
                 <a:schemeClr val="dk2"/>
               </a:buClr>
               <a:buSzPts val="1400"/>
-              <a:buFont typeface="Google Sans"/>
+              <a:buFont typeface="Arial"/>
               <a:buChar char="●"/>
-              <a:defRPr>
+              <a:defRPr b="0" i="0" sz="1400" u="none" cap="none" strike="noStrike">
                 <a:solidFill>
                   <a:schemeClr val="dk2"/>
                 </a:solidFill>
-                <a:latin typeface="Google Sans"/>
-                <a:ea typeface="Google Sans"/>
-                <a:cs typeface="Google Sans"/>
-                <a:sym typeface="Google Sans"/>
+                <a:latin typeface="Arial"/>
+                <a:ea typeface="Arial"/>
+                <a:cs typeface="Arial"/>
+                <a:sym typeface="Arial"/>
               </a:defRPr>
             </a:lvl7pPr>
-            <a:lvl8pPr indent="-317500" lvl="7" marL="3657600">
+            <a:lvl8pPr indent="-317500" lvl="7" marL="3657600" marR="0" rtl="0" algn="l">
               <a:lnSpc>
                 <a:spcPct val="115000"/>
               </a:lnSpc>
@@ -9706,19 +11019,19 @@
                 <a:schemeClr val="dk2"/>
               </a:buClr>
               <a:buSzPts val="1400"/>
-              <a:buFont typeface="Google Sans"/>
+              <a:buFont typeface="Arial"/>
               <a:buChar char="○"/>
-              <a:defRPr>
+              <a:defRPr b="0" i="0" sz="1400" u="none" cap="none" strike="noStrike">
                 <a:solidFill>
                   <a:schemeClr val="dk2"/>
                 </a:solidFill>
-                <a:latin typeface="Google Sans"/>
-                <a:ea typeface="Google Sans"/>
-                <a:cs typeface="Google Sans"/>
-                <a:sym typeface="Google Sans"/>
+                <a:latin typeface="Arial"/>
+                <a:ea typeface="Arial"/>
+                <a:cs typeface="Arial"/>
+                <a:sym typeface="Arial"/>
               </a:defRPr>
             </a:lvl8pPr>
-            <a:lvl9pPr indent="-317500" lvl="8" marL="4114800">
+            <a:lvl9pPr indent="-317500" lvl="8" marL="4114800" marR="0" rtl="0" algn="l">
               <a:lnSpc>
                 <a:spcPct val="115000"/>
               </a:lnSpc>
@@ -9732,16 +11045,16 @@
                 <a:schemeClr val="dk2"/>
               </a:buClr>
               <a:buSzPts val="1400"/>
-              <a:buFont typeface="Google Sans"/>
+              <a:buFont typeface="Arial"/>
               <a:buChar char="■"/>
-              <a:defRPr>
+              <a:defRPr b="0" i="0" sz="1400" u="none" cap="none" strike="noStrike">
                 <a:solidFill>
                   <a:schemeClr val="dk2"/>
                 </a:solidFill>
-                <a:latin typeface="Google Sans"/>
-                <a:ea typeface="Google Sans"/>
-                <a:cs typeface="Google Sans"/>
-                <a:sym typeface="Google Sans"/>
+                <a:latin typeface="Arial"/>
+                <a:ea typeface="Arial"/>
+                <a:cs typeface="Arial"/>
+                <a:sym typeface="Arial"/>
               </a:defRPr>
             </a:lvl9pPr>
           </a:lstStyle>
@@ -9774,76 +11087,238 @@
             <a:normAutofit/>
           </a:bodyPr>
           <a:lstStyle>
-            <a:lvl1pPr lvl="0" algn="r">
+            <a:lvl1pPr indent="0" lvl="0" marL="0" marR="0" rtl="0" algn="r">
+              <a:lnSpc>
+                <a:spcPct val="100000"/>
+              </a:lnSpc>
+              <a:spcBef>
+                <a:spcPts val="0"/>
+              </a:spcBef>
+              <a:spcAft>
+                <a:spcPts val="0"/>
+              </a:spcAft>
+              <a:buClr>
+                <a:srgbClr val="000000"/>
+              </a:buClr>
+              <a:buSzPts val="1000"/>
+              <a:buFont typeface="Arial"/>
               <a:buNone/>
-              <a:defRPr sz="1000">
+              <a:defRPr b="0" i="0" sz="1000" u="none" cap="none" strike="noStrike">
                 <a:solidFill>
                   <a:schemeClr val="dk2"/>
                 </a:solidFill>
+                <a:latin typeface="Arial"/>
+                <a:ea typeface="Arial"/>
+                <a:cs typeface="Arial"/>
+                <a:sym typeface="Arial"/>
               </a:defRPr>
             </a:lvl1pPr>
-            <a:lvl2pPr lvl="1" algn="r">
+            <a:lvl2pPr indent="0" lvl="1" marL="0" marR="0" rtl="0" algn="r">
+              <a:lnSpc>
+                <a:spcPct val="100000"/>
+              </a:lnSpc>
+              <a:spcBef>
+                <a:spcPts val="0"/>
+              </a:spcBef>
+              <a:spcAft>
+                <a:spcPts val="0"/>
+              </a:spcAft>
+              <a:buClr>
+                <a:srgbClr val="000000"/>
+              </a:buClr>
+              <a:buSzPts val="1000"/>
+              <a:buFont typeface="Arial"/>
               <a:buNone/>
-              <a:defRPr sz="1000">
+              <a:defRPr b="0" i="0" sz="1000" u="none" cap="none" strike="noStrike">
                 <a:solidFill>
                   <a:schemeClr val="dk2"/>
                 </a:solidFill>
+                <a:latin typeface="Arial"/>
+                <a:ea typeface="Arial"/>
+                <a:cs typeface="Arial"/>
+                <a:sym typeface="Arial"/>
               </a:defRPr>
             </a:lvl2pPr>
-            <a:lvl3pPr lvl="2" algn="r">
+            <a:lvl3pPr indent="0" lvl="2" marL="0" marR="0" rtl="0" algn="r">
+              <a:lnSpc>
+                <a:spcPct val="100000"/>
+              </a:lnSpc>
+              <a:spcBef>
+                <a:spcPts val="0"/>
+              </a:spcBef>
+              <a:spcAft>
+                <a:spcPts val="0"/>
+              </a:spcAft>
+              <a:buClr>
+                <a:srgbClr val="000000"/>
+              </a:buClr>
+              <a:buSzPts val="1000"/>
+              <a:buFont typeface="Arial"/>
               <a:buNone/>
-              <a:defRPr sz="1000">
+              <a:defRPr b="0" i="0" sz="1000" u="none" cap="none" strike="noStrike">
                 <a:solidFill>
                   <a:schemeClr val="dk2"/>
                 </a:solidFill>
+                <a:latin typeface="Arial"/>
+                <a:ea typeface="Arial"/>
+                <a:cs typeface="Arial"/>
+                <a:sym typeface="Arial"/>
               </a:defRPr>
             </a:lvl3pPr>
-            <a:lvl4pPr lvl="3" algn="r">
+            <a:lvl4pPr indent="0" lvl="3" marL="0" marR="0" rtl="0" algn="r">
+              <a:lnSpc>
+                <a:spcPct val="100000"/>
+              </a:lnSpc>
+              <a:spcBef>
+                <a:spcPts val="0"/>
+              </a:spcBef>
+              <a:spcAft>
+                <a:spcPts val="0"/>
+              </a:spcAft>
+              <a:buClr>
+                <a:srgbClr val="000000"/>
+              </a:buClr>
+              <a:buSzPts val="1000"/>
+              <a:buFont typeface="Arial"/>
               <a:buNone/>
-              <a:defRPr sz="1000">
+              <a:defRPr b="0" i="0" sz="1000" u="none" cap="none" strike="noStrike">
                 <a:solidFill>
                   <a:schemeClr val="dk2"/>
                 </a:solidFill>
+                <a:latin typeface="Arial"/>
+                <a:ea typeface="Arial"/>
+                <a:cs typeface="Arial"/>
+                <a:sym typeface="Arial"/>
               </a:defRPr>
             </a:lvl4pPr>
-            <a:lvl5pPr lvl="4" algn="r">
+            <a:lvl5pPr indent="0" lvl="4" marL="0" marR="0" rtl="0" algn="r">
+              <a:lnSpc>
+                <a:spcPct val="100000"/>
+              </a:lnSpc>
+              <a:spcBef>
+                <a:spcPts val="0"/>
+              </a:spcBef>
+              <a:spcAft>
+                <a:spcPts val="0"/>
+              </a:spcAft>
+              <a:buClr>
+                <a:srgbClr val="000000"/>
+              </a:buClr>
+              <a:buSzPts val="1000"/>
+              <a:buFont typeface="Arial"/>
               <a:buNone/>
-              <a:defRPr sz="1000">
+              <a:defRPr b="0" i="0" sz="1000" u="none" cap="none" strike="noStrike">
                 <a:solidFill>
                   <a:schemeClr val="dk2"/>
                 </a:solidFill>
+                <a:latin typeface="Arial"/>
+                <a:ea typeface="Arial"/>
+                <a:cs typeface="Arial"/>
+                <a:sym typeface="Arial"/>
               </a:defRPr>
             </a:lvl5pPr>
-            <a:lvl6pPr lvl="5" algn="r">
+            <a:lvl6pPr indent="0" lvl="5" marL="0" marR="0" rtl="0" algn="r">
+              <a:lnSpc>
+                <a:spcPct val="100000"/>
+              </a:lnSpc>
+              <a:spcBef>
+                <a:spcPts val="0"/>
+              </a:spcBef>
+              <a:spcAft>
+                <a:spcPts val="0"/>
+              </a:spcAft>
+              <a:buClr>
+                <a:srgbClr val="000000"/>
+              </a:buClr>
+              <a:buSzPts val="1000"/>
+              <a:buFont typeface="Arial"/>
               <a:buNone/>
-              <a:defRPr sz="1000">
+              <a:defRPr b="0" i="0" sz="1000" u="none" cap="none" strike="noStrike">
                 <a:solidFill>
                   <a:schemeClr val="dk2"/>
                 </a:solidFill>
+                <a:latin typeface="Arial"/>
+                <a:ea typeface="Arial"/>
+                <a:cs typeface="Arial"/>
+                <a:sym typeface="Arial"/>
               </a:defRPr>
             </a:lvl6pPr>
-            <a:lvl7pPr lvl="6" algn="r">
+            <a:lvl7pPr indent="0" lvl="6" marL="0" marR="0" rtl="0" algn="r">
+              <a:lnSpc>
+                <a:spcPct val="100000"/>
+              </a:lnSpc>
+              <a:spcBef>
+                <a:spcPts val="0"/>
+              </a:spcBef>
+              <a:spcAft>
+                <a:spcPts val="0"/>
+              </a:spcAft>
+              <a:buClr>
+                <a:srgbClr val="000000"/>
+              </a:buClr>
+              <a:buSzPts val="1000"/>
+              <a:buFont typeface="Arial"/>
               <a:buNone/>
-              <a:defRPr sz="1000">
+              <a:defRPr b="0" i="0" sz="1000" u="none" cap="none" strike="noStrike">
                 <a:solidFill>
                   <a:schemeClr val="dk2"/>
                 </a:solidFill>
+                <a:latin typeface="Arial"/>
+                <a:ea typeface="Arial"/>
+                <a:cs typeface="Arial"/>
+                <a:sym typeface="Arial"/>
               </a:defRPr>
             </a:lvl7pPr>
-            <a:lvl8pPr lvl="7" algn="r">
+            <a:lvl8pPr indent="0" lvl="7" marL="0" marR="0" rtl="0" algn="r">
+              <a:lnSpc>
+                <a:spcPct val="100000"/>
+              </a:lnSpc>
+              <a:spcBef>
+                <a:spcPts val="0"/>
+              </a:spcBef>
+              <a:spcAft>
+                <a:spcPts val="0"/>
+              </a:spcAft>
+              <a:buClr>
+                <a:srgbClr val="000000"/>
+              </a:buClr>
+              <a:buSzPts val="1000"/>
+              <a:buFont typeface="Arial"/>
               <a:buNone/>
-              <a:defRPr sz="1000">
+              <a:defRPr b="0" i="0" sz="1000" u="none" cap="none" strike="noStrike">
                 <a:solidFill>
                   <a:schemeClr val="dk2"/>
                 </a:solidFill>
+                <a:latin typeface="Arial"/>
+                <a:ea typeface="Arial"/>
+                <a:cs typeface="Arial"/>
+                <a:sym typeface="Arial"/>
               </a:defRPr>
             </a:lvl8pPr>
-            <a:lvl9pPr lvl="8" algn="r">
+            <a:lvl9pPr indent="0" lvl="8" marL="0" marR="0" rtl="0" algn="r">
+              <a:lnSpc>
+                <a:spcPct val="100000"/>
+              </a:lnSpc>
+              <a:spcBef>
+                <a:spcPts val="0"/>
+              </a:spcBef>
+              <a:spcAft>
+                <a:spcPts val="0"/>
+              </a:spcAft>
+              <a:buClr>
+                <a:srgbClr val="000000"/>
+              </a:buClr>
+              <a:buSzPts val="1000"/>
+              <a:buFont typeface="Arial"/>
               <a:buNone/>
-              <a:defRPr sz="1000">
+              <a:defRPr b="0" i="0" sz="1000" u="none" cap="none" strike="noStrike">
                 <a:solidFill>
                   <a:schemeClr val="dk2"/>
                 </a:solidFill>
+                <a:latin typeface="Arial"/>
+                <a:ea typeface="Arial"/>
+                <a:cs typeface="Arial"/>
+                <a:sym typeface="Arial"/>
               </a:defRPr>
             </a:lvl9pPr>
           </a:lstStyle>
@@ -9890,22 +11365,34 @@
           </a:bodyPr>
           <a:lstStyle/>
           <a:p>
-            <a:pPr indent="0" lvl="0" marL="0" rtl="0" algn="l">
+            <a:pPr indent="0" lvl="0" marL="0" marR="0" rtl="0" algn="l">
+              <a:lnSpc>
+                <a:spcPct val="100000"/>
+              </a:lnSpc>
               <a:spcBef>
                 <a:spcPts val="0"/>
               </a:spcBef>
               <a:spcAft>
                 <a:spcPts val="0"/>
               </a:spcAft>
+              <a:buClr>
+                <a:srgbClr val="000000"/>
+              </a:buClr>
+              <a:buSzPts val="1400"/>
+              <a:buFont typeface="Arial"/>
               <a:buNone/>
             </a:pPr>
             <a:r>
               <a:t/>
             </a:r>
-            <a:endParaRPr>
+            <a:endParaRPr b="0" i="0" sz="1400" u="none" cap="none" strike="noStrike">
               <a:solidFill>
                 <a:schemeClr val="dk2"/>
               </a:solidFill>
+              <a:latin typeface="Arial"/>
+              <a:ea typeface="Arial"/>
+              <a:cs typeface="Arial"/>
+              <a:sym typeface="Arial"/>
             </a:endParaRPr>
           </a:p>
         </p:txBody>
@@ -10631,16 +12118,51 @@
           <a:chExt cx="0" cy="0"/>
         </a:xfrm>
       </p:grpSpPr>
+      <p:pic>
+        <p:nvPicPr>
+          <p:cNvPr id="195" name="Google Shape;195;p8"/>
+          <p:cNvPicPr preferRelativeResize="0"/>
+          <p:nvPr>
+            <p:ph idx="2" type="pic"/>
+          </p:nvPr>
+        </p:nvPicPr>
+        <p:blipFill rotWithShape="1">
+          <a:blip r:embed="rId3">
+            <a:alphaModFix/>
+          </a:blip>
+          <a:srcRect b="0" l="21356" r="21356" t="0"/>
+          <a:stretch/>
+        </p:blipFill>
+        <p:spPr>
+          <a:xfrm>
+            <a:off x="4076163" y="6733100"/>
+            <a:ext cx="3035400" cy="2495700"/>
+          </a:xfrm>
+          <a:prstGeom prst="rect">
+            <a:avLst/>
+          </a:prstGeom>
+          <a:noFill/>
+          <a:ln cap="flat" cmpd="sng" w="19050">
+            <a:solidFill>
+              <a:srgbClr val="000000"/>
+            </a:solidFill>
+            <a:prstDash val="solid"/>
+            <a:round/>
+            <a:headEnd len="sm" w="sm" type="none"/>
+            <a:tailEnd len="sm" w="sm" type="none"/>
+          </a:ln>
+        </p:spPr>
+      </p:pic>
       <p:sp>
         <p:nvSpPr>
-          <p:cNvPr id="195" name="Google Shape;195;p8"/>
+          <p:cNvPr id="196" name="Google Shape;196;p8"/>
           <p:cNvSpPr txBox="1"/>
           <p:nvPr/>
         </p:nvSpPr>
         <p:spPr>
           <a:xfrm>
-            <a:off x="428625" y="4256675"/>
-            <a:ext cx="7077000" cy="708000"/>
+            <a:off x="439750" y="1974850"/>
+            <a:ext cx="6877200" cy="1295400"/>
           </a:xfrm>
           <a:prstGeom prst="rect">
             <a:avLst/>
@@ -10652,11 +12174,11 @@
         </p:spPr>
         <p:txBody>
           <a:bodyPr anchorCtr="0" anchor="t" bIns="91425" lIns="91425" spcFirstLastPara="1" rIns="91425" wrap="square" tIns="91425">
-            <a:spAutoFit/>
+            <a:noAutofit/>
           </a:bodyPr>
           <a:lstStyle/>
           <a:p>
-            <a:pPr indent="0" lvl="0" marL="0" rtl="0" algn="ctr">
+            <a:pPr indent="0" lvl="0" marL="0" rtl="0" algn="l">
               <a:spcBef>
                 <a:spcPts val="0"/>
               </a:spcBef>
@@ -10666,128 +12188,26 @@
               <a:buNone/>
             </a:pPr>
             <a:r>
-              <a:rPr b="1" lang="en" sz="3400">
-                <a:latin typeface="Google Sans"/>
-                <a:ea typeface="Google Sans"/>
-                <a:cs typeface="Google Sans"/>
-                <a:sym typeface="Google Sans"/>
-              </a:rPr>
-              <a:t>Executive summary templates</a:t>
+              <a:t/>
             </a:r>
-            <a:endParaRPr b="1" sz="3400">
-              <a:latin typeface="Google Sans"/>
-              <a:ea typeface="Google Sans"/>
-              <a:cs typeface="Google Sans"/>
-              <a:sym typeface="Google Sans"/>
+            <a:endParaRPr sz="1800">
+              <a:solidFill>
+                <a:schemeClr val="dk2"/>
+              </a:solidFill>
             </a:endParaRPr>
           </a:p>
         </p:txBody>
       </p:sp>
       <p:sp>
         <p:nvSpPr>
-          <p:cNvPr id="196" name="Google Shape;196;p8"/>
+          <p:cNvPr id="197" name="Google Shape;197;p8"/>
           <p:cNvSpPr txBox="1"/>
           <p:nvPr/>
         </p:nvSpPr>
         <p:spPr>
           <a:xfrm>
-            <a:off x="428625" y="4866275"/>
-            <a:ext cx="7077000" cy="461700"/>
-          </a:xfrm>
-          <a:prstGeom prst="rect">
-            <a:avLst/>
-          </a:prstGeom>
-          <a:noFill/>
-          <a:ln>
-            <a:noFill/>
-          </a:ln>
-        </p:spPr>
-        <p:txBody>
-          <a:bodyPr anchorCtr="0" anchor="t" bIns="91425" lIns="91425" spcFirstLastPara="1" rIns="91425" wrap="square" tIns="91425">
-            <a:spAutoFit/>
-          </a:bodyPr>
-          <a:lstStyle/>
-          <a:p>
-            <a:pPr indent="0" lvl="0" marL="0" rtl="0" algn="ctr">
-              <a:spcBef>
-                <a:spcPts val="0"/>
-              </a:spcBef>
-              <a:spcAft>
-                <a:spcPts val="0"/>
-              </a:spcAft>
-              <a:buNone/>
-            </a:pPr>
-            <a:r>
-              <a:rPr lang="en" sz="1800">
-                <a:latin typeface="Google Sans"/>
-                <a:ea typeface="Google Sans"/>
-                <a:cs typeface="Google Sans"/>
-                <a:sym typeface="Google Sans"/>
-              </a:rPr>
-              <a:t>Use the Layout dropdown </a:t>
-            </a:r>
-            <a:r>
-              <a:rPr lang="en" sz="1800">
-                <a:latin typeface="Google Sans"/>
-                <a:ea typeface="Google Sans"/>
-                <a:cs typeface="Google Sans"/>
-                <a:sym typeface="Google Sans"/>
-              </a:rPr>
-              <a:t>menu</a:t>
-            </a:r>
-            <a:r>
-              <a:rPr lang="en" sz="1800">
-                <a:latin typeface="Google Sans"/>
-                <a:ea typeface="Google Sans"/>
-                <a:cs typeface="Google Sans"/>
-                <a:sym typeface="Google Sans"/>
-              </a:rPr>
-              <a:t> to select</a:t>
-            </a:r>
-            <a:endParaRPr sz="1800">
-              <a:latin typeface="Google Sans"/>
-              <a:ea typeface="Google Sans"/>
-              <a:cs typeface="Google Sans"/>
-              <a:sym typeface="Google Sans"/>
-            </a:endParaRPr>
-          </a:p>
-        </p:txBody>
-      </p:sp>
-    </p:spTree>
-  </p:cSld>
-  <p:clrMapOvr>
-    <a:masterClrMapping/>
-  </p:clrMapOvr>
-</p:sld>
-</file>
-
-<file path=ppt/slides/slide2.xml><?xml version="1.0" encoding="utf-8"?>
-<p:sld xmlns:a="http://schemas.openxmlformats.org/drawingml/2006/main" xmlns:r="http://schemas.openxmlformats.org/officeDocument/2006/relationships" xmlns:mc="http://schemas.openxmlformats.org/markup-compatibility/2006" xmlns:mv="urn:schemas-microsoft-com:mac:vml" xmlns:p="http://schemas.openxmlformats.org/presentationml/2006/main" xmlns:c="http://schemas.openxmlformats.org/drawingml/2006/chart" xmlns:dgm="http://schemas.openxmlformats.org/drawingml/2006/diagram" xmlns:o="urn:schemas-microsoft-com:office:office" xmlns:v="urn:schemas-microsoft-com:vml" xmlns:pvml="urn:schemas-microsoft-com:office:powerpoint" xmlns:com="http://schemas.openxmlformats.org/drawingml/2006/compatibility" xmlns:p14="http://schemas.microsoft.com/office/powerpoint/2010/main" xmlns:p15="http://schemas.microsoft.com/office/powerpoint/2012/main" xmlns:ahyp="http://schemas.microsoft.com/office/drawing/2018/hyperlinkcolor">
-  <p:cSld>
-    <p:spTree>
-      <p:nvGrpSpPr>
-        <p:cNvPr id="200" name="Shape 200"/>
-        <p:cNvGrpSpPr/>
-        <p:nvPr/>
-      </p:nvGrpSpPr>
-      <p:grpSpPr>
-        <a:xfrm>
-          <a:off x="0" y="0"/>
-          <a:ext cx="0" cy="0"/>
-          <a:chOff x="0" y="0"/>
-          <a:chExt cx="0" cy="0"/>
-        </a:xfrm>
-      </p:grpSpPr>
-      <p:sp>
-        <p:nvSpPr>
-          <p:cNvPr id="201" name="Google Shape;201;p9"/>
-          <p:cNvSpPr txBox="1"/>
-          <p:nvPr/>
-        </p:nvSpPr>
-        <p:spPr>
-          <a:xfrm>
-            <a:off x="188700" y="1533300"/>
-            <a:ext cx="3697500" cy="285000"/>
+            <a:off x="470375" y="2077975"/>
+            <a:ext cx="6846600" cy="1146000"/>
           </a:xfrm>
           <a:prstGeom prst="rect">
             <a:avLst/>
@@ -10805,7 +12225,7 @@
           <a:p>
             <a:pPr indent="0" lvl="0" marL="0" rtl="0" algn="l">
               <a:lnSpc>
-                <a:spcPct val="85000"/>
+                <a:spcPct val="115000"/>
               </a:lnSpc>
               <a:spcBef>
                 <a:spcPts val="0"/>
@@ -10813,40 +12233,104 @@
               <a:spcAft>
                 <a:spcPts val="0"/>
               </a:spcAft>
-              <a:buSzPts val="852"/>
+              <a:buClr>
+                <a:schemeClr val="dk1"/>
+              </a:buClr>
+              <a:buSzPts val="1100"/>
+              <a:buFont typeface="Arial"/>
               <a:buNone/>
             </a:pPr>
             <a:r>
-              <a:rPr lang="en" sz="1375">
-                <a:latin typeface="Google Sans SemiBold"/>
-                <a:ea typeface="Google Sans SemiBold"/>
-                <a:cs typeface="Google Sans SemiBold"/>
-                <a:sym typeface="Google Sans SemiBold"/>
+              <a:rPr lang="en" sz="1100">
+                <a:solidFill>
+                  <a:schemeClr val="dk2"/>
+                </a:solidFill>
+                <a:latin typeface="Verdana"/>
+                <a:ea typeface="Verdana"/>
+                <a:cs typeface="Verdana"/>
+                <a:sym typeface="Verdana"/>
               </a:rPr>
-              <a:t>Project Overview</a:t>
+              <a:t>The project aims to develop a predictive model for detecting faults in steel plates using machine learning techniques. The dataset consists of various features related to steel plate defects, and the objective is to build a robust classification model capable of accurately identifying different types of faults.</a:t>
             </a:r>
-            <a:endParaRPr sz="1375">
-              <a:solidFill>
-                <a:srgbClr val="000000"/>
-              </a:solidFill>
-              <a:latin typeface="Google Sans SemiBold"/>
-              <a:ea typeface="Google Sans SemiBold"/>
-              <a:cs typeface="Google Sans SemiBold"/>
-              <a:sym typeface="Google Sans SemiBold"/>
+            <a:endParaRPr sz="1100">
+              <a:solidFill>
+                <a:schemeClr val="dk2"/>
+              </a:solidFill>
+              <a:latin typeface="Verdana"/>
+              <a:ea typeface="Verdana"/>
+              <a:cs typeface="Verdana"/>
+              <a:sym typeface="Verdana"/>
+            </a:endParaRPr>
+          </a:p>
+          <a:p>
+            <a:pPr indent="0" lvl="0" marL="0" rtl="0" algn="l">
+              <a:lnSpc>
+                <a:spcPct val="115000"/>
+              </a:lnSpc>
+              <a:spcBef>
+                <a:spcPts val="0"/>
+              </a:spcBef>
+              <a:spcAft>
+                <a:spcPts val="0"/>
+              </a:spcAft>
+              <a:buClr>
+                <a:schemeClr val="dk1"/>
+              </a:buClr>
+              <a:buSzPts val="1100"/>
+              <a:buFont typeface="Arial"/>
+              <a:buNone/>
+            </a:pPr>
+            <a:r>
+              <a:t/>
+            </a:r>
+            <a:endParaRPr sz="1100">
+              <a:solidFill>
+                <a:schemeClr val="dk2"/>
+              </a:solidFill>
+              <a:latin typeface="Verdana"/>
+              <a:ea typeface="Verdana"/>
+              <a:cs typeface="Verdana"/>
+              <a:sym typeface="Verdana"/>
+            </a:endParaRPr>
+          </a:p>
+          <a:p>
+            <a:pPr indent="0" lvl="0" marL="0" rtl="0" algn="l">
+              <a:lnSpc>
+                <a:spcPct val="115000"/>
+              </a:lnSpc>
+              <a:spcBef>
+                <a:spcPts val="0"/>
+              </a:spcBef>
+              <a:spcAft>
+                <a:spcPts val="0"/>
+              </a:spcAft>
+              <a:buNone/>
+            </a:pPr>
+            <a:r>
+              <a:t/>
+            </a:r>
+            <a:endParaRPr sz="1100">
+              <a:solidFill>
+                <a:schemeClr val="dk2"/>
+              </a:solidFill>
+              <a:latin typeface="Verdana"/>
+              <a:ea typeface="Verdana"/>
+              <a:cs typeface="Verdana"/>
+              <a:sym typeface="Verdana"/>
             </a:endParaRPr>
           </a:p>
         </p:txBody>
       </p:sp>
       <p:sp>
         <p:nvSpPr>
-          <p:cNvPr id="202" name="Google Shape;202;p9"/>
+          <p:cNvPr id="198" name="Google Shape;198;p8"/>
           <p:cNvSpPr txBox="1"/>
           <p:nvPr/>
         </p:nvSpPr>
         <p:spPr>
           <a:xfrm>
-            <a:off x="287625" y="1859125"/>
-            <a:ext cx="7309500" cy="400200"/>
+            <a:off x="449275" y="3714750"/>
+            <a:ext cx="3362400" cy="2782800"/>
           </a:xfrm>
           <a:prstGeom prst="rect">
             <a:avLst/>
@@ -10858,11 +12342,14 @@
         </p:spPr>
         <p:txBody>
           <a:bodyPr anchorCtr="0" anchor="t" bIns="91425" lIns="91425" spcFirstLastPara="1" rIns="91425" wrap="square" tIns="91425">
-            <a:spAutoFit/>
+            <a:noAutofit/>
           </a:bodyPr>
           <a:lstStyle/>
           <a:p>
             <a:pPr indent="0" lvl="0" marL="0" rtl="0" algn="l">
+              <a:lnSpc>
+                <a:spcPct val="115000"/>
+              </a:lnSpc>
               <a:spcBef>
                 <a:spcPts val="0"/>
               </a:spcBef>
@@ -10872,173 +12359,39 @@
               <a:buNone/>
             </a:pPr>
             <a:r>
-              <a:t/>
+              <a:rPr lang="en" sz="1100">
+                <a:solidFill>
+                  <a:schemeClr val="dk2"/>
+                </a:solidFill>
+                <a:latin typeface="Verdana"/>
+                <a:ea typeface="Verdana"/>
+                <a:cs typeface="Verdana"/>
+                <a:sym typeface="Verdana"/>
+              </a:rPr>
+              <a:t>The project has progressed through two main stages: data exploration and feature engineering. In the data exploration phase, descriptive statistics and visualizations were utilized to gain insights into the dataset's structure and characteristics. This phase provided valuable insights into the distribution of features and the prevalence of different fault types. Subsequently, in the feature engineering phase, various techniques such as mutual information analysis, principal component analysis (PCA), reduce dimensionality, and enhance model performance.</a:t>
             </a:r>
-            <a:endParaRPr>
+            <a:endParaRPr sz="1100">
               <a:solidFill>
                 <a:schemeClr val="dk2"/>
               </a:solidFill>
+              <a:latin typeface="Verdana"/>
+              <a:ea typeface="Verdana"/>
+              <a:cs typeface="Verdana"/>
+              <a:sym typeface="Verdana"/>
             </a:endParaRPr>
           </a:p>
         </p:txBody>
       </p:sp>
       <p:sp>
         <p:nvSpPr>
-          <p:cNvPr id="203" name="Google Shape;203;p9"/>
-          <p:cNvSpPr/>
-          <p:nvPr>
-            <p:ph idx="2" type="pic"/>
-          </p:nvPr>
-        </p:nvSpPr>
-        <p:spPr>
-          <a:xfrm>
-            <a:off x="4583375" y="3389400"/>
-            <a:ext cx="3035400" cy="2495700"/>
-          </a:xfrm>
-          <a:prstGeom prst="rect">
-            <a:avLst/>
-          </a:prstGeom>
-        </p:spPr>
-      </p:sp>
-    </p:spTree>
-  </p:cSld>
-  <p:clrMapOvr>
-    <a:masterClrMapping/>
-  </p:clrMapOvr>
-</p:sld>
-</file>
-
-<file path=ppt/slides/slide3.xml><?xml version="1.0" encoding="utf-8"?>
-<p:sld xmlns:a="http://schemas.openxmlformats.org/drawingml/2006/main" xmlns:r="http://schemas.openxmlformats.org/officeDocument/2006/relationships" xmlns:mc="http://schemas.openxmlformats.org/markup-compatibility/2006" xmlns:mv="urn:schemas-microsoft-com:mac:vml" xmlns:p="http://schemas.openxmlformats.org/presentationml/2006/main" xmlns:c="http://schemas.openxmlformats.org/drawingml/2006/chart" xmlns:dgm="http://schemas.openxmlformats.org/drawingml/2006/diagram" xmlns:o="urn:schemas-microsoft-com:office:office" xmlns:v="urn:schemas-microsoft-com:vml" xmlns:pvml="urn:schemas-microsoft-com:office:powerpoint" xmlns:com="http://schemas.openxmlformats.org/drawingml/2006/compatibility" xmlns:p14="http://schemas.microsoft.com/office/powerpoint/2010/main" xmlns:p15="http://schemas.microsoft.com/office/powerpoint/2012/main" xmlns:ahyp="http://schemas.microsoft.com/office/drawing/2018/hyperlinkcolor">
-  <p:cSld>
-    <p:spTree>
-      <p:nvGrpSpPr>
-        <p:cNvPr id="207" name="Shape 207"/>
-        <p:cNvGrpSpPr/>
-        <p:nvPr/>
-      </p:nvGrpSpPr>
-      <p:grpSpPr>
-        <a:xfrm>
-          <a:off x="0" y="0"/>
-          <a:ext cx="0" cy="0"/>
-          <a:chOff x="0" y="0"/>
-          <a:chExt cx="0" cy="0"/>
-        </a:xfrm>
-      </p:grpSpPr>
-      <p:sp>
-        <p:nvSpPr>
-          <p:cNvPr id="208" name="Google Shape;208;p10"/>
-          <p:cNvSpPr/>
-          <p:nvPr>
-            <p:ph idx="2" type="pic"/>
-          </p:nvPr>
-        </p:nvSpPr>
-        <p:spPr>
-          <a:xfrm>
-            <a:off x="3552088" y="1473363"/>
-            <a:ext cx="3035400" cy="2495700"/>
-          </a:xfrm>
-          <a:prstGeom prst="rect">
-            <a:avLst/>
-          </a:prstGeom>
-        </p:spPr>
-      </p:sp>
-      <p:sp>
-        <p:nvSpPr>
-          <p:cNvPr id="209" name="Google Shape;209;p10"/>
-          <p:cNvSpPr/>
-          <p:nvPr>
-            <p:ph idx="3" type="pic"/>
-          </p:nvPr>
-        </p:nvSpPr>
-        <p:spPr>
-          <a:xfrm>
-            <a:off x="4054775" y="4659950"/>
-            <a:ext cx="3035400" cy="2495700"/>
-          </a:xfrm>
-          <a:prstGeom prst="rect">
-            <a:avLst/>
-          </a:prstGeom>
-        </p:spPr>
-      </p:sp>
-    </p:spTree>
-  </p:cSld>
-  <p:clrMapOvr>
-    <a:masterClrMapping/>
-  </p:clrMapOvr>
-</p:sld>
-</file>
-
-<file path=ppt/slides/slide4.xml><?xml version="1.0" encoding="utf-8"?>
-<p:sld xmlns:a="http://schemas.openxmlformats.org/drawingml/2006/main" xmlns:r="http://schemas.openxmlformats.org/officeDocument/2006/relationships" xmlns:mc="http://schemas.openxmlformats.org/markup-compatibility/2006" xmlns:mv="urn:schemas-microsoft-com:mac:vml" xmlns:p="http://schemas.openxmlformats.org/presentationml/2006/main" xmlns:c="http://schemas.openxmlformats.org/drawingml/2006/chart" xmlns:dgm="http://schemas.openxmlformats.org/drawingml/2006/diagram" xmlns:o="urn:schemas-microsoft-com:office:office" xmlns:v="urn:schemas-microsoft-com:vml" xmlns:pvml="urn:schemas-microsoft-com:office:powerpoint" xmlns:com="http://schemas.openxmlformats.org/drawingml/2006/compatibility" xmlns:p14="http://schemas.microsoft.com/office/powerpoint/2010/main" xmlns:p15="http://schemas.microsoft.com/office/powerpoint/2012/main" xmlns:ahyp="http://schemas.microsoft.com/office/drawing/2018/hyperlinkcolor">
-  <p:cSld>
-    <p:spTree>
-      <p:nvGrpSpPr>
-        <p:cNvPr id="213" name="Shape 213"/>
-        <p:cNvGrpSpPr/>
-        <p:nvPr/>
-      </p:nvGrpSpPr>
-      <p:grpSpPr>
-        <a:xfrm>
-          <a:off x="0" y="0"/>
-          <a:ext cx="0" cy="0"/>
-          <a:chOff x="0" y="0"/>
-          <a:chExt cx="0" cy="0"/>
-        </a:xfrm>
-      </p:grpSpPr>
-      <p:sp>
-        <p:nvSpPr>
-          <p:cNvPr id="214" name="Google Shape;214;p11"/>
-          <p:cNvSpPr/>
-          <p:nvPr>
-            <p:ph idx="2" type="pic"/>
-          </p:nvPr>
-        </p:nvSpPr>
-        <p:spPr>
-          <a:xfrm>
-            <a:off x="4076163" y="6199700"/>
-            <a:ext cx="3035400" cy="2495700"/>
-          </a:xfrm>
-          <a:prstGeom prst="rect">
-            <a:avLst/>
-          </a:prstGeom>
-        </p:spPr>
-      </p:sp>
-    </p:spTree>
-  </p:cSld>
-  <p:clrMapOvr>
-    <a:masterClrMapping/>
-  </p:clrMapOvr>
-</p:sld>
-</file>
-
-<file path=ppt/slides/slide5.xml><?xml version="1.0" encoding="utf-8"?>
-<p:sld xmlns:a="http://schemas.openxmlformats.org/drawingml/2006/main" xmlns:r="http://schemas.openxmlformats.org/officeDocument/2006/relationships" xmlns:mc="http://schemas.openxmlformats.org/markup-compatibility/2006" xmlns:mv="urn:schemas-microsoft-com:mac:vml" xmlns:p="http://schemas.openxmlformats.org/presentationml/2006/main" xmlns:c="http://schemas.openxmlformats.org/drawingml/2006/chart" xmlns:dgm="http://schemas.openxmlformats.org/drawingml/2006/diagram" xmlns:o="urn:schemas-microsoft-com:office:office" xmlns:v="urn:schemas-microsoft-com:vml" xmlns:pvml="urn:schemas-microsoft-com:office:powerpoint" xmlns:com="http://schemas.openxmlformats.org/drawingml/2006/compatibility" xmlns:p14="http://schemas.microsoft.com/office/powerpoint/2010/main" xmlns:p15="http://schemas.microsoft.com/office/powerpoint/2012/main" xmlns:ahyp="http://schemas.microsoft.com/office/drawing/2018/hyperlinkcolor">
-  <p:cSld>
-    <p:spTree>
-      <p:nvGrpSpPr>
-        <p:cNvPr id="218" name="Shape 218"/>
-        <p:cNvGrpSpPr/>
-        <p:nvPr/>
-      </p:nvGrpSpPr>
-      <p:grpSpPr>
-        <a:xfrm>
-          <a:off x="0" y="0"/>
-          <a:ext cx="0" cy="0"/>
-          <a:chOff x="0" y="0"/>
-          <a:chExt cx="0" cy="0"/>
-        </a:xfrm>
-      </p:grpSpPr>
-      <p:sp>
-        <p:nvSpPr>
-          <p:cNvPr id="219" name="Google Shape;219;p12"/>
+          <p:cNvPr id="199" name="Google Shape;199;p8"/>
           <p:cNvSpPr txBox="1"/>
           <p:nvPr/>
         </p:nvSpPr>
         <p:spPr>
           <a:xfrm>
-            <a:off x="4467025" y="6764100"/>
-            <a:ext cx="3006900" cy="285000"/>
+            <a:off x="3944950" y="3670300"/>
+            <a:ext cx="3314700" cy="2343300"/>
           </a:xfrm>
           <a:prstGeom prst="rect">
             <a:avLst/>
@@ -11050,13 +12403,13 @@
         </p:spPr>
         <p:txBody>
           <a:bodyPr anchorCtr="0" anchor="t" bIns="91425" lIns="91425" spcFirstLastPara="1" rIns="91425" wrap="square" tIns="91425">
-            <a:normAutofit fontScale="70000" lnSpcReduction="20000"/>
+            <a:noAutofit/>
           </a:bodyPr>
           <a:lstStyle/>
           <a:p>
             <a:pPr indent="0" lvl="0" marL="0" rtl="0" algn="l">
               <a:lnSpc>
-                <a:spcPct val="105000"/>
+                <a:spcPct val="115000"/>
               </a:lnSpc>
               <a:spcBef>
                 <a:spcPts val="0"/>
@@ -11067,43 +12420,250 @@
               <a:buNone/>
             </a:pPr>
             <a:r>
-              <a:rPr i="1" lang="en" sz="1100">
-                <a:latin typeface="Lato"/>
-                <a:ea typeface="Lato"/>
-                <a:cs typeface="Lato"/>
-                <a:sym typeface="Lato"/>
+              <a:rPr lang="en" sz="1100">
+                <a:solidFill>
+                  <a:schemeClr val="dk2"/>
+                </a:solidFill>
+                <a:latin typeface="Verdana"/>
+                <a:ea typeface="Verdana"/>
+                <a:cs typeface="Verdana"/>
+                <a:sym typeface="Verdana"/>
               </a:rPr>
-              <a:t>Image Alt-Text Here</a:t>
+              <a:t>The initial data exploration revealed significant variations in feature distributions across different fault types, highlighting the complexity of the classification task.</a:t>
             </a:r>
-            <a:endParaRPr i="1" sz="1100">
-              <a:solidFill>
-                <a:srgbClr val="000000"/>
-              </a:solidFill>
-              <a:latin typeface="Lato"/>
-              <a:ea typeface="Lato"/>
-              <a:cs typeface="Lato"/>
-              <a:sym typeface="Lato"/>
+            <a:endParaRPr sz="1100">
+              <a:solidFill>
+                <a:schemeClr val="dk2"/>
+              </a:solidFill>
+              <a:latin typeface="Verdana"/>
+              <a:ea typeface="Verdana"/>
+              <a:cs typeface="Verdana"/>
+              <a:sym typeface="Verdana"/>
+            </a:endParaRPr>
+          </a:p>
+          <a:p>
+            <a:pPr indent="0" lvl="0" marL="0" rtl="0" algn="l">
+              <a:lnSpc>
+                <a:spcPct val="115000"/>
+              </a:lnSpc>
+              <a:spcBef>
+                <a:spcPts val="0"/>
+              </a:spcBef>
+              <a:spcAft>
+                <a:spcPts val="0"/>
+              </a:spcAft>
+              <a:buNone/>
+            </a:pPr>
+            <a:r>
+              <a:rPr lang="en" sz="1100">
+                <a:solidFill>
+                  <a:schemeClr val="dk2"/>
+                </a:solidFill>
+                <a:latin typeface="Verdana"/>
+                <a:ea typeface="Verdana"/>
+                <a:cs typeface="Verdana"/>
+                <a:sym typeface="Verdana"/>
+              </a:rPr>
+              <a:t>Mutual information analysis identified key features with high relevance to fault detection, such as 'Outside_X_Index' and 'LogOfAreas', among others.</a:t>
+            </a:r>
+            <a:endParaRPr sz="1100">
+              <a:solidFill>
+                <a:schemeClr val="dk2"/>
+              </a:solidFill>
+              <a:latin typeface="Verdana"/>
+              <a:ea typeface="Verdana"/>
+              <a:cs typeface="Verdana"/>
+              <a:sym typeface="Verdana"/>
+            </a:endParaRPr>
+          </a:p>
+          <a:p>
+            <a:pPr indent="0" lvl="0" marL="0" rtl="0" algn="l">
+              <a:lnSpc>
+                <a:spcPct val="115000"/>
+              </a:lnSpc>
+              <a:spcBef>
+                <a:spcPts val="0"/>
+              </a:spcBef>
+              <a:spcAft>
+                <a:spcPts val="0"/>
+              </a:spcAft>
+              <a:buNone/>
+            </a:pPr>
+            <a:r>
+              <a:rPr lang="en" sz="1100">
+                <a:solidFill>
+                  <a:schemeClr val="dk2"/>
+                </a:solidFill>
+                <a:latin typeface="Verdana"/>
+                <a:ea typeface="Verdana"/>
+                <a:cs typeface="Verdana"/>
+                <a:sym typeface="Verdana"/>
+              </a:rPr>
+              <a:t>PCA was utilized to reduce the dimensionality of the dataset while preserving relevant information. The resulting principal components provided insights into the underlying structure of the data, enabling better understanding of feature relationships.</a:t>
+            </a:r>
+            <a:endParaRPr sz="1100">
+              <a:solidFill>
+                <a:schemeClr val="dk2"/>
+              </a:solidFill>
+              <a:latin typeface="Verdana"/>
+              <a:ea typeface="Verdana"/>
+              <a:cs typeface="Verdana"/>
+              <a:sym typeface="Verdana"/>
             </a:endParaRPr>
           </a:p>
         </p:txBody>
       </p:sp>
       <p:sp>
         <p:nvSpPr>
-          <p:cNvPr id="220" name="Google Shape;220;p12"/>
-          <p:cNvSpPr/>
-          <p:nvPr>
-            <p:ph idx="2" type="pic"/>
-          </p:nvPr>
+          <p:cNvPr id="200" name="Google Shape;200;p8"/>
+          <p:cNvSpPr txBox="1"/>
+          <p:nvPr/>
         </p:nvSpPr>
         <p:spPr>
           <a:xfrm>
-            <a:off x="4394725" y="4961200"/>
-            <a:ext cx="3035400" cy="2495700"/>
+            <a:off x="1864425" y="458600"/>
+            <a:ext cx="4402800" cy="783300"/>
           </a:xfrm>
           <a:prstGeom prst="rect">
             <a:avLst/>
           </a:prstGeom>
+          <a:solidFill>
+            <a:schemeClr val="lt1"/>
+          </a:solidFill>
+          <a:ln>
+            <a:noFill/>
+          </a:ln>
         </p:spPr>
+        <p:txBody>
+          <a:bodyPr anchorCtr="0" anchor="t" bIns="91425" lIns="91425" spcFirstLastPara="1" rIns="91425" wrap="square" tIns="91425">
+            <a:noAutofit/>
+          </a:bodyPr>
+          <a:lstStyle/>
+          <a:p>
+            <a:pPr indent="0" lvl="0" marL="0" rtl="0" algn="l">
+              <a:lnSpc>
+                <a:spcPct val="115000"/>
+              </a:lnSpc>
+              <a:spcBef>
+                <a:spcPts val="2400"/>
+              </a:spcBef>
+              <a:spcAft>
+                <a:spcPts val="0"/>
+              </a:spcAft>
+              <a:buClr>
+                <a:schemeClr val="dk1"/>
+              </a:buClr>
+              <a:buSzPts val="1100"/>
+              <a:buFont typeface="Arial"/>
+              <a:buNone/>
+            </a:pPr>
+            <a:r>
+              <a:rPr b="1" lang="en" sz="2300">
+                <a:solidFill>
+                  <a:schemeClr val="dk1"/>
+                </a:solidFill>
+              </a:rPr>
+              <a:t>STEEL DEFECT PREDICTION</a:t>
+            </a:r>
+            <a:endParaRPr b="1" sz="2300">
+              <a:solidFill>
+                <a:schemeClr val="dk1"/>
+              </a:solidFill>
+            </a:endParaRPr>
+          </a:p>
+          <a:p>
+            <a:pPr indent="0" lvl="0" marL="0" rtl="0" algn="l">
+              <a:spcBef>
+                <a:spcPts val="600"/>
+              </a:spcBef>
+              <a:spcAft>
+                <a:spcPts val="0"/>
+              </a:spcAft>
+              <a:buNone/>
+            </a:pPr>
+            <a:r>
+              <a:t/>
+            </a:r>
+            <a:endParaRPr sz="1800">
+              <a:solidFill>
+                <a:schemeClr val="dk2"/>
+              </a:solidFill>
+            </a:endParaRPr>
+          </a:p>
+        </p:txBody>
+      </p:sp>
+      <p:sp>
+        <p:nvSpPr>
+          <p:cNvPr id="201" name="Google Shape;201;p8"/>
+          <p:cNvSpPr txBox="1"/>
+          <p:nvPr/>
+        </p:nvSpPr>
+        <p:spPr>
+          <a:xfrm>
+            <a:off x="509775" y="7106700"/>
+            <a:ext cx="3314700" cy="2243700"/>
+          </a:xfrm>
+          <a:prstGeom prst="rect">
+            <a:avLst/>
+          </a:prstGeom>
+          <a:noFill/>
+          <a:ln>
+            <a:noFill/>
+          </a:ln>
+        </p:spPr>
+        <p:txBody>
+          <a:bodyPr anchorCtr="0" anchor="t" bIns="91425" lIns="91425" spcFirstLastPara="1" rIns="91425" wrap="square" tIns="91425">
+            <a:noAutofit/>
+          </a:bodyPr>
+          <a:lstStyle/>
+          <a:p>
+            <a:pPr indent="0" lvl="0" marL="0" rtl="0" algn="l">
+              <a:lnSpc>
+                <a:spcPct val="115000"/>
+              </a:lnSpc>
+              <a:spcBef>
+                <a:spcPts val="0"/>
+              </a:spcBef>
+              <a:spcAft>
+                <a:spcPts val="0"/>
+              </a:spcAft>
+              <a:buNone/>
+            </a:pPr>
+            <a:r>
+              <a:rPr b="1" lang="en" sz="1100">
+                <a:solidFill>
+                  <a:schemeClr val="dk2"/>
+                </a:solidFill>
+                <a:latin typeface="Verdana"/>
+                <a:ea typeface="Verdana"/>
+                <a:cs typeface="Verdana"/>
+                <a:sym typeface="Verdana"/>
+              </a:rPr>
+              <a:t>Deployment and Monitoring: </a:t>
+            </a:r>
+            <a:r>
+              <a:rPr lang="en" sz="1100">
+                <a:solidFill>
+                  <a:schemeClr val="dk2"/>
+                </a:solidFill>
+                <a:latin typeface="Verdana"/>
+                <a:ea typeface="Verdana"/>
+                <a:cs typeface="Verdana"/>
+                <a:sym typeface="Verdana"/>
+              </a:rPr>
+              <a:t>Once a satisfactory model is developed, deployment to production environments will be considered, followed by ongoing monitoring and maintenance to ensure continued effectiveness.</a:t>
+            </a:r>
+            <a:endParaRPr sz="1100">
+              <a:solidFill>
+                <a:schemeClr val="dk2"/>
+              </a:solidFill>
+              <a:latin typeface="Verdana"/>
+              <a:ea typeface="Verdana"/>
+              <a:cs typeface="Verdana"/>
+              <a:sym typeface="Verdana"/>
+            </a:endParaRPr>
+          </a:p>
+        </p:txBody>
       </p:sp>
     </p:spTree>
   </p:cSld>
@@ -11114,6 +12674,285 @@
 </file>
 
 <file path=ppt/theme/theme1.xml><?xml version="1.0" encoding="utf-8"?>
+<a:theme xmlns:a="http://schemas.openxmlformats.org/drawingml/2006/main" xmlns:r="http://schemas.openxmlformats.org/officeDocument/2006/relationships">
+  <a:themeElements>
+    <a:clrScheme name="Default">
+      <a:dk1>
+        <a:srgbClr val="000000"/>
+      </a:dk1>
+      <a:lt1>
+        <a:srgbClr val="FFFFFF"/>
+      </a:lt1>
+      <a:dk2>
+        <a:srgbClr val="158158"/>
+      </a:dk2>
+      <a:lt2>
+        <a:srgbClr val="F3F3F3"/>
+      </a:lt2>
+      <a:accent1>
+        <a:srgbClr val="058DC7"/>
+      </a:accent1>
+      <a:accent2>
+        <a:srgbClr val="50B432"/>
+      </a:accent2>
+      <a:accent3>
+        <a:srgbClr val="ED561B"/>
+      </a:accent3>
+      <a:accent4>
+        <a:srgbClr val="EDEF00"/>
+      </a:accent4>
+      <a:accent5>
+        <a:srgbClr val="24CBE5"/>
+      </a:accent5>
+      <a:accent6>
+        <a:srgbClr val="64E572"/>
+      </a:accent6>
+      <a:hlink>
+        <a:srgbClr val="2200CC"/>
+      </a:hlink>
+      <a:folHlink>
+        <a:srgbClr val="551A8B"/>
+      </a:folHlink>
+    </a:clrScheme>
+    <a:fontScheme name="Office">
+      <a:majorFont>
+        <a:latin typeface="Arial"/>
+        <a:ea typeface=""/>
+        <a:cs typeface=""/>
+        <a:font script="Jpan" typeface="ＭＳ Ｐゴシック"/>
+        <a:font script="Hang" typeface="맑은 고딕"/>
+        <a:font script="Hans" typeface="宋体"/>
+        <a:font script="Hant" typeface="新細明體"/>
+        <a:font script="Arab" typeface="Times New Roman"/>
+        <a:font script="Hebr" typeface="Times New Roman"/>
+        <a:font script="Thai" typeface="Angsana New"/>
+        <a:font script="Ethi" typeface="Nyala"/>
+        <a:font script="Beng" typeface="Vrinda"/>
+        <a:font script="Gujr" typeface="Shruti"/>
+        <a:font script="Khmr" typeface="MoolBoran"/>
+        <a:font script="Knda" typeface="Tunga"/>
+        <a:font script="Guru" typeface="Raavi"/>
+        <a:font script="Cans" typeface="Euphemia"/>
+        <a:font script="Cher" typeface="Plantagenet Cherokee"/>
+        <a:font script="Yiii" typeface="Microsoft Yi Baiti"/>
+        <a:font script="Tibt" typeface="Microsoft Himalaya"/>
+        <a:font script="Thaa" typeface="MV Boli"/>
+        <a:font script="Deva" typeface="Mangal"/>
+        <a:font script="Telu" typeface="Gautami"/>
+        <a:font script="Taml" typeface="Latha"/>
+        <a:font script="Syrc" typeface="Estrangelo Edessa"/>
+        <a:font script="Orya" typeface="Kalinga"/>
+        <a:font script="Mlym" typeface="Kartika"/>
+        <a:font script="Laoo" typeface="DokChampa"/>
+        <a:font script="Sinh" typeface="Iskoola Pota"/>
+        <a:font script="Mong" typeface="Mongolian Baiti"/>
+        <a:font script="Viet" typeface="Times New Roman"/>
+        <a:font script="Uigh" typeface="Microsoft Uighur"/>
+        <a:font script="Geor" typeface="Sylfaen"/>
+      </a:majorFont>
+      <a:minorFont>
+        <a:latin typeface="Arial"/>
+        <a:ea typeface=""/>
+        <a:cs typeface=""/>
+        <a:font script="Jpan" typeface="ＭＳ Ｐゴシック"/>
+        <a:font script="Hang" typeface="맑은 고딕"/>
+        <a:font script="Hans" typeface="宋体"/>
+        <a:font script="Hant" typeface="新細明體"/>
+        <a:font script="Arab" typeface="Arial"/>
+        <a:font script="Hebr" typeface="Arial"/>
+        <a:font script="Thai" typeface="Cordia New"/>
+        <a:font script="Ethi" typeface="Nyala"/>
+        <a:font script="Beng" typeface="Vrinda"/>
+        <a:font script="Gujr" typeface="Shruti"/>
+        <a:font script="Khmr" typeface="DaunPenh"/>
+        <a:font script="Knda" typeface="Tunga"/>
+        <a:font script="Guru" typeface="Raavi"/>
+        <a:font script="Cans" typeface="Euphemia"/>
+        <a:font script="Cher" typeface="Plantagenet Cherokee"/>
+        <a:font script="Yiii" typeface="Microsoft Yi Baiti"/>
+        <a:font script="Tibt" typeface="Microsoft Himalaya"/>
+        <a:font script="Thaa" typeface="MV Boli"/>
+        <a:font script="Deva" typeface="Mangal"/>
+        <a:font script="Telu" typeface="Gautami"/>
+        <a:font script="Taml" typeface="Latha"/>
+        <a:font script="Syrc" typeface="Estrangelo Edessa"/>
+        <a:font script="Orya" typeface="Kalinga"/>
+        <a:font script="Mlym" typeface="Kartika"/>
+        <a:font script="Laoo" typeface="DokChampa"/>
+        <a:font script="Sinh" typeface="Iskoola Pota"/>
+        <a:font script="Mong" typeface="Mongolian Baiti"/>
+        <a:font script="Viet" typeface="Arial"/>
+        <a:font script="Uigh" typeface="Microsoft Uighur"/>
+        <a:font script="Geor" typeface="Sylfaen"/>
+      </a:minorFont>
+    </a:fontScheme>
+    <a:fmtScheme name="Office">
+      <a:fillStyleLst>
+        <a:solidFill>
+          <a:schemeClr val="phClr"/>
+        </a:solidFill>
+        <a:gradFill rotWithShape="1">
+          <a:gsLst>
+            <a:gs pos="0">
+              <a:schemeClr val="phClr">
+                <a:tint val="50000"/>
+                <a:satMod val="300000"/>
+              </a:schemeClr>
+            </a:gs>
+            <a:gs pos="35000">
+              <a:schemeClr val="phClr">
+                <a:tint val="37000"/>
+                <a:satMod val="300000"/>
+              </a:schemeClr>
+            </a:gs>
+            <a:gs pos="100000">
+              <a:schemeClr val="phClr">
+                <a:tint val="15000"/>
+                <a:satMod val="350000"/>
+              </a:schemeClr>
+            </a:gs>
+          </a:gsLst>
+          <a:lin ang="16200000" scaled="1"/>
+        </a:gradFill>
+        <a:gradFill rotWithShape="1">
+          <a:gsLst>
+            <a:gs pos="0">
+              <a:schemeClr val="phClr">
+                <a:tint val="100000"/>
+                <a:shade val="100000"/>
+                <a:satMod val="130000"/>
+              </a:schemeClr>
+            </a:gs>
+            <a:gs pos="100000">
+              <a:schemeClr val="phClr">
+                <a:tint val="50000"/>
+                <a:shade val="100000"/>
+                <a:satMod val="350000"/>
+              </a:schemeClr>
+            </a:gs>
+          </a:gsLst>
+          <a:lin ang="16200000" scaled="0"/>
+        </a:gradFill>
+      </a:fillStyleLst>
+      <a:lnStyleLst>
+        <a:ln w="9525" cap="flat" cmpd="sng" algn="ctr">
+          <a:solidFill>
+            <a:schemeClr val="phClr">
+              <a:shade val="95000"/>
+              <a:satMod val="105000"/>
+            </a:schemeClr>
+          </a:solidFill>
+          <a:prstDash val="solid"/>
+        </a:ln>
+        <a:ln w="25400" cap="flat" cmpd="sng" algn="ctr">
+          <a:solidFill>
+            <a:schemeClr val="phClr"/>
+          </a:solidFill>
+          <a:prstDash val="solid"/>
+        </a:ln>
+        <a:ln w="38100" cap="flat" cmpd="sng" algn="ctr">
+          <a:solidFill>
+            <a:schemeClr val="phClr"/>
+          </a:solidFill>
+          <a:prstDash val="solid"/>
+        </a:ln>
+      </a:lnStyleLst>
+      <a:effectStyleLst>
+        <a:effectStyle>
+          <a:effectLst>
+            <a:outerShdw blurRad="40000" dist="20000" dir="5400000" rotWithShape="0">
+              <a:srgbClr val="000000">
+                <a:alpha val="38000"/>
+              </a:srgbClr>
+            </a:outerShdw>
+          </a:effectLst>
+        </a:effectStyle>
+        <a:effectStyle>
+          <a:effectLst>
+            <a:outerShdw blurRad="40000" dist="23000" dir="5400000" rotWithShape="0">
+              <a:srgbClr val="000000">
+                <a:alpha val="35000"/>
+              </a:srgbClr>
+            </a:outerShdw>
+          </a:effectLst>
+        </a:effectStyle>
+        <a:effectStyle>
+          <a:effectLst>
+            <a:outerShdw blurRad="40000" dist="23000" dir="5400000" rotWithShape="0">
+              <a:srgbClr val="000000">
+                <a:alpha val="35000"/>
+              </a:srgbClr>
+            </a:outerShdw>
+          </a:effectLst>
+          <a:scene3d>
+            <a:camera prst="orthographicFront">
+              <a:rot lat="0" lon="0" rev="0"/>
+            </a:camera>
+            <a:lightRig rig="threePt" dir="t">
+              <a:rot lat="0" lon="0" rev="1200000"/>
+            </a:lightRig>
+          </a:scene3d>
+          <a:sp3d>
+            <a:bevelT w="63500" h="25400"/>
+          </a:sp3d>
+        </a:effectStyle>
+      </a:effectStyleLst>
+      <a:bgFillStyleLst>
+        <a:solidFill>
+          <a:schemeClr val="phClr"/>
+        </a:solidFill>
+        <a:gradFill rotWithShape="1">
+          <a:gsLst>
+            <a:gs pos="0">
+              <a:schemeClr val="phClr">
+                <a:tint val="40000"/>
+                <a:satMod val="350000"/>
+              </a:schemeClr>
+            </a:gs>
+            <a:gs pos="40000">
+              <a:schemeClr val="phClr">
+                <a:tint val="45000"/>
+                <a:shade val="99000"/>
+                <a:satMod val="350000"/>
+              </a:schemeClr>
+            </a:gs>
+            <a:gs pos="100000">
+              <a:schemeClr val="phClr">
+                <a:shade val="20000"/>
+                <a:satMod val="255000"/>
+              </a:schemeClr>
+            </a:gs>
+          </a:gsLst>
+          <a:path path="circle">
+            <a:fillToRect l="50000" t="-80000" r="50000" b="180000"/>
+          </a:path>
+        </a:gradFill>
+        <a:gradFill rotWithShape="1">
+          <a:gsLst>
+            <a:gs pos="0">
+              <a:schemeClr val="phClr">
+                <a:tint val="80000"/>
+                <a:satMod val="300000"/>
+              </a:schemeClr>
+            </a:gs>
+            <a:gs pos="100000">
+              <a:schemeClr val="phClr">
+                <a:shade val="30000"/>
+                <a:satMod val="200000"/>
+              </a:schemeClr>
+            </a:gs>
+          </a:gsLst>
+          <a:path path="circle">
+            <a:fillToRect l="50000" t="50000" r="50000" b="50000"/>
+          </a:path>
+        </a:gradFill>
+      </a:bgFillStyleLst>
+    </a:fmtScheme>
+  </a:themeElements>
+</a:theme>
+</file>
+
+<file path=ppt/theme/theme2.xml><?xml version="1.0" encoding="utf-8"?>
 <a:theme xmlns:a="http://schemas.openxmlformats.org/drawingml/2006/main" xmlns:r="http://schemas.openxmlformats.org/officeDocument/2006/relationships" name="Simple Light">
   <a:themeElements>
     <a:clrScheme name="Simple Light">
@@ -11390,283 +13229,4 @@
     </a:fmtScheme>
   </a:themeElements>
 </a:theme>
-</file>
-
-<file path=ppt/theme/theme2.xml><?xml version="1.0" encoding="utf-8"?>
-<a:theme xmlns:a="http://schemas.openxmlformats.org/drawingml/2006/main" xmlns:r="http://schemas.openxmlformats.org/officeDocument/2006/relationships">
-  <a:themeElements>
-    <a:clrScheme name="Default">
-      <a:dk1>
-        <a:srgbClr val="000000"/>
-      </a:dk1>
-      <a:lt1>
-        <a:srgbClr val="FFFFFF"/>
-      </a:lt1>
-      <a:dk2>
-        <a:srgbClr val="158158"/>
-      </a:dk2>
-      <a:lt2>
-        <a:srgbClr val="F3F3F3"/>
-      </a:lt2>
-      <a:accent1>
-        <a:srgbClr val="058DC7"/>
-      </a:accent1>
-      <a:accent2>
-        <a:srgbClr val="50B432"/>
-      </a:accent2>
-      <a:accent3>
-        <a:srgbClr val="ED561B"/>
-      </a:accent3>
-      <a:accent4>
-        <a:srgbClr val="EDEF00"/>
-      </a:accent4>
-      <a:accent5>
-        <a:srgbClr val="24CBE5"/>
-      </a:accent5>
-      <a:accent6>
-        <a:srgbClr val="64E572"/>
-      </a:accent6>
-      <a:hlink>
-        <a:srgbClr val="2200CC"/>
-      </a:hlink>
-      <a:folHlink>
-        <a:srgbClr val="551A8B"/>
-      </a:folHlink>
-    </a:clrScheme>
-    <a:fontScheme name="Office">
-      <a:majorFont>
-        <a:latin typeface="Arial"/>
-        <a:ea typeface=""/>
-        <a:cs typeface=""/>
-        <a:font script="Jpan" typeface="ＭＳ Ｐゴシック"/>
-        <a:font script="Hang" typeface="맑은 고딕"/>
-        <a:font script="Hans" typeface="宋体"/>
-        <a:font script="Hant" typeface="新細明體"/>
-        <a:font script="Arab" typeface="Times New Roman"/>
-        <a:font script="Hebr" typeface="Times New Roman"/>
-        <a:font script="Thai" typeface="Angsana New"/>
-        <a:font script="Ethi" typeface="Nyala"/>
-        <a:font script="Beng" typeface="Vrinda"/>
-        <a:font script="Gujr" typeface="Shruti"/>
-        <a:font script="Khmr" typeface="MoolBoran"/>
-        <a:font script="Knda" typeface="Tunga"/>
-        <a:font script="Guru" typeface="Raavi"/>
-        <a:font script="Cans" typeface="Euphemia"/>
-        <a:font script="Cher" typeface="Plantagenet Cherokee"/>
-        <a:font script="Yiii" typeface="Microsoft Yi Baiti"/>
-        <a:font script="Tibt" typeface="Microsoft Himalaya"/>
-        <a:font script="Thaa" typeface="MV Boli"/>
-        <a:font script="Deva" typeface="Mangal"/>
-        <a:font script="Telu" typeface="Gautami"/>
-        <a:font script="Taml" typeface="Latha"/>
-        <a:font script="Syrc" typeface="Estrangelo Edessa"/>
-        <a:font script="Orya" typeface="Kalinga"/>
-        <a:font script="Mlym" typeface="Kartika"/>
-        <a:font script="Laoo" typeface="DokChampa"/>
-        <a:font script="Sinh" typeface="Iskoola Pota"/>
-        <a:font script="Mong" typeface="Mongolian Baiti"/>
-        <a:font script="Viet" typeface="Times New Roman"/>
-        <a:font script="Uigh" typeface="Microsoft Uighur"/>
-        <a:font script="Geor" typeface="Sylfaen"/>
-      </a:majorFont>
-      <a:minorFont>
-        <a:latin typeface="Arial"/>
-        <a:ea typeface=""/>
-        <a:cs typeface=""/>
-        <a:font script="Jpan" typeface="ＭＳ Ｐゴシック"/>
-        <a:font script="Hang" typeface="맑은 고딕"/>
-        <a:font script="Hans" typeface="宋体"/>
-        <a:font script="Hant" typeface="新細明體"/>
-        <a:font script="Arab" typeface="Arial"/>
-        <a:font script="Hebr" typeface="Arial"/>
-        <a:font script="Thai" typeface="Cordia New"/>
-        <a:font script="Ethi" typeface="Nyala"/>
-        <a:font script="Beng" typeface="Vrinda"/>
-        <a:font script="Gujr" typeface="Shruti"/>
-        <a:font script="Khmr" typeface="DaunPenh"/>
-        <a:font script="Knda" typeface="Tunga"/>
-        <a:font script="Guru" typeface="Raavi"/>
-        <a:font script="Cans" typeface="Euphemia"/>
-        <a:font script="Cher" typeface="Plantagenet Cherokee"/>
-        <a:font script="Yiii" typeface="Microsoft Yi Baiti"/>
-        <a:font script="Tibt" typeface="Microsoft Himalaya"/>
-        <a:font script="Thaa" typeface="MV Boli"/>
-        <a:font script="Deva" typeface="Mangal"/>
-        <a:font script="Telu" typeface="Gautami"/>
-        <a:font script="Taml" typeface="Latha"/>
-        <a:font script="Syrc" typeface="Estrangelo Edessa"/>
-        <a:font script="Orya" typeface="Kalinga"/>
-        <a:font script="Mlym" typeface="Kartika"/>
-        <a:font script="Laoo" typeface="DokChampa"/>
-        <a:font script="Sinh" typeface="Iskoola Pota"/>
-        <a:font script="Mong" typeface="Mongolian Baiti"/>
-        <a:font script="Viet" typeface="Arial"/>
-        <a:font script="Uigh" typeface="Microsoft Uighur"/>
-        <a:font script="Geor" typeface="Sylfaen"/>
-      </a:minorFont>
-    </a:fontScheme>
-    <a:fmtScheme name="Office">
-      <a:fillStyleLst>
-        <a:solidFill>
-          <a:schemeClr val="phClr"/>
-        </a:solidFill>
-        <a:gradFill rotWithShape="1">
-          <a:gsLst>
-            <a:gs pos="0">
-              <a:schemeClr val="phClr">
-                <a:tint val="50000"/>
-                <a:satMod val="300000"/>
-              </a:schemeClr>
-            </a:gs>
-            <a:gs pos="35000">
-              <a:schemeClr val="phClr">
-                <a:tint val="37000"/>
-                <a:satMod val="300000"/>
-              </a:schemeClr>
-            </a:gs>
-            <a:gs pos="100000">
-              <a:schemeClr val="phClr">
-                <a:tint val="15000"/>
-                <a:satMod val="350000"/>
-              </a:schemeClr>
-            </a:gs>
-          </a:gsLst>
-          <a:lin ang="16200000" scaled="1"/>
-        </a:gradFill>
-        <a:gradFill rotWithShape="1">
-          <a:gsLst>
-            <a:gs pos="0">
-              <a:schemeClr val="phClr">
-                <a:tint val="100000"/>
-                <a:shade val="100000"/>
-                <a:satMod val="130000"/>
-              </a:schemeClr>
-            </a:gs>
-            <a:gs pos="100000">
-              <a:schemeClr val="phClr">
-                <a:tint val="50000"/>
-                <a:shade val="100000"/>
-                <a:satMod val="350000"/>
-              </a:schemeClr>
-            </a:gs>
-          </a:gsLst>
-          <a:lin ang="16200000" scaled="0"/>
-        </a:gradFill>
-      </a:fillStyleLst>
-      <a:lnStyleLst>
-        <a:ln w="9525" cap="flat" cmpd="sng" algn="ctr">
-          <a:solidFill>
-            <a:schemeClr val="phClr">
-              <a:shade val="95000"/>
-              <a:satMod val="105000"/>
-            </a:schemeClr>
-          </a:solidFill>
-          <a:prstDash val="solid"/>
-        </a:ln>
-        <a:ln w="25400" cap="flat" cmpd="sng" algn="ctr">
-          <a:solidFill>
-            <a:schemeClr val="phClr"/>
-          </a:solidFill>
-          <a:prstDash val="solid"/>
-        </a:ln>
-        <a:ln w="38100" cap="flat" cmpd="sng" algn="ctr">
-          <a:solidFill>
-            <a:schemeClr val="phClr"/>
-          </a:solidFill>
-          <a:prstDash val="solid"/>
-        </a:ln>
-      </a:lnStyleLst>
-      <a:effectStyleLst>
-        <a:effectStyle>
-          <a:effectLst>
-            <a:outerShdw blurRad="40000" dist="20000" dir="5400000" rotWithShape="0">
-              <a:srgbClr val="000000">
-                <a:alpha val="38000"/>
-              </a:srgbClr>
-            </a:outerShdw>
-          </a:effectLst>
-        </a:effectStyle>
-        <a:effectStyle>
-          <a:effectLst>
-            <a:outerShdw blurRad="40000" dist="23000" dir="5400000" rotWithShape="0">
-              <a:srgbClr val="000000">
-                <a:alpha val="35000"/>
-              </a:srgbClr>
-            </a:outerShdw>
-          </a:effectLst>
-        </a:effectStyle>
-        <a:effectStyle>
-          <a:effectLst>
-            <a:outerShdw blurRad="40000" dist="23000" dir="5400000" rotWithShape="0">
-              <a:srgbClr val="000000">
-                <a:alpha val="35000"/>
-              </a:srgbClr>
-            </a:outerShdw>
-          </a:effectLst>
-          <a:scene3d>
-            <a:camera prst="orthographicFront">
-              <a:rot lat="0" lon="0" rev="0"/>
-            </a:camera>
-            <a:lightRig rig="threePt" dir="t">
-              <a:rot lat="0" lon="0" rev="1200000"/>
-            </a:lightRig>
-          </a:scene3d>
-          <a:sp3d>
-            <a:bevelT w="63500" h="25400"/>
-          </a:sp3d>
-        </a:effectStyle>
-      </a:effectStyleLst>
-      <a:bgFillStyleLst>
-        <a:solidFill>
-          <a:schemeClr val="phClr"/>
-        </a:solidFill>
-        <a:gradFill rotWithShape="1">
-          <a:gsLst>
-            <a:gs pos="0">
-              <a:schemeClr val="phClr">
-                <a:tint val="40000"/>
-                <a:satMod val="350000"/>
-              </a:schemeClr>
-            </a:gs>
-            <a:gs pos="40000">
-              <a:schemeClr val="phClr">
-                <a:tint val="45000"/>
-                <a:shade val="99000"/>
-                <a:satMod val="350000"/>
-              </a:schemeClr>
-            </a:gs>
-            <a:gs pos="100000">
-              <a:schemeClr val="phClr">
-                <a:shade val="20000"/>
-                <a:satMod val="255000"/>
-              </a:schemeClr>
-            </a:gs>
-          </a:gsLst>
-          <a:path path="circle">
-            <a:fillToRect l="50000" t="-80000" r="50000" b="180000"/>
-          </a:path>
-        </a:gradFill>
-        <a:gradFill rotWithShape="1">
-          <a:gsLst>
-            <a:gs pos="0">
-              <a:schemeClr val="phClr">
-                <a:tint val="80000"/>
-                <a:satMod val="300000"/>
-              </a:schemeClr>
-            </a:gs>
-            <a:gs pos="100000">
-              <a:schemeClr val="phClr">
-                <a:shade val="30000"/>
-                <a:satMod val="200000"/>
-              </a:schemeClr>
-            </a:gs>
-          </a:gsLst>
-          <a:path path="circle">
-            <a:fillToRect l="50000" t="50000" r="50000" b="50000"/>
-          </a:path>
-        </a:gradFill>
-      </a:bgFillStyleLst>
-    </a:fmtScheme>
-  </a:themeElements>
-</a:theme>
 </file>